--- a/poster_ANTS.pptx
+++ b/poster_ANTS.pptx
@@ -106,7 +106,18 @@
   </p:defaultTextStyle>
   <p:extLst>
     <p:ext uri="{EFAFB233-063F-42B5-8137-9DF3F51BA10A}">
-      <p15:sldGuideLst xmlns:p15="http://schemas.microsoft.com/office/powerpoint/2012/main"/>
+      <p15:sldGuideLst xmlns:p15="http://schemas.microsoft.com/office/powerpoint/2012/main">
+        <p15:guide id="1" orient="horz" pos="13470" userDrawn="1">
+          <p15:clr>
+            <a:srgbClr val="A4A3A4"/>
+          </p15:clr>
+        </p15:guide>
+        <p15:guide id="2" pos="9524" userDrawn="1">
+          <p15:clr>
+            <a:srgbClr val="A4A3A4"/>
+          </p15:clr>
+        </p15:guide>
+      </p15:sldGuideLst>
     </p:ext>
   </p:extLst>
 </p:presentation>
@@ -243,7 +254,7 @@
           <a:p>
             <a:fld id="{AC0CB415-35DA-084B-8117-83F5D9237241}" type="datetimeFigureOut">
               <a:rPr lang="en-DE" smtClean="0"/>
-              <a:t>04.06.24</a:t>
+              <a:t>01.10.24</a:t>
             </a:fld>
             <a:endParaRPr lang="en-DE"/>
           </a:p>
@@ -413,7 +424,7 @@
           <a:p>
             <a:fld id="{AC0CB415-35DA-084B-8117-83F5D9237241}" type="datetimeFigureOut">
               <a:rPr lang="en-DE" smtClean="0"/>
-              <a:t>04.06.24</a:t>
+              <a:t>01.10.24</a:t>
             </a:fld>
             <a:endParaRPr lang="en-DE"/>
           </a:p>
@@ -593,7 +604,7 @@
           <a:p>
             <a:fld id="{AC0CB415-35DA-084B-8117-83F5D9237241}" type="datetimeFigureOut">
               <a:rPr lang="en-DE" smtClean="0"/>
-              <a:t>04.06.24</a:t>
+              <a:t>01.10.24</a:t>
             </a:fld>
             <a:endParaRPr lang="en-DE"/>
           </a:p>
@@ -763,7 +774,7 @@
           <a:p>
             <a:fld id="{AC0CB415-35DA-084B-8117-83F5D9237241}" type="datetimeFigureOut">
               <a:rPr lang="en-DE" smtClean="0"/>
-              <a:t>04.06.24</a:t>
+              <a:t>01.10.24</a:t>
             </a:fld>
             <a:endParaRPr lang="en-DE"/>
           </a:p>
@@ -1007,7 +1018,7 @@
           <a:p>
             <a:fld id="{AC0CB415-35DA-084B-8117-83F5D9237241}" type="datetimeFigureOut">
               <a:rPr lang="en-DE" smtClean="0"/>
-              <a:t>04.06.24</a:t>
+              <a:t>01.10.24</a:t>
             </a:fld>
             <a:endParaRPr lang="en-DE"/>
           </a:p>
@@ -1239,7 +1250,7 @@
           <a:p>
             <a:fld id="{AC0CB415-35DA-084B-8117-83F5D9237241}" type="datetimeFigureOut">
               <a:rPr lang="en-DE" smtClean="0"/>
-              <a:t>04.06.24</a:t>
+              <a:t>01.10.24</a:t>
             </a:fld>
             <a:endParaRPr lang="en-DE"/>
           </a:p>
@@ -1606,7 +1617,7 @@
           <a:p>
             <a:fld id="{AC0CB415-35DA-084B-8117-83F5D9237241}" type="datetimeFigureOut">
               <a:rPr lang="en-DE" smtClean="0"/>
-              <a:t>04.06.24</a:t>
+              <a:t>01.10.24</a:t>
             </a:fld>
             <a:endParaRPr lang="en-DE"/>
           </a:p>
@@ -1724,7 +1735,7 @@
           <a:p>
             <a:fld id="{AC0CB415-35DA-084B-8117-83F5D9237241}" type="datetimeFigureOut">
               <a:rPr lang="en-DE" smtClean="0"/>
-              <a:t>04.06.24</a:t>
+              <a:t>01.10.24</a:t>
             </a:fld>
             <a:endParaRPr lang="en-DE"/>
           </a:p>
@@ -1819,7 +1830,7 @@
           <a:p>
             <a:fld id="{AC0CB415-35DA-084B-8117-83F5D9237241}" type="datetimeFigureOut">
               <a:rPr lang="en-DE" smtClean="0"/>
-              <a:t>04.06.24</a:t>
+              <a:t>01.10.24</a:t>
             </a:fld>
             <a:endParaRPr lang="en-DE"/>
           </a:p>
@@ -2096,7 +2107,7 @@
           <a:p>
             <a:fld id="{AC0CB415-35DA-084B-8117-83F5D9237241}" type="datetimeFigureOut">
               <a:rPr lang="en-DE" smtClean="0"/>
-              <a:t>04.06.24</a:t>
+              <a:t>01.10.24</a:t>
             </a:fld>
             <a:endParaRPr lang="en-DE"/>
           </a:p>
@@ -2353,7 +2364,7 @@
           <a:p>
             <a:fld id="{AC0CB415-35DA-084B-8117-83F5D9237241}" type="datetimeFigureOut">
               <a:rPr lang="en-DE" smtClean="0"/>
-              <a:t>04.06.24</a:t>
+              <a:t>01.10.24</a:t>
             </a:fld>
             <a:endParaRPr lang="en-DE"/>
           </a:p>
@@ -2566,7 +2577,7 @@
           <a:p>
             <a:fld id="{AC0CB415-35DA-084B-8117-83F5D9237241}" type="datetimeFigureOut">
               <a:rPr lang="en-DE" smtClean="0"/>
-              <a:t>04.06.24</a:t>
+              <a:t>01.10.24</a:t>
             </a:fld>
             <a:endParaRPr lang="en-DE"/>
           </a:p>
@@ -2981,6 +2992,398 @@
       </p:grpSpPr>
       <p:sp>
         <p:nvSpPr>
+          <p:cNvPr id="1139" name="TextBox 1138">
+            <a:extLst>
+              <a:ext uri="{FF2B5EF4-FFF2-40B4-BE49-F238E27FC236}">
+                <a16:creationId xmlns:a16="http://schemas.microsoft.com/office/drawing/2014/main" id="{8D827061-E522-08F7-9ABF-6F96FE85D993}"/>
+              </a:ext>
+            </a:extLst>
+          </p:cNvPr>
+          <p:cNvSpPr txBox="1"/>
+          <p:nvPr/>
+        </p:nvSpPr>
+        <p:spPr>
+          <a:xfrm>
+            <a:off x="198144" y="3429210"/>
+            <a:ext cx="29844000" cy="2185214"/>
+          </a:xfrm>
+          <a:prstGeom prst="rect">
+            <a:avLst/>
+          </a:prstGeom>
+          <a:noFill/>
+        </p:spPr>
+        <p:txBody>
+          <a:bodyPr wrap="square" rtlCol="0">
+            <a:spAutoFit/>
+          </a:bodyPr>
+          <a:lstStyle/>
+          <a:p>
+            <a:pPr marL="0" marR="0" lvl="0" indent="0" algn="ctr" defTabSz="457200" rtl="0" eaLnBrk="1" fontAlgn="auto" latinLnBrk="0" hangingPunct="1">
+              <a:lnSpc>
+                <a:spcPct val="100000"/>
+              </a:lnSpc>
+              <a:spcBef>
+                <a:spcPts val="0"/>
+              </a:spcBef>
+              <a:spcAft>
+                <a:spcPts val="0"/>
+              </a:spcAft>
+              <a:buClrTx/>
+              <a:buSzTx/>
+              <a:buFontTx/>
+              <a:buNone/>
+              <a:tabLst/>
+              <a:defRPr/>
+            </a:pPr>
+            <a:r>
+              <a:rPr kumimoji="0" lang="en-DE" sz="5400" b="0" i="0" u="sng" strike="noStrike" kern="1200" cap="none" spc="0" normalizeH="0" baseline="0" noProof="0" dirty="0">
+                <a:ln>
+                  <a:noFill/>
+                </a:ln>
+                <a:solidFill>
+                  <a:schemeClr val="tx2"/>
+                </a:solidFill>
+                <a:effectLst/>
+                <a:uLnTx/>
+                <a:uFillTx/>
+                <a:latin typeface="Calibri" panose="020F0502020204030204"/>
+                <a:ea typeface="+mn-ea"/>
+                <a:cs typeface="+mn-cs"/>
+              </a:rPr>
+              <a:t>Julia Klein</a:t>
+            </a:r>
+            <a:r>
+              <a:rPr kumimoji="0" lang="en-DE" sz="5400" b="0" i="0" u="none" strike="noStrike" kern="1200" cap="none" spc="0" normalizeH="0" baseline="30000" noProof="0" dirty="0">
+                <a:ln>
+                  <a:noFill/>
+                </a:ln>
+                <a:solidFill>
+                  <a:schemeClr val="tx2"/>
+                </a:solidFill>
+                <a:effectLst/>
+                <a:uLnTx/>
+                <a:uFillTx/>
+                <a:latin typeface="Calibri" panose="020F0502020204030204"/>
+                <a:ea typeface="+mn-ea"/>
+                <a:cs typeface="+mn-cs"/>
+              </a:rPr>
+              <a:t>1,2</a:t>
+            </a:r>
+            <a:r>
+              <a:rPr kumimoji="0" lang="en-DE" sz="5400" b="0" i="0" u="none" strike="noStrike" kern="1200" cap="none" spc="0" normalizeH="0" baseline="0" noProof="0" dirty="0">
+                <a:ln>
+                  <a:noFill/>
+                </a:ln>
+                <a:solidFill>
+                  <a:schemeClr val="tx2"/>
+                </a:solidFill>
+                <a:effectLst/>
+                <a:uLnTx/>
+                <a:uFillTx/>
+                <a:latin typeface="Calibri" panose="020F0502020204030204"/>
+                <a:ea typeface="+mn-ea"/>
+                <a:cs typeface="+mn-cs"/>
+              </a:rPr>
+              <a:t>, Alberto d’Onofrio</a:t>
+            </a:r>
+            <a:r>
+              <a:rPr kumimoji="0" lang="en-DE" sz="5400" b="0" i="0" u="none" strike="noStrike" kern="1200" cap="none" spc="0" normalizeH="0" baseline="30000" noProof="0" dirty="0">
+                <a:ln>
+                  <a:noFill/>
+                </a:ln>
+                <a:solidFill>
+                  <a:schemeClr val="tx2"/>
+                </a:solidFill>
+                <a:effectLst/>
+                <a:uLnTx/>
+                <a:uFillTx/>
+                <a:latin typeface="Calibri" panose="020F0502020204030204"/>
+                <a:ea typeface="+mn-ea"/>
+                <a:cs typeface="+mn-cs"/>
+              </a:rPr>
+              <a:t>3</a:t>
+            </a:r>
+            <a:r>
+              <a:rPr kumimoji="0" lang="en-DE" sz="5400" b="0" i="0" u="none" strike="noStrike" kern="1200" cap="none" spc="0" normalizeH="0" baseline="0" noProof="0" dirty="0">
+                <a:ln>
+                  <a:noFill/>
+                </a:ln>
+                <a:solidFill>
+                  <a:schemeClr val="tx2"/>
+                </a:solidFill>
+                <a:effectLst/>
+                <a:uLnTx/>
+                <a:uFillTx/>
+                <a:latin typeface="Calibri" panose="020F0502020204030204"/>
+                <a:ea typeface="+mn-ea"/>
+                <a:cs typeface="+mn-cs"/>
+              </a:rPr>
+              <a:t>, Tatjana Petrov</a:t>
+            </a:r>
+            <a:r>
+              <a:rPr kumimoji="0" lang="en-DE" sz="5400" b="0" i="0" u="none" strike="noStrike" kern="1200" cap="none" spc="0" normalizeH="0" baseline="30000" noProof="0" dirty="0">
+                <a:ln>
+                  <a:noFill/>
+                </a:ln>
+                <a:solidFill>
+                  <a:schemeClr val="tx2"/>
+                </a:solidFill>
+                <a:effectLst/>
+                <a:uLnTx/>
+                <a:uFillTx/>
+                <a:latin typeface="Calibri" panose="020F0502020204030204"/>
+                <a:ea typeface="+mn-ea"/>
+                <a:cs typeface="+mn-cs"/>
+              </a:rPr>
+              <a:t>2,3,4</a:t>
+            </a:r>
+            <a:endParaRPr kumimoji="0" lang="en-DE" sz="3200" b="0" i="0" u="none" strike="noStrike" kern="1200" cap="none" spc="0" normalizeH="0" baseline="30000" noProof="0" dirty="0">
+              <a:ln>
+                <a:noFill/>
+              </a:ln>
+              <a:solidFill>
+                <a:schemeClr val="tx2"/>
+              </a:solidFill>
+              <a:effectLst/>
+              <a:uLnTx/>
+              <a:uFillTx/>
+              <a:latin typeface="Calibri" panose="020F0502020204030204"/>
+              <a:ea typeface="+mn-ea"/>
+              <a:cs typeface="+mn-cs"/>
+            </a:endParaRPr>
+          </a:p>
+          <a:p>
+            <a:pPr marL="0" marR="0" lvl="0" indent="0" algn="ctr" defTabSz="457200" rtl="0" eaLnBrk="1" fontAlgn="auto" latinLnBrk="0" hangingPunct="1">
+              <a:lnSpc>
+                <a:spcPct val="100000"/>
+              </a:lnSpc>
+              <a:spcBef>
+                <a:spcPts val="0"/>
+              </a:spcBef>
+              <a:spcAft>
+                <a:spcPts val="0"/>
+              </a:spcAft>
+              <a:buClrTx/>
+              <a:buSzTx/>
+              <a:buFontTx/>
+              <a:buNone/>
+              <a:tabLst/>
+              <a:defRPr/>
+            </a:pPr>
+            <a:r>
+              <a:rPr kumimoji="0" lang="en-DE" sz="3200" b="0" i="0" u="none" strike="noStrike" kern="1200" cap="none" spc="0" normalizeH="0" baseline="30000" noProof="0" dirty="0">
+                <a:ln>
+                  <a:noFill/>
+                </a:ln>
+                <a:solidFill>
+                  <a:schemeClr val="tx2"/>
+                </a:solidFill>
+                <a:effectLst/>
+                <a:uLnTx/>
+                <a:uFillTx/>
+                <a:latin typeface="Calibri" panose="020F0502020204030204"/>
+                <a:ea typeface="+mn-ea"/>
+                <a:cs typeface="+mn-cs"/>
+              </a:rPr>
+              <a:t>1</a:t>
+            </a:r>
+            <a:r>
+              <a:rPr kumimoji="0" lang="en-DE" sz="3200" b="0" i="0" u="none" strike="noStrike" kern="1200" cap="none" spc="0" normalizeH="0" baseline="0" noProof="0" dirty="0">
+                <a:ln>
+                  <a:noFill/>
+                </a:ln>
+                <a:solidFill>
+                  <a:schemeClr val="tx2"/>
+                </a:solidFill>
+                <a:effectLst/>
+                <a:uLnTx/>
+                <a:uFillTx/>
+                <a:latin typeface="Calibri" panose="020F0502020204030204"/>
+                <a:ea typeface="+mn-ea"/>
+                <a:cs typeface="+mn-cs"/>
+              </a:rPr>
+              <a:t>University of Konstanz   </a:t>
+            </a:r>
+            <a:r>
+              <a:rPr kumimoji="0" lang="en-DE" sz="3200" b="0" i="0" u="none" strike="noStrike" kern="1200" cap="none" spc="0" normalizeH="0" baseline="30000" noProof="0" dirty="0">
+                <a:ln>
+                  <a:noFill/>
+                </a:ln>
+                <a:solidFill>
+                  <a:schemeClr val="tx2"/>
+                </a:solidFill>
+                <a:effectLst/>
+                <a:uLnTx/>
+                <a:uFillTx/>
+                <a:latin typeface="Calibri" panose="020F0502020204030204"/>
+                <a:ea typeface="+mn-ea"/>
+                <a:cs typeface="+mn-cs"/>
+              </a:rPr>
+              <a:t>2</a:t>
+            </a:r>
+            <a:r>
+              <a:rPr kumimoji="0" lang="en-DE" sz="3200" b="0" i="0" u="none" strike="noStrike" kern="1200" cap="none" spc="0" normalizeH="0" baseline="0" noProof="0" dirty="0">
+                <a:ln>
+                  <a:noFill/>
+                </a:ln>
+                <a:solidFill>
+                  <a:schemeClr val="tx2"/>
+                </a:solidFill>
+                <a:effectLst/>
+                <a:uLnTx/>
+                <a:uFillTx/>
+                <a:latin typeface="Calibri" panose="020F0502020204030204"/>
+                <a:ea typeface="+mn-ea"/>
+                <a:cs typeface="+mn-cs"/>
+              </a:rPr>
+              <a:t>Centre for the Advanced Study of Collective Behaviour, University of Konstanz  </a:t>
+            </a:r>
+            <a:r>
+              <a:rPr kumimoji="0" lang="en-DE" sz="3200" b="0" i="0" u="none" strike="noStrike" kern="1200" cap="none" spc="0" normalizeH="0" baseline="30000" noProof="0" dirty="0">
+                <a:ln>
+                  <a:noFill/>
+                </a:ln>
+                <a:solidFill>
+                  <a:schemeClr val="tx2"/>
+                </a:solidFill>
+                <a:effectLst/>
+                <a:uLnTx/>
+                <a:uFillTx/>
+                <a:latin typeface="Calibri" panose="020F0502020204030204"/>
+                <a:ea typeface="+mn-ea"/>
+                <a:cs typeface="+mn-cs"/>
+              </a:rPr>
+              <a:t> 3</a:t>
+            </a:r>
+            <a:r>
+              <a:rPr kumimoji="0" lang="en-DE" sz="3200" b="0" i="0" u="none" strike="noStrike" kern="1200" cap="none" spc="0" normalizeH="0" baseline="0" noProof="0" dirty="0">
+                <a:ln>
+                  <a:noFill/>
+                </a:ln>
+                <a:solidFill>
+                  <a:schemeClr val="tx2"/>
+                </a:solidFill>
+                <a:effectLst/>
+                <a:uLnTx/>
+                <a:uFillTx/>
+                <a:latin typeface="Calibri" panose="020F0502020204030204"/>
+                <a:ea typeface="+mn-ea"/>
+                <a:cs typeface="+mn-cs"/>
+              </a:rPr>
+              <a:t>University of Trieste   </a:t>
+            </a:r>
+            <a:r>
+              <a:rPr kumimoji="0" lang="en-DE" sz="3200" b="0" i="0" u="none" strike="noStrike" kern="1200" cap="none" spc="0" normalizeH="0" baseline="30000" noProof="0" dirty="0">
+                <a:ln>
+                  <a:noFill/>
+                </a:ln>
+                <a:solidFill>
+                  <a:schemeClr val="tx2"/>
+                </a:solidFill>
+                <a:effectLst/>
+                <a:uLnTx/>
+                <a:uFillTx/>
+                <a:latin typeface="Calibri" panose="020F0502020204030204"/>
+                <a:ea typeface="+mn-ea"/>
+                <a:cs typeface="+mn-cs"/>
+              </a:rPr>
+              <a:t>4</a:t>
+            </a:r>
+            <a:r>
+              <a:rPr kumimoji="0" lang="en-DE" sz="3200" b="0" i="0" u="none" strike="noStrike" kern="1200" cap="none" spc="0" normalizeH="0" baseline="0" noProof="0" dirty="0">
+                <a:ln>
+                  <a:noFill/>
+                </a:ln>
+                <a:solidFill>
+                  <a:schemeClr val="tx2"/>
+                </a:solidFill>
+                <a:effectLst/>
+                <a:uLnTx/>
+                <a:uFillTx/>
+                <a:latin typeface="Calibri" panose="020F0502020204030204"/>
+                <a:ea typeface="+mn-ea"/>
+                <a:cs typeface="+mn-cs"/>
+              </a:rPr>
+              <a:t>Max Planck Institute of Animal Behaviour, Radolfzell</a:t>
+            </a:r>
+          </a:p>
+          <a:p>
+            <a:pPr marL="0" marR="0" lvl="0" indent="0" algn="ctr" defTabSz="457200" rtl="0" eaLnBrk="1" fontAlgn="auto" latinLnBrk="0" hangingPunct="1">
+              <a:lnSpc>
+                <a:spcPct val="100000"/>
+              </a:lnSpc>
+              <a:spcBef>
+                <a:spcPts val="0"/>
+              </a:spcBef>
+              <a:spcAft>
+                <a:spcPts val="0"/>
+              </a:spcAft>
+              <a:buClrTx/>
+              <a:buSzTx/>
+              <a:buFontTx/>
+              <a:buNone/>
+              <a:tabLst/>
+              <a:defRPr/>
+            </a:pPr>
+            <a:r>
+              <a:rPr kumimoji="0" lang="en-GB" sz="3200" b="1" i="0" u="none" strike="noStrike" kern="1200" cap="none" spc="0" normalizeH="0" baseline="0" noProof="0" dirty="0">
+                <a:ln>
+                  <a:noFill/>
+                </a:ln>
+                <a:solidFill>
+                  <a:schemeClr val="tx2"/>
+                </a:solidFill>
+                <a:effectLst/>
+                <a:uLnTx/>
+                <a:uFillTx/>
+                <a:latin typeface="Calibri" panose="020F0502020204030204"/>
+                <a:ea typeface="+mn-ea"/>
+                <a:cs typeface="+mn-cs"/>
+              </a:rPr>
+              <a:t>       </a:t>
+            </a:r>
+            <a:r>
+              <a:rPr kumimoji="0" lang="en-GB" sz="3200" i="0" u="none" strike="noStrike" kern="1200" cap="none" spc="0" normalizeH="0" baseline="0" noProof="0" dirty="0">
+                <a:ln>
+                  <a:noFill/>
+                </a:ln>
+                <a:solidFill>
+                  <a:schemeClr val="tx2"/>
+                </a:solidFill>
+                <a:effectLst/>
+                <a:uLnTx/>
+                <a:uFillTx/>
+                <a:latin typeface="Calibri" panose="020F0502020204030204"/>
+                <a:ea typeface="+mn-ea"/>
+                <a:cs typeface="+mn-cs"/>
+              </a:rPr>
+              <a:t>j</a:t>
+            </a:r>
+            <a:r>
+              <a:rPr kumimoji="0" lang="en-DE" sz="3200" b="0" i="0" u="none" strike="noStrike" kern="1200" cap="none" spc="0" normalizeH="0" baseline="0" noProof="0" dirty="0">
+                <a:ln>
+                  <a:noFill/>
+                </a:ln>
+                <a:solidFill>
+                  <a:schemeClr val="tx2"/>
+                </a:solidFill>
+                <a:effectLst/>
+                <a:uLnTx/>
+                <a:uFillTx/>
+                <a:latin typeface="Calibri" panose="020F0502020204030204"/>
+                <a:ea typeface="+mn-ea"/>
+                <a:cs typeface="+mn-cs"/>
+              </a:rPr>
+              <a:t>ulia.klein@uni-konstanz.de </a:t>
+            </a:r>
+          </a:p>
+          <a:p>
+            <a:endParaRPr lang="en-GB" dirty="0"/>
+          </a:p>
+        </p:txBody>
+      </p:sp>
+      <p:sp>
+        <p:nvSpPr>
           <p:cNvPr id="10" name="Rectangle 9">
             <a:extLst>
               <a:ext uri="{FF2B5EF4-FFF2-40B4-BE49-F238E27FC236}">
@@ -2993,8 +3396,8 @@
         </p:nvSpPr>
         <p:spPr>
           <a:xfrm>
-            <a:off x="0" y="165487"/>
-            <a:ext cx="30240288" cy="5107306"/>
+            <a:off x="4853961" y="165487"/>
+            <a:ext cx="20532367" cy="3215477"/>
           </a:xfrm>
           <a:prstGeom prst="rect">
             <a:avLst/>
@@ -3045,8 +3448,8 @@
         </p:nvSpPr>
         <p:spPr>
           <a:xfrm>
-            <a:off x="612214" y="404613"/>
-            <a:ext cx="29628074" cy="2862322"/>
+            <a:off x="4853961" y="369444"/>
+            <a:ext cx="20532367" cy="2862322"/>
           </a:xfrm>
           <a:prstGeom prst="rect">
             <a:avLst/>
@@ -3103,7 +3506,7 @@
         </p:blipFill>
         <p:spPr>
           <a:xfrm>
-            <a:off x="296660" y="2646927"/>
+            <a:off x="25530587" y="560782"/>
             <a:ext cx="4479775" cy="1036007"/>
           </a:xfrm>
           <a:prstGeom prst="rect">
@@ -3128,7 +3531,7 @@
         </p:nvGrpSpPr>
         <p:grpSpPr>
           <a:xfrm>
-            <a:off x="612214" y="320923"/>
+            <a:off x="612213" y="151138"/>
             <a:ext cx="3848669" cy="1993956"/>
             <a:chOff x="33524934" y="1440621"/>
             <a:chExt cx="3848669" cy="1993956"/>
@@ -3136,7 +3539,7 @@
         </p:grpSpPr>
         <p:sp>
           <p:nvSpPr>
-            <p:cNvPr id="8" name="Rounded Rectangle 7">
+            <p:cNvPr id="8" name="Rectangle 7">
               <a:extLst>
                 <a:ext uri="{FF2B5EF4-FFF2-40B4-BE49-F238E27FC236}">
                   <a16:creationId xmlns:a16="http://schemas.microsoft.com/office/drawing/2014/main" id="{8CF6CDE6-9418-4809-EAD9-DD619B43790C}"/>
@@ -3151,7 +3554,7 @@
               <a:off x="33524934" y="1440621"/>
               <a:ext cx="3848669" cy="1993956"/>
             </a:xfrm>
-            <a:prstGeom prst="roundRect">
+            <a:prstGeom prst="rect">
               <a:avLst/>
             </a:prstGeom>
             <a:solidFill>
@@ -3222,389 +3625,12 @@
           </p:spPr>
         </p:pic>
       </p:grpSp>
-      <p:sp>
-        <p:nvSpPr>
-          <p:cNvPr id="1139" name="TextBox 1138">
+      <p:grpSp>
+        <p:nvGrpSpPr>
+          <p:cNvPr id="75" name="Group 74">
             <a:extLst>
               <a:ext uri="{FF2B5EF4-FFF2-40B4-BE49-F238E27FC236}">
-                <a16:creationId xmlns:a16="http://schemas.microsoft.com/office/drawing/2014/main" id="{8D827061-E522-08F7-9ABF-6F96FE85D993}"/>
-              </a:ext>
-            </a:extLst>
-          </p:cNvPr>
-          <p:cNvSpPr txBox="1"/>
-          <p:nvPr/>
-        </p:nvSpPr>
-        <p:spPr>
-          <a:xfrm>
-            <a:off x="0" y="3254368"/>
-            <a:ext cx="30240288" cy="2185214"/>
-          </a:xfrm>
-          <a:prstGeom prst="rect">
-            <a:avLst/>
-          </a:prstGeom>
-          <a:noFill/>
-        </p:spPr>
-        <p:txBody>
-          <a:bodyPr wrap="square" rtlCol="0">
-            <a:spAutoFit/>
-          </a:bodyPr>
-          <a:lstStyle/>
-          <a:p>
-            <a:pPr marL="0" marR="0" lvl="0" indent="0" algn="ctr" defTabSz="457200" rtl="0" eaLnBrk="1" fontAlgn="auto" latinLnBrk="0" hangingPunct="1">
-              <a:lnSpc>
-                <a:spcPct val="100000"/>
-              </a:lnSpc>
-              <a:spcBef>
-                <a:spcPts val="0"/>
-              </a:spcBef>
-              <a:spcAft>
-                <a:spcPts val="0"/>
-              </a:spcAft>
-              <a:buClrTx/>
-              <a:buSzTx/>
-              <a:buFontTx/>
-              <a:buNone/>
-              <a:tabLst/>
-              <a:defRPr/>
-            </a:pPr>
-            <a:r>
-              <a:rPr kumimoji="0" lang="en-DE" sz="5400" b="0" i="0" u="sng" strike="noStrike" kern="1200" cap="none" spc="0" normalizeH="0" baseline="0" noProof="0" dirty="0">
-                <a:ln>
-                  <a:noFill/>
-                </a:ln>
-                <a:solidFill>
-                  <a:srgbClr val="FFFFFF"/>
-                </a:solidFill>
-                <a:effectLst/>
-                <a:uLnTx/>
-                <a:uFillTx/>
-                <a:latin typeface="Calibri" panose="020F0502020204030204"/>
-                <a:ea typeface="+mn-ea"/>
-                <a:cs typeface="+mn-cs"/>
-              </a:rPr>
-              <a:t>Julia Klein</a:t>
-            </a:r>
-            <a:r>
-              <a:rPr kumimoji="0" lang="en-DE" sz="5400" b="0" i="0" u="none" strike="noStrike" kern="1200" cap="none" spc="0" normalizeH="0" baseline="30000" noProof="0" dirty="0">
-                <a:ln>
-                  <a:noFill/>
-                </a:ln>
-                <a:solidFill>
-                  <a:srgbClr val="FFFFFF"/>
-                </a:solidFill>
-                <a:effectLst/>
-                <a:uLnTx/>
-                <a:uFillTx/>
-                <a:latin typeface="Calibri" panose="020F0502020204030204"/>
-                <a:ea typeface="+mn-ea"/>
-                <a:cs typeface="+mn-cs"/>
-              </a:rPr>
-              <a:t>1,2</a:t>
-            </a:r>
-            <a:r>
-              <a:rPr kumimoji="0" lang="en-DE" sz="5400" b="0" i="0" u="none" strike="noStrike" kern="1200" cap="none" spc="0" normalizeH="0" baseline="0" noProof="0" dirty="0">
-                <a:ln>
-                  <a:noFill/>
-                </a:ln>
-                <a:solidFill>
-                  <a:srgbClr val="FFFFFF"/>
-                </a:solidFill>
-                <a:effectLst/>
-                <a:uLnTx/>
-                <a:uFillTx/>
-                <a:latin typeface="Calibri" panose="020F0502020204030204"/>
-                <a:ea typeface="+mn-ea"/>
-                <a:cs typeface="+mn-cs"/>
-              </a:rPr>
-              <a:t>, Tatjana Petrov</a:t>
-            </a:r>
-            <a:r>
-              <a:rPr kumimoji="0" lang="en-DE" sz="5400" b="0" i="0" u="none" strike="noStrike" kern="1200" cap="none" spc="0" normalizeH="0" baseline="30000" noProof="0" dirty="0">
-                <a:ln>
-                  <a:noFill/>
-                </a:ln>
-                <a:solidFill>
-                  <a:srgbClr val="FFFFFF"/>
-                </a:solidFill>
-                <a:effectLst/>
-                <a:uLnTx/>
-                <a:uFillTx/>
-                <a:latin typeface="Calibri" panose="020F0502020204030204"/>
-                <a:ea typeface="+mn-ea"/>
-                <a:cs typeface="+mn-cs"/>
-              </a:rPr>
-              <a:t>2,3,4</a:t>
-            </a:r>
-            <a:endParaRPr kumimoji="0" lang="en-DE" sz="3200" b="0" i="0" u="none" strike="noStrike" kern="1200" cap="none" spc="0" normalizeH="0" baseline="30000" noProof="0" dirty="0">
-              <a:ln>
-                <a:noFill/>
-              </a:ln>
-              <a:solidFill>
-                <a:srgbClr val="FFFFFF"/>
-              </a:solidFill>
-              <a:effectLst/>
-              <a:uLnTx/>
-              <a:uFillTx/>
-              <a:latin typeface="Calibri" panose="020F0502020204030204"/>
-              <a:ea typeface="+mn-ea"/>
-              <a:cs typeface="+mn-cs"/>
-            </a:endParaRPr>
-          </a:p>
-          <a:p>
-            <a:pPr marL="0" marR="0" lvl="0" indent="0" algn="ctr" defTabSz="457200" rtl="0" eaLnBrk="1" fontAlgn="auto" latinLnBrk="0" hangingPunct="1">
-              <a:lnSpc>
-                <a:spcPct val="100000"/>
-              </a:lnSpc>
-              <a:spcBef>
-                <a:spcPts val="0"/>
-              </a:spcBef>
-              <a:spcAft>
-                <a:spcPts val="0"/>
-              </a:spcAft>
-              <a:buClrTx/>
-              <a:buSzTx/>
-              <a:buFontTx/>
-              <a:buNone/>
-              <a:tabLst/>
-              <a:defRPr/>
-            </a:pPr>
-            <a:r>
-              <a:rPr kumimoji="0" lang="en-DE" sz="3200" b="0" i="0" u="none" strike="noStrike" kern="1200" cap="none" spc="0" normalizeH="0" baseline="30000" noProof="0" dirty="0">
-                <a:ln>
-                  <a:noFill/>
-                </a:ln>
-                <a:solidFill>
-                  <a:srgbClr val="FFFFFF"/>
-                </a:solidFill>
-                <a:effectLst/>
-                <a:uLnTx/>
-                <a:uFillTx/>
-                <a:latin typeface="Calibri" panose="020F0502020204030204"/>
-                <a:ea typeface="+mn-ea"/>
-                <a:cs typeface="+mn-cs"/>
-              </a:rPr>
-              <a:t>1</a:t>
-            </a:r>
-            <a:r>
-              <a:rPr kumimoji="0" lang="en-DE" sz="3200" b="0" i="0" u="none" strike="noStrike" kern="1200" cap="none" spc="0" normalizeH="0" baseline="0" noProof="0" dirty="0">
-                <a:ln>
-                  <a:noFill/>
-                </a:ln>
-                <a:solidFill>
-                  <a:srgbClr val="FFFFFF"/>
-                </a:solidFill>
-                <a:effectLst/>
-                <a:uLnTx/>
-                <a:uFillTx/>
-                <a:latin typeface="Calibri" panose="020F0502020204030204"/>
-                <a:ea typeface="+mn-ea"/>
-                <a:cs typeface="+mn-cs"/>
-              </a:rPr>
-              <a:t>University of Konstanz   </a:t>
-            </a:r>
-            <a:r>
-              <a:rPr kumimoji="0" lang="en-DE" sz="3200" b="0" i="0" u="none" strike="noStrike" kern="1200" cap="none" spc="0" normalizeH="0" baseline="30000" noProof="0" dirty="0">
-                <a:ln>
-                  <a:noFill/>
-                </a:ln>
-                <a:solidFill>
-                  <a:srgbClr val="FFFFFF"/>
-                </a:solidFill>
-                <a:effectLst/>
-                <a:uLnTx/>
-                <a:uFillTx/>
-                <a:latin typeface="Calibri" panose="020F0502020204030204"/>
-                <a:ea typeface="+mn-ea"/>
-                <a:cs typeface="+mn-cs"/>
-              </a:rPr>
-              <a:t>2</a:t>
-            </a:r>
-            <a:r>
-              <a:rPr kumimoji="0" lang="en-DE" sz="3200" b="0" i="0" u="none" strike="noStrike" kern="1200" cap="none" spc="0" normalizeH="0" baseline="0" noProof="0" dirty="0">
-                <a:ln>
-                  <a:noFill/>
-                </a:ln>
-                <a:solidFill>
-                  <a:srgbClr val="FFFFFF"/>
-                </a:solidFill>
-                <a:effectLst/>
-                <a:uLnTx/>
-                <a:uFillTx/>
-                <a:latin typeface="Calibri" panose="020F0502020204030204"/>
-                <a:ea typeface="+mn-ea"/>
-                <a:cs typeface="+mn-cs"/>
-              </a:rPr>
-              <a:t>Centre for the Advanced Study of Collective Behaviour, University of Konstanz  </a:t>
-            </a:r>
-            <a:r>
-              <a:rPr kumimoji="0" lang="en-DE" sz="3200" b="0" i="0" u="none" strike="noStrike" kern="1200" cap="none" spc="0" normalizeH="0" baseline="30000" noProof="0" dirty="0">
-                <a:ln>
-                  <a:noFill/>
-                </a:ln>
-                <a:solidFill>
-                  <a:srgbClr val="FFFFFF"/>
-                </a:solidFill>
-                <a:effectLst/>
-                <a:uLnTx/>
-                <a:uFillTx/>
-                <a:latin typeface="Calibri" panose="020F0502020204030204"/>
-                <a:ea typeface="+mn-ea"/>
-                <a:cs typeface="+mn-cs"/>
-              </a:rPr>
-              <a:t> 3</a:t>
-            </a:r>
-            <a:r>
-              <a:rPr kumimoji="0" lang="en-DE" sz="3200" b="0" i="0" u="none" strike="noStrike" kern="1200" cap="none" spc="0" normalizeH="0" baseline="0" noProof="0" dirty="0">
-                <a:ln>
-                  <a:noFill/>
-                </a:ln>
-                <a:solidFill>
-                  <a:srgbClr val="FFFFFF"/>
-                </a:solidFill>
-                <a:effectLst/>
-                <a:uLnTx/>
-                <a:uFillTx/>
-                <a:latin typeface="Calibri" panose="020F0502020204030204"/>
-                <a:ea typeface="+mn-ea"/>
-                <a:cs typeface="+mn-cs"/>
-              </a:rPr>
-              <a:t>University of Trieste   </a:t>
-            </a:r>
-            <a:r>
-              <a:rPr kumimoji="0" lang="en-DE" sz="3200" b="0" i="0" u="none" strike="noStrike" kern="1200" cap="none" spc="0" normalizeH="0" baseline="30000" noProof="0" dirty="0">
-                <a:ln>
-                  <a:noFill/>
-                </a:ln>
-                <a:solidFill>
-                  <a:srgbClr val="FFFFFF"/>
-                </a:solidFill>
-                <a:effectLst/>
-                <a:uLnTx/>
-                <a:uFillTx/>
-                <a:latin typeface="Calibri" panose="020F0502020204030204"/>
-                <a:ea typeface="+mn-ea"/>
-                <a:cs typeface="+mn-cs"/>
-              </a:rPr>
-              <a:t>4</a:t>
-            </a:r>
-            <a:r>
-              <a:rPr kumimoji="0" lang="en-DE" sz="3200" b="0" i="0" u="none" strike="noStrike" kern="1200" cap="none" spc="0" normalizeH="0" baseline="0" noProof="0" dirty="0">
-                <a:ln>
-                  <a:noFill/>
-                </a:ln>
-                <a:solidFill>
-                  <a:srgbClr val="FFFFFF"/>
-                </a:solidFill>
-                <a:effectLst/>
-                <a:uLnTx/>
-                <a:uFillTx/>
-                <a:latin typeface="Calibri" panose="020F0502020204030204"/>
-                <a:ea typeface="+mn-ea"/>
-                <a:cs typeface="+mn-cs"/>
-              </a:rPr>
-              <a:t>Max Planck Institute of Animal Behaviour, Radolfzell</a:t>
-            </a:r>
-          </a:p>
-          <a:p>
-            <a:pPr marL="0" marR="0" lvl="0" indent="0" algn="ctr" defTabSz="457200" rtl="0" eaLnBrk="1" fontAlgn="auto" latinLnBrk="0" hangingPunct="1">
-              <a:lnSpc>
-                <a:spcPct val="100000"/>
-              </a:lnSpc>
-              <a:spcBef>
-                <a:spcPts val="0"/>
-              </a:spcBef>
-              <a:spcAft>
-                <a:spcPts val="0"/>
-              </a:spcAft>
-              <a:buClrTx/>
-              <a:buSzTx/>
-              <a:buFontTx/>
-              <a:buNone/>
-              <a:tabLst/>
-              <a:defRPr/>
-            </a:pPr>
-            <a:r>
-              <a:rPr kumimoji="0" lang="en-GB" sz="3200" b="0" i="0" u="none" strike="noStrike" kern="1200" cap="none" spc="0" normalizeH="0" baseline="0" noProof="0" dirty="0">
-                <a:ln>
-                  <a:noFill/>
-                </a:ln>
-                <a:solidFill>
-                  <a:srgbClr val="FFFFFF"/>
-                </a:solidFill>
-                <a:effectLst/>
-                <a:uLnTx/>
-                <a:uFillTx/>
-                <a:latin typeface="Calibri" panose="020F0502020204030204"/>
-                <a:ea typeface="+mn-ea"/>
-                <a:cs typeface="+mn-cs"/>
-              </a:rPr>
-              <a:t>       j</a:t>
-            </a:r>
-            <a:r>
-              <a:rPr kumimoji="0" lang="en-DE" sz="3200" b="0" i="0" u="none" strike="noStrike" kern="1200" cap="none" spc="0" normalizeH="0" baseline="0" noProof="0" dirty="0">
-                <a:ln>
-                  <a:noFill/>
-                </a:ln>
-                <a:solidFill>
-                  <a:srgbClr val="FFFFFF"/>
-                </a:solidFill>
-                <a:effectLst/>
-                <a:uLnTx/>
-                <a:uFillTx/>
-                <a:latin typeface="Calibri" panose="020F0502020204030204"/>
-                <a:ea typeface="+mn-ea"/>
-                <a:cs typeface="+mn-cs"/>
-              </a:rPr>
-              <a:t>ulia.klein@uni-konstanz.de </a:t>
-            </a:r>
-          </a:p>
-          <a:p>
-            <a:endParaRPr lang="en-GB" dirty="0"/>
-          </a:p>
-        </p:txBody>
-      </p:sp>
-      <p:pic>
-        <p:nvPicPr>
-          <p:cNvPr id="1054" name="Graphic 1053" descr="Envelope outline">
-            <a:extLst>
-              <a:ext uri="{FF2B5EF4-FFF2-40B4-BE49-F238E27FC236}">
-                <a16:creationId xmlns:a16="http://schemas.microsoft.com/office/drawing/2014/main" id="{445CA19F-343D-39BC-1400-26B4524206AB}"/>
-              </a:ext>
-            </a:extLst>
-          </p:cNvPr>
-          <p:cNvPicPr>
-            <a:picLocks noChangeAspect="1"/>
-          </p:cNvPicPr>
-          <p:nvPr/>
-        </p:nvPicPr>
-        <p:blipFill>
-          <a:blip r:embed="rId4">
-            <a:extLst>
-              <a:ext uri="{96DAC541-7B7A-43D3-8B79-37D633B846F1}">
-                <asvg:svgBlip xmlns:asvg="http://schemas.microsoft.com/office/drawing/2016/SVG/main" r:embed="rId5"/>
-              </a:ext>
-            </a:extLst>
-          </a:blip>
-          <a:stretch>
-            <a:fillRect/>
-          </a:stretch>
-        </p:blipFill>
-        <p:spPr>
-          <a:xfrm>
-            <a:off x="12562523" y="4667569"/>
-            <a:ext cx="504852" cy="504852"/>
-          </a:xfrm>
-          <a:prstGeom prst="rect">
-            <a:avLst/>
-          </a:prstGeom>
-        </p:spPr>
-      </p:pic>
-      <p:grpSp>
-        <p:nvGrpSpPr>
-          <p:cNvPr id="1062" name="Group 1061">
-            <a:extLst>
-              <a:ext uri="{FF2B5EF4-FFF2-40B4-BE49-F238E27FC236}">
-                <a16:creationId xmlns:a16="http://schemas.microsoft.com/office/drawing/2014/main" id="{97BA49FA-C1B7-E84D-C417-F2E7EFFE25BA}"/>
+                <a16:creationId xmlns:a16="http://schemas.microsoft.com/office/drawing/2014/main" id="{DFB7B4DD-D32B-803C-0422-D567E4EFF1C2}"/>
               </a:ext>
             </a:extLst>
           </p:cNvPr>
@@ -3613,12 +3639,48 @@
         </p:nvGrpSpPr>
         <p:grpSpPr>
           <a:xfrm>
-            <a:off x="1169017" y="5730648"/>
-            <a:ext cx="13591243" cy="6886187"/>
-            <a:chOff x="1169017" y="6088343"/>
-            <a:chExt cx="12183260" cy="8252824"/>
+            <a:off x="977390" y="4808241"/>
+            <a:ext cx="13593183" cy="19112983"/>
+            <a:chOff x="1196849" y="4808241"/>
+            <a:chExt cx="13593183" cy="19112983"/>
           </a:xfrm>
         </p:grpSpPr>
+        <p:pic>
+          <p:nvPicPr>
+            <p:cNvPr id="1054" name="Graphic 1053" descr="Envelope outline">
+              <a:extLst>
+                <a:ext uri="{FF2B5EF4-FFF2-40B4-BE49-F238E27FC236}">
+                  <a16:creationId xmlns:a16="http://schemas.microsoft.com/office/drawing/2014/main" id="{445CA19F-343D-39BC-1400-26B4524206AB}"/>
+                </a:ext>
+              </a:extLst>
+            </p:cNvPr>
+            <p:cNvPicPr>
+              <a:picLocks noChangeAspect="1"/>
+            </p:cNvPicPr>
+            <p:nvPr/>
+          </p:nvPicPr>
+          <p:blipFill>
+            <a:blip r:embed="rId4">
+              <a:extLst>
+                <a:ext uri="{96DAC541-7B7A-43D3-8B79-37D633B846F1}">
+                  <asvg:svgBlip xmlns:asvg="http://schemas.microsoft.com/office/drawing/2016/SVG/main" r:embed="rId5"/>
+                </a:ext>
+              </a:extLst>
+            </a:blip>
+            <a:stretch>
+              <a:fillRect/>
+            </a:stretch>
+          </p:blipFill>
+          <p:spPr>
+            <a:xfrm>
+              <a:off x="12743387" y="4808241"/>
+              <a:ext cx="504852" cy="504852"/>
+            </a:xfrm>
+            <a:prstGeom prst="rect">
+              <a:avLst/>
+            </a:prstGeom>
+          </p:spPr>
+        </p:pic>
         <p:sp>
           <p:nvSpPr>
             <p:cNvPr id="1065" name="Rectangle 1064">
@@ -3633,8 +3695,8 @@
           </p:nvSpPr>
           <p:spPr>
             <a:xfrm>
-              <a:off x="1169018" y="6088343"/>
-              <a:ext cx="12132000" cy="8252824"/>
+              <a:off x="1198789" y="5851422"/>
+              <a:ext cx="13564800" cy="18069802"/>
             </a:xfrm>
             <a:prstGeom prst="rect">
               <a:avLst/>
@@ -3685,8 +3747,8 @@
           </p:nvSpPr>
           <p:spPr>
             <a:xfrm>
-              <a:off x="1221445" y="7555289"/>
-              <a:ext cx="12130832" cy="6602559"/>
+              <a:off x="1257276" y="7421957"/>
+              <a:ext cx="13532756" cy="16342935"/>
             </a:xfrm>
             <a:prstGeom prst="rect">
               <a:avLst/>
@@ -3720,9 +3782,141 @@
                 <a:buChar char="•"/>
               </a:pPr>
               <a:r>
+                <a:rPr lang="en-DE" sz="3200" b="1" dirty="0"/>
+                <a:t>Cross-inhibition model</a:t>
+              </a:r>
+              <a:r>
                 <a:rPr lang="en-DE" sz="3200" dirty="0"/>
-                <a:t>Strongly opinionated minorities can disrupt opinion dynamics </a:t>
+                <a:t> (2a) as underlying model of decision-making is more robust than classic voter model due to ‘undecided’ state between switching opinion [1]</a:t>
               </a:r>
+            </a:p>
+            <a:p>
+              <a:pPr marL="285750" indent="-285750">
+                <a:buClr>
+                  <a:schemeClr val="accent1"/>
+                </a:buClr>
+                <a:buFont typeface="Arial" panose="020B0604020202020204" pitchFamily="34" charset="0"/>
+                <a:buChar char="•"/>
+              </a:pPr>
+              <a:r>
+                <a:rPr lang="en-DE" sz="3200" dirty="0"/>
+                <a:t>Introducing stubborn individuals…</a:t>
+              </a:r>
+            </a:p>
+            <a:p>
+              <a:pPr marL="742950" lvl="1" indent="-285750">
+                <a:buClr>
+                  <a:schemeClr val="accent1"/>
+                </a:buClr>
+                <a:buFont typeface="Arial" panose="020B0604020202020204" pitchFamily="34" charset="0"/>
+                <a:buChar char="•"/>
+              </a:pPr>
+              <a:r>
+                <a:rPr lang="en-DE" sz="3200" b="1" dirty="0"/>
+                <a:t>Zealots: </a:t>
+              </a:r>
+              <a:r>
+                <a:rPr lang="en-DE" sz="3200" dirty="0"/>
+                <a:t>never change their own opinion (2b)</a:t>
+              </a:r>
+            </a:p>
+            <a:p>
+              <a:pPr marL="742950" lvl="1" indent="-285750">
+                <a:buClr>
+                  <a:schemeClr val="accent1"/>
+                </a:buClr>
+                <a:buFont typeface="Arial" panose="020B0604020202020204" pitchFamily="34" charset="0"/>
+                <a:buChar char="•"/>
+              </a:pPr>
+              <a:r>
+                <a:rPr lang="en-DE" sz="3200" b="1" dirty="0"/>
+                <a:t>Contrarians: </a:t>
+              </a:r>
+              <a:r>
+                <a:rPr lang="en-DE" sz="3200" dirty="0"/>
+                <a:t>counter opinion of individual they interact with (2c)</a:t>
+              </a:r>
+            </a:p>
+            <a:p>
+              <a:pPr lvl="1">
+                <a:buClr>
+                  <a:schemeClr val="accent1"/>
+                </a:buClr>
+              </a:pPr>
+              <a:r>
+                <a:rPr lang="en-DE" sz="3200" dirty="0"/>
+                <a:t>…can disrupt opinion dynamics!</a:t>
+              </a:r>
+            </a:p>
+            <a:p>
+              <a:pPr marL="285750" indent="-285750">
+                <a:buClr>
+                  <a:schemeClr val="accent1"/>
+                </a:buClr>
+                <a:buFont typeface="Arial" panose="020B0604020202020204" pitchFamily="34" charset="0"/>
+                <a:buChar char="•"/>
+              </a:pPr>
+              <a:r>
+                <a:rPr lang="en-GB" sz="3200" dirty="0"/>
+                <a:t>Observation of 3 different group dynamics:</a:t>
+              </a:r>
+              <a:endParaRPr lang="en-DE" sz="3200" dirty="0"/>
+            </a:p>
+            <a:p>
+              <a:pPr>
+                <a:buClr>
+                  <a:schemeClr val="accent1"/>
+                </a:buClr>
+              </a:pPr>
+              <a:endParaRPr lang="en-DE" sz="3200" dirty="0"/>
+            </a:p>
+            <a:p>
+              <a:pPr>
+                <a:buClr>
+                  <a:schemeClr val="accent1"/>
+                </a:buClr>
+              </a:pPr>
+              <a:endParaRPr lang="en-DE" sz="3200" dirty="0"/>
+            </a:p>
+            <a:p>
+              <a:pPr>
+                <a:buClr>
+                  <a:schemeClr val="accent1"/>
+                </a:buClr>
+              </a:pPr>
+              <a:endParaRPr lang="en-DE" sz="3200" dirty="0"/>
+            </a:p>
+            <a:p>
+              <a:pPr>
+                <a:buClr>
+                  <a:schemeClr val="accent1"/>
+                </a:buClr>
+              </a:pPr>
+              <a:endParaRPr lang="en-DE" sz="3200" dirty="0"/>
+            </a:p>
+            <a:p>
+              <a:pPr>
+                <a:buClr>
+                  <a:schemeClr val="accent1"/>
+                </a:buClr>
+              </a:pPr>
+              <a:endParaRPr lang="en-DE" sz="3200" dirty="0"/>
+            </a:p>
+            <a:p>
+              <a:pPr>
+                <a:buClr>
+                  <a:schemeClr val="accent1"/>
+                </a:buClr>
+              </a:pPr>
+              <a:endParaRPr lang="en-DE" sz="3200" dirty="0"/>
+            </a:p>
+            <a:p>
+              <a:pPr>
+                <a:buClr>
+                  <a:schemeClr val="accent1"/>
+                </a:buClr>
+              </a:pPr>
+              <a:endParaRPr lang="en-DE" sz="3200" dirty="0"/>
             </a:p>
             <a:p>
               <a:pPr>
@@ -3740,29 +3934,98 @@
                 <a:buFont typeface="Arial" panose="020B0604020202020204" pitchFamily="34" charset="0"/>
                 <a:buChar char="•"/>
               </a:pPr>
+              <a:endParaRPr lang="en-DE" sz="3200" b="1" u="sng" dirty="0"/>
+            </a:p>
+            <a:p>
+              <a:pPr marL="285750" indent="-285750">
+                <a:buClr>
+                  <a:schemeClr val="accent1"/>
+                </a:buClr>
+                <a:buFont typeface="Arial" panose="020B0604020202020204" pitchFamily="34" charset="0"/>
+                <a:buChar char="•"/>
+              </a:pPr>
               <a:r>
                 <a:rPr lang="en-DE" sz="3200" b="1" u="sng" dirty="0"/>
+                <a:t>Research Questions</a:t>
+              </a:r>
+            </a:p>
+            <a:p>
+              <a:pPr marL="971550" lvl="1" indent="-514350">
+                <a:buClr>
+                  <a:schemeClr val="accent1"/>
+                </a:buClr>
+                <a:buFont typeface="+mj-lt"/>
+                <a:buAutoNum type="arabicPeriod"/>
+              </a:pPr>
+              <a:r>
+                <a:rPr lang="en-DE" sz="3200" b="1" dirty="0"/>
+                <a:t>Robustness:</a:t>
+              </a:r>
+              <a:r>
+                <a:rPr lang="en-DE" sz="3200" dirty="0"/>
+                <a:t> Quantify how the amount of disruptive individuals affects consensus reaching</a:t>
+              </a:r>
+            </a:p>
+            <a:p>
+              <a:pPr marL="971550" lvl="1" indent="-514350">
+                <a:buClr>
+                  <a:schemeClr val="accent1"/>
+                </a:buClr>
+                <a:buFont typeface="+mj-lt"/>
+                <a:buAutoNum type="arabicPeriod"/>
+              </a:pPr>
+              <a:r>
+                <a:rPr lang="en-DE" sz="3200" b="1" dirty="0"/>
+                <a:t>Combined effect: </a:t>
+              </a:r>
+              <a:r>
+                <a:rPr lang="en-DE" sz="3200" dirty="0"/>
+                <a:t>Quantify how the combination of zealots &amp; contrarians affects consensus reaching</a:t>
+              </a:r>
+            </a:p>
+            <a:p>
+              <a:pPr marL="971550" lvl="1" indent="-514350">
+                <a:buClr>
+                  <a:schemeClr val="accent1"/>
+                </a:buClr>
+                <a:buFont typeface="+mj-lt"/>
+                <a:buAutoNum type="arabicPeriod"/>
+              </a:pPr>
+              <a:r>
+                <a:rPr lang="en-DE" sz="3200" b="1" dirty="0"/>
+                <a:t>Group size effect: </a:t>
+              </a:r>
+              <a:r>
+                <a:rPr lang="en-DE" sz="3200" dirty="0"/>
+                <a:t>Quantify how the group size affects consensus reaching</a:t>
+              </a:r>
+              <a:endParaRPr lang="en-DE" sz="3200" b="1" dirty="0"/>
+            </a:p>
+            <a:p>
+              <a:pPr marL="285750" indent="-285750">
+                <a:buClr>
+                  <a:schemeClr val="accent1"/>
+                </a:buClr>
+                <a:buFont typeface="Arial" panose="020B0604020202020204" pitchFamily="34" charset="0"/>
+                <a:buChar char="•"/>
+              </a:pPr>
+              <a:endParaRPr lang="en-DE" sz="3200" b="1" u="sng" dirty="0"/>
+            </a:p>
+            <a:p>
+              <a:pPr marL="285750" indent="-285750">
+                <a:buClr>
+                  <a:schemeClr val="accent1"/>
+                </a:buClr>
+                <a:buFont typeface="Arial" panose="020B0604020202020204" pitchFamily="34" charset="0"/>
+                <a:buChar char="•"/>
+              </a:pPr>
+              <a:r>
+                <a:rPr lang="en-DE" sz="3200" b="1" dirty="0"/>
                 <a:t>Approach</a:t>
               </a:r>
               <a:r>
                 <a:rPr lang="en-DE" sz="3200" dirty="0"/>
-                <a:t>: investigate robustness of consensus-reaching among stubborn individuals (</a:t>
-              </a:r>
-              <a:r>
-                <a:rPr lang="en-DE" sz="3200" b="1" dirty="0"/>
-                <a:t>zealots</a:t>
-              </a:r>
-              <a:r>
-                <a:rPr lang="en-DE" sz="3200" dirty="0"/>
-                <a:t>) and </a:t>
-              </a:r>
-              <a:r>
-                <a:rPr lang="en-DE" sz="3200" b="1" dirty="0"/>
-                <a:t>contrarians</a:t>
-              </a:r>
-              <a:r>
-                <a:rPr lang="en-DE" sz="3200" dirty="0"/>
-                <a:t> </a:t>
+                <a:t>: </a:t>
               </a:r>
             </a:p>
             <a:p>
@@ -3775,15 +4038,7 @@
               </a:pPr>
               <a:r>
                 <a:rPr lang="en-DE" sz="3200" dirty="0"/>
-                <a:t>Statistical model checking to formally quantify </a:t>
-              </a:r>
-              <a:r>
-                <a:rPr lang="en-DE" sz="3200" b="1" dirty="0"/>
-                <a:t>robustness</a:t>
-              </a:r>
-              <a:r>
-                <a:rPr lang="en-DE" sz="3200" dirty="0"/>
-                <a:t> under perturbations of amount of disruptive individuals</a:t>
+                <a:t>Investigated scenario: group of N individuals has to decide between two equivalent options X and Y</a:t>
               </a:r>
             </a:p>
             <a:p>
@@ -3795,16 +4050,12 @@
                 <a:buChar char="•"/>
               </a:pPr>
               <a:r>
-                <a:rPr lang="en-GB" sz="3200" dirty="0"/>
-                <a:t>I</a:t>
-              </a:r>
-              <a:r>
                 <a:rPr lang="en-DE" sz="3200" dirty="0"/>
-                <a:t>nvestigate robustness landscape for combinations of different disruptive agents </a:t>
+                <a:t>Swarm state evolves as a continuous-time Markov chain (see reaction systems 2e-h)</a:t>
               </a:r>
             </a:p>
             <a:p>
-              <a:pPr marL="457200" indent="-457200">
+              <a:pPr marL="742950" lvl="1" indent="-285750">
                 <a:buClr>
                   <a:schemeClr val="accent1"/>
                 </a:buClr>
@@ -3812,20 +4063,8 @@
                 <a:buChar char="•"/>
               </a:pPr>
               <a:r>
-                <a:rPr lang="en-GB" sz="3200" dirty="0"/>
-                <a:t>Goal</a:t>
-              </a:r>
-              <a:r>
-                <a:rPr lang="en-GB" sz="3200"/>
-                <a:t>: g</a:t>
-              </a:r>
-              <a:r>
-                <a:rPr lang="en-DE" sz="3200"/>
-                <a:t>uide </a:t>
-              </a:r>
-              <a:r>
                 <a:rPr lang="en-DE" sz="3200" dirty="0"/>
-                <a:t>design and control of swarm robotics systems with focus on resilience to disruptive agents </a:t>
+                <a:t>Apply model checking tools (PRISM and PlasmaLab) to explore research questions wrt. different group dynamics</a:t>
               </a:r>
             </a:p>
           </p:txBody>
@@ -3844,8 +4083,8 @@
           </p:nvSpPr>
           <p:spPr>
             <a:xfrm>
-              <a:off x="1169017" y="6325251"/>
-              <a:ext cx="12155982" cy="1015663"/>
+              <a:off x="1196849" y="6098333"/>
+              <a:ext cx="13564800" cy="1015663"/>
             </a:xfrm>
             <a:prstGeom prst="rect">
               <a:avLst/>
@@ -3855,7 +4094,7 @@
             </a:solidFill>
           </p:spPr>
           <p:txBody>
-            <a:bodyPr wrap="square" rtlCol="0">
+            <a:bodyPr wrap="square" rtlCol="0" anchor="t">
               <a:spAutoFit/>
             </a:bodyPr>
             <a:lstStyle/>
@@ -3867,7 +4106,7 @@
                     <a:schemeClr val="bg1"/>
                   </a:solidFill>
                 </a:rPr>
-                <a:t>Abstract</a:t>
+                <a:t>Motivation</a:t>
               </a:r>
             </a:p>
           </p:txBody>
@@ -3875,10 +4114,10 @@
       </p:grpSp>
       <p:grpSp>
         <p:nvGrpSpPr>
-          <p:cNvPr id="1063" name="Group 1062">
+          <p:cNvPr id="1067" name="Group 1066">
             <a:extLst>
               <a:ext uri="{FF2B5EF4-FFF2-40B4-BE49-F238E27FC236}">
-                <a16:creationId xmlns:a16="http://schemas.microsoft.com/office/drawing/2014/main" id="{CB6D9A61-B075-E80A-4D95-33AC7CBC463B}"/>
+                <a16:creationId xmlns:a16="http://schemas.microsoft.com/office/drawing/2014/main" id="{001633D6-BB88-105C-F763-DE75AFAAAEFC}"/>
               </a:ext>
             </a:extLst>
           </p:cNvPr>
@@ -3887,18 +4126,18 @@
         </p:nvGrpSpPr>
         <p:grpSpPr>
           <a:xfrm>
-            <a:off x="1169016" y="13095284"/>
-            <a:ext cx="13591244" cy="10588078"/>
-            <a:chOff x="1194166" y="14403137"/>
-            <a:chExt cx="12155980" cy="10588078"/>
+            <a:off x="15702914" y="17785304"/>
+            <a:ext cx="13564800" cy="15937320"/>
+            <a:chOff x="1266300" y="23019027"/>
+            <a:chExt cx="12159556" cy="14163338"/>
           </a:xfrm>
         </p:grpSpPr>
         <p:sp>
           <p:nvSpPr>
-            <p:cNvPr id="1066" name="Rectangle 1065">
+            <p:cNvPr id="1068" name="Rectangle 1067">
               <a:extLst>
                 <a:ext uri="{FF2B5EF4-FFF2-40B4-BE49-F238E27FC236}">
-                  <a16:creationId xmlns:a16="http://schemas.microsoft.com/office/drawing/2014/main" id="{2EDFAAAC-BA75-3774-66CB-C42A1C6B549D}"/>
+                  <a16:creationId xmlns:a16="http://schemas.microsoft.com/office/drawing/2014/main" id="{1B66520C-7E41-68B4-3DD8-18AC3115020E}"/>
                 </a:ext>
               </a:extLst>
             </p:cNvPr>
@@ -3907,8 +4146,8 @@
           </p:nvSpPr>
           <p:spPr>
             <a:xfrm>
-              <a:off x="1194166" y="14403137"/>
-              <a:ext cx="12130832" cy="10588078"/>
+              <a:off x="1266300" y="23019027"/>
+              <a:ext cx="12159556" cy="14163338"/>
             </a:xfrm>
             <a:prstGeom prst="rect">
               <a:avLst/>
@@ -3941,277 +4180,7 @@
             <a:lstStyle/>
             <a:p>
               <a:pPr algn="ctr"/>
-              <a:endParaRPr lang="en-DE"/>
-            </a:p>
-          </p:txBody>
-        </p:sp>
-        <p:sp>
-          <p:nvSpPr>
-            <p:cNvPr id="1072" name="TextBox 1071">
-              <a:extLst>
-                <a:ext uri="{FF2B5EF4-FFF2-40B4-BE49-F238E27FC236}">
-                  <a16:creationId xmlns:a16="http://schemas.microsoft.com/office/drawing/2014/main" id="{BDED36AB-CBE7-E4ED-D52E-6E079D5E995F}"/>
-                </a:ext>
-              </a:extLst>
-            </p:cNvPr>
-            <p:cNvSpPr txBox="1"/>
-            <p:nvPr/>
-          </p:nvSpPr>
-          <p:spPr>
-            <a:xfrm>
-              <a:off x="1209234" y="15908306"/>
-              <a:ext cx="12140912" cy="5509200"/>
-            </a:xfrm>
-            <a:prstGeom prst="rect">
-              <a:avLst/>
-            </a:prstGeom>
-            <a:noFill/>
-          </p:spPr>
-          <p:txBody>
-            <a:bodyPr wrap="square" numCol="1" rtlCol="0">
-              <a:spAutoFit/>
-            </a:bodyPr>
-            <a:lstStyle/>
-            <a:p>
-              <a:pPr marL="457200" indent="-457200">
-                <a:buClr>
-                  <a:schemeClr val="accent1"/>
-                </a:buClr>
-                <a:buFont typeface="Arial" panose="020B0604020202020204" pitchFamily="34" charset="0"/>
-                <a:buChar char="•"/>
-              </a:pPr>
-              <a:r>
-                <a:rPr lang="en-GB" sz="3200" dirty="0"/>
-                <a:t>Underlying model of decision-making: </a:t>
-              </a:r>
-              <a:r>
-                <a:rPr lang="en-GB" sz="3200" b="1" dirty="0"/>
-                <a:t>cross-inhibition model </a:t>
-              </a:r>
-              <a:r>
-                <a:rPr lang="en-GB" sz="3200" dirty="0"/>
-                <a:t>with ‘undecided’ state between switching opinion (2a)</a:t>
-              </a:r>
-            </a:p>
-            <a:p>
-              <a:pPr marL="914400" lvl="1" indent="-457200">
-                <a:buClr>
-                  <a:schemeClr val="accent1"/>
-                </a:buClr>
-                <a:buFont typeface="Arial" panose="020B0604020202020204" pitchFamily="34" charset="0"/>
-                <a:buChar char="•"/>
-              </a:pPr>
-              <a:r>
-                <a:rPr lang="en-GB" sz="3200" dirty="0"/>
-                <a:t>Including zealots: never change their opinion (2b)</a:t>
-              </a:r>
-            </a:p>
-            <a:p>
-              <a:pPr marL="914400" lvl="1" indent="-457200">
-                <a:buClr>
-                  <a:schemeClr val="accent1"/>
-                </a:buClr>
-                <a:buFont typeface="Arial" panose="020B0604020202020204" pitchFamily="34" charset="0"/>
-                <a:buChar char="•"/>
-              </a:pPr>
-              <a:r>
-                <a:rPr lang="en-GB" sz="3200" dirty="0"/>
-                <a:t>Including contrarians: counter opinion of individual they interact with (2c)</a:t>
-              </a:r>
-            </a:p>
-            <a:p>
-              <a:pPr marL="914400" lvl="1" indent="-457200">
-                <a:buClr>
-                  <a:schemeClr val="accent1"/>
-                </a:buClr>
-                <a:buFont typeface="Arial" panose="020B0604020202020204" pitchFamily="34" charset="0"/>
-                <a:buChar char="•"/>
-              </a:pPr>
-              <a:r>
-                <a:rPr lang="en-GB" sz="3200" dirty="0"/>
-                <a:t>Including both zealots and contrarians (2d)</a:t>
-              </a:r>
-            </a:p>
-            <a:p>
-              <a:pPr marL="457200" indent="-457200">
-                <a:buClr>
-                  <a:schemeClr val="accent1"/>
-                </a:buClr>
-                <a:buFont typeface="Arial" panose="020B0604020202020204" pitchFamily="34" charset="0"/>
-                <a:buChar char="•"/>
-              </a:pPr>
-              <a:r>
-                <a:rPr lang="en-GB" sz="3200" u="sng" dirty="0"/>
-                <a:t>Scenario</a:t>
-              </a:r>
-              <a:r>
-                <a:rPr lang="en-GB" sz="3200" dirty="0"/>
-                <a:t>:</a:t>
-              </a:r>
-            </a:p>
-            <a:p>
-              <a:pPr marL="914400" lvl="1" indent="-457200">
-                <a:buClr>
-                  <a:schemeClr val="accent1"/>
-                </a:buClr>
-                <a:buFont typeface="Arial" panose="020B0604020202020204" pitchFamily="34" charset="0"/>
-                <a:buChar char="•"/>
-              </a:pPr>
-              <a:r>
-                <a:rPr lang="en-GB" sz="3200" dirty="0"/>
-                <a:t>2 equivalent options X and Y</a:t>
-              </a:r>
-            </a:p>
-            <a:p>
-              <a:pPr marL="914400" lvl="1" indent="-457200">
-                <a:buClr>
-                  <a:schemeClr val="accent1"/>
-                </a:buClr>
-                <a:buFont typeface="Arial" panose="020B0604020202020204" pitchFamily="34" charset="0"/>
-                <a:buChar char="•"/>
-              </a:pPr>
-              <a:r>
-                <a:rPr lang="en-GB" sz="3200" dirty="0"/>
-                <a:t>Group of N=100 individuals</a:t>
-              </a:r>
-            </a:p>
-            <a:p>
-              <a:pPr marL="914400" lvl="1" indent="-457200">
-                <a:buClr>
-                  <a:schemeClr val="accent1"/>
-                </a:buClr>
-                <a:buFont typeface="Arial" panose="020B0604020202020204" pitchFamily="34" charset="0"/>
-                <a:buChar char="•"/>
-              </a:pPr>
-              <a:r>
-                <a:rPr lang="en-GB" sz="3200" dirty="0"/>
-                <a:t>Initial state: equally split between X and Y, varying amount of disruptive individuals</a:t>
-              </a:r>
-            </a:p>
-            <a:p>
-              <a:pPr marL="457200" indent="-457200">
-                <a:buClr>
-                  <a:schemeClr val="accent1"/>
-                </a:buClr>
-                <a:buFont typeface="Arial" panose="020B0604020202020204" pitchFamily="34" charset="0"/>
-                <a:buChar char="•"/>
-              </a:pPr>
-              <a:endParaRPr lang="en-GB" sz="3200" b="1" dirty="0"/>
-            </a:p>
-          </p:txBody>
-        </p:sp>
-        <p:sp>
-          <p:nvSpPr>
-            <p:cNvPr id="16" name="TextBox 15">
-              <a:extLst>
-                <a:ext uri="{FF2B5EF4-FFF2-40B4-BE49-F238E27FC236}">
-                  <a16:creationId xmlns:a16="http://schemas.microsoft.com/office/drawing/2014/main" id="{FFDA7F29-8207-03EB-2FF0-B38A7C6C8B9D}"/>
-                </a:ext>
-              </a:extLst>
-            </p:cNvPr>
-            <p:cNvSpPr txBox="1"/>
-            <p:nvPr/>
-          </p:nvSpPr>
-          <p:spPr>
-            <a:xfrm>
-              <a:off x="1194166" y="14640113"/>
-              <a:ext cx="12130833" cy="1015663"/>
-            </a:xfrm>
-            <a:prstGeom prst="rect">
-              <a:avLst/>
-            </a:prstGeom>
-            <a:solidFill>
-              <a:schemeClr val="accent2"/>
-            </a:solidFill>
-          </p:spPr>
-          <p:txBody>
-            <a:bodyPr wrap="square" rtlCol="0">
-              <a:spAutoFit/>
-            </a:bodyPr>
-            <a:lstStyle/>
-            <a:p>
-              <a:pPr algn="ctr"/>
-              <a:r>
-                <a:rPr lang="en-DE" sz="6000" dirty="0">
-                  <a:solidFill>
-                    <a:schemeClr val="bg1"/>
-                  </a:solidFill>
-                </a:rPr>
-                <a:t>Background</a:t>
-              </a:r>
-            </a:p>
-          </p:txBody>
-        </p:sp>
-      </p:grpSp>
-      <p:grpSp>
-        <p:nvGrpSpPr>
-          <p:cNvPr id="1067" name="Group 1066">
-            <a:extLst>
-              <a:ext uri="{FF2B5EF4-FFF2-40B4-BE49-F238E27FC236}">
-                <a16:creationId xmlns:a16="http://schemas.microsoft.com/office/drawing/2014/main" id="{001633D6-BB88-105C-F763-DE75AFAAAEFC}"/>
-              </a:ext>
-            </a:extLst>
-          </p:cNvPr>
-          <p:cNvGrpSpPr/>
-          <p:nvPr/>
-        </p:nvGrpSpPr>
-        <p:grpSpPr>
-          <a:xfrm>
-            <a:off x="15619856" y="17785304"/>
-            <a:ext cx="13546056" cy="23816400"/>
-            <a:chOff x="1241151" y="23019027"/>
-            <a:chExt cx="12142754" cy="21165398"/>
-          </a:xfrm>
-        </p:grpSpPr>
-        <p:sp>
-          <p:nvSpPr>
-            <p:cNvPr id="1068" name="Rectangle 1067">
-              <a:extLst>
-                <a:ext uri="{FF2B5EF4-FFF2-40B4-BE49-F238E27FC236}">
-                  <a16:creationId xmlns:a16="http://schemas.microsoft.com/office/drawing/2014/main" id="{1B66520C-7E41-68B4-3DD8-18AC3115020E}"/>
-                </a:ext>
-              </a:extLst>
-            </p:cNvPr>
-            <p:cNvSpPr/>
-            <p:nvPr/>
-          </p:nvSpPr>
-          <p:spPr>
-            <a:xfrm>
-              <a:off x="1253073" y="23019027"/>
-              <a:ext cx="12130832" cy="21165398"/>
-            </a:xfrm>
-            <a:prstGeom prst="rect">
-              <a:avLst/>
-            </a:prstGeom>
-            <a:solidFill>
-              <a:schemeClr val="bg2"/>
-            </a:solidFill>
-            <a:ln>
-              <a:noFill/>
-            </a:ln>
-          </p:spPr>
-          <p:style>
-            <a:lnRef idx="2">
-              <a:schemeClr val="accent1">
-                <a:shade val="50000"/>
-              </a:schemeClr>
-            </a:lnRef>
-            <a:fillRef idx="1">
-              <a:schemeClr val="accent1"/>
-            </a:fillRef>
-            <a:effectRef idx="0">
-              <a:schemeClr val="accent1"/>
-            </a:effectRef>
-            <a:fontRef idx="minor">
-              <a:schemeClr val="lt1"/>
-            </a:fontRef>
-          </p:style>
-          <p:txBody>
-            <a:bodyPr rtlCol="0" anchor="ctr"/>
-            <a:lstStyle/>
-            <a:p>
-              <a:pPr algn="ctr"/>
-              <a:endParaRPr lang="en-DE"/>
+              <a:endParaRPr lang="en-DE" dirty="0"/>
             </a:p>
           </p:txBody>
         </p:sp>
@@ -4229,8 +4198,8 @@
           </p:nvSpPr>
           <p:spPr>
             <a:xfrm>
-              <a:off x="1241151" y="23255077"/>
-              <a:ext cx="12130833" cy="902610"/>
+              <a:off x="1266300" y="23255077"/>
+              <a:ext cx="12159556" cy="902610"/>
             </a:xfrm>
             <a:prstGeom prst="rect">
               <a:avLst/>
@@ -4272,7 +4241,7 @@
           <p:spPr>
             <a:xfrm>
               <a:off x="1268321" y="24409076"/>
-              <a:ext cx="12105684" cy="19775349"/>
+              <a:ext cx="12105684" cy="12773289"/>
             </a:xfrm>
             <a:prstGeom prst="rect">
               <a:avLst/>
@@ -4294,7 +4263,7 @@
               </a:pPr>
               <a:r>
                 <a:rPr lang="en-GB" sz="3200" dirty="0"/>
-                <a:t>Robustness of consensus in presence of zealots</a:t>
+                <a:t>Robustness of reaching a stable consensus (1a)</a:t>
               </a:r>
             </a:p>
             <a:p>
@@ -4387,7 +4356,108 @@
               </a:pPr>
               <a:r>
                 <a:rPr lang="en-GB" sz="3200" dirty="0"/>
-                <a:t>Robustness of consensus in presence of contrarians</a:t>
+                <a:t>Robustness of switching consensus (1b)</a:t>
+              </a:r>
+            </a:p>
+            <a:p>
+              <a:pPr marL="457200" indent="-457200">
+                <a:buClr>
+                  <a:schemeClr val="accent1"/>
+                </a:buClr>
+                <a:buFont typeface="Arial" panose="020B0604020202020204" pitchFamily="34" charset="0"/>
+                <a:buChar char="•"/>
+              </a:pPr>
+              <a:endParaRPr lang="en-GB" sz="3200" dirty="0"/>
+            </a:p>
+            <a:p>
+              <a:pPr marL="457200" indent="-457200">
+                <a:buClr>
+                  <a:schemeClr val="accent1"/>
+                </a:buClr>
+                <a:buFont typeface="Arial" panose="020B0604020202020204" pitchFamily="34" charset="0"/>
+                <a:buChar char="•"/>
+              </a:pPr>
+              <a:endParaRPr lang="en-GB" sz="3200" dirty="0"/>
+            </a:p>
+            <a:p>
+              <a:pPr marL="457200" indent="-457200">
+                <a:buClr>
+                  <a:schemeClr val="accent1"/>
+                </a:buClr>
+                <a:buFont typeface="Arial" panose="020B0604020202020204" pitchFamily="34" charset="0"/>
+                <a:buChar char="•"/>
+              </a:pPr>
+              <a:endParaRPr lang="en-GB" sz="3200" dirty="0"/>
+            </a:p>
+            <a:p>
+              <a:pPr marL="457200" indent="-457200">
+                <a:buClr>
+                  <a:schemeClr val="accent1"/>
+                </a:buClr>
+                <a:buFont typeface="Arial" panose="020B0604020202020204" pitchFamily="34" charset="0"/>
+                <a:buChar char="•"/>
+              </a:pPr>
+              <a:endParaRPr lang="en-GB" sz="3200" dirty="0"/>
+            </a:p>
+            <a:p>
+              <a:pPr marL="457200" indent="-457200">
+                <a:buClr>
+                  <a:schemeClr val="accent1"/>
+                </a:buClr>
+                <a:buFont typeface="Arial" panose="020B0604020202020204" pitchFamily="34" charset="0"/>
+                <a:buChar char="•"/>
+              </a:pPr>
+              <a:endParaRPr lang="en-GB" sz="3200" dirty="0"/>
+            </a:p>
+            <a:p>
+              <a:pPr marL="457200" indent="-457200">
+                <a:buClr>
+                  <a:schemeClr val="accent1"/>
+                </a:buClr>
+                <a:buFont typeface="Arial" panose="020B0604020202020204" pitchFamily="34" charset="0"/>
+                <a:buChar char="•"/>
+              </a:pPr>
+              <a:endParaRPr lang="en-GB" sz="3200" dirty="0"/>
+            </a:p>
+            <a:p>
+              <a:pPr marL="457200" indent="-457200">
+                <a:buClr>
+                  <a:schemeClr val="accent1"/>
+                </a:buClr>
+                <a:buFont typeface="Arial" panose="020B0604020202020204" pitchFamily="34" charset="0"/>
+                <a:buChar char="•"/>
+              </a:pPr>
+              <a:endParaRPr lang="en-GB" sz="3200" dirty="0"/>
+            </a:p>
+            <a:p>
+              <a:pPr>
+                <a:buClr>
+                  <a:schemeClr val="accent1"/>
+                </a:buClr>
+              </a:pPr>
+              <a:endParaRPr lang="en-GB" sz="3200" dirty="0"/>
+            </a:p>
+            <a:p>
+              <a:pPr marL="457200" indent="-457200">
+                <a:buClr>
+                  <a:schemeClr val="accent1"/>
+                </a:buClr>
+                <a:buFont typeface="Arial" panose="020B0604020202020204" pitchFamily="34" charset="0"/>
+                <a:buChar char="•"/>
+              </a:pPr>
+              <a:endParaRPr lang="en-GB" sz="3200" dirty="0"/>
+            </a:p>
+            <a:p>
+              <a:pPr marL="457200" indent="-457200">
+                <a:buClr>
+                  <a:schemeClr val="accent1"/>
+                </a:buClr>
+                <a:buFont typeface="Arial" panose="020B0604020202020204" pitchFamily="34" charset="0"/>
+                <a:buChar char="•"/>
+              </a:pPr>
+              <a:r>
+                <a:rPr lang="en-GB" sz="3200" dirty="0"/>
+                <a:t>Expected times</a:t>
               </a:r>
             </a:p>
             <a:p>
@@ -4480,290 +4550,6 @@
               </a:pPr>
               <a:endParaRPr lang="en-GB" sz="3200" dirty="0"/>
             </a:p>
-            <a:p>
-              <a:pPr marL="457200" indent="-457200">
-                <a:buClr>
-                  <a:schemeClr val="accent1"/>
-                </a:buClr>
-                <a:buFont typeface="Arial" panose="020B0604020202020204" pitchFamily="34" charset="0"/>
-                <a:buChar char="•"/>
-              </a:pPr>
-              <a:r>
-                <a:rPr lang="en-GB" sz="3200" dirty="0"/>
-                <a:t>Robustness of consensus in presence of both zealots &amp; contrarians</a:t>
-              </a:r>
-            </a:p>
-            <a:p>
-              <a:pPr marL="457200" indent="-457200">
-                <a:buClr>
-                  <a:schemeClr val="accent1"/>
-                </a:buClr>
-                <a:buFont typeface="Arial" panose="020B0604020202020204" pitchFamily="34" charset="0"/>
-                <a:buChar char="•"/>
-              </a:pPr>
-              <a:endParaRPr lang="en-GB" sz="3200" dirty="0"/>
-            </a:p>
-            <a:p>
-              <a:pPr marL="457200" indent="-457200">
-                <a:buClr>
-                  <a:schemeClr val="accent1"/>
-                </a:buClr>
-                <a:buFont typeface="Arial" panose="020B0604020202020204" pitchFamily="34" charset="0"/>
-                <a:buChar char="•"/>
-              </a:pPr>
-              <a:endParaRPr lang="en-GB" sz="3200" dirty="0"/>
-            </a:p>
-            <a:p>
-              <a:pPr marL="457200" indent="-457200">
-                <a:buClr>
-                  <a:schemeClr val="accent1"/>
-                </a:buClr>
-                <a:buFont typeface="Arial" panose="020B0604020202020204" pitchFamily="34" charset="0"/>
-                <a:buChar char="•"/>
-              </a:pPr>
-              <a:endParaRPr lang="en-GB" sz="3200" dirty="0"/>
-            </a:p>
-            <a:p>
-              <a:pPr marL="457200" indent="-457200">
-                <a:buClr>
-                  <a:schemeClr val="accent1"/>
-                </a:buClr>
-                <a:buFont typeface="Arial" panose="020B0604020202020204" pitchFamily="34" charset="0"/>
-                <a:buChar char="•"/>
-              </a:pPr>
-              <a:endParaRPr lang="en-GB" sz="3200" dirty="0"/>
-            </a:p>
-            <a:p>
-              <a:pPr marL="457200" indent="-457200">
-                <a:buClr>
-                  <a:schemeClr val="accent1"/>
-                </a:buClr>
-                <a:buFont typeface="Arial" panose="020B0604020202020204" pitchFamily="34" charset="0"/>
-                <a:buChar char="•"/>
-              </a:pPr>
-              <a:endParaRPr lang="en-GB" sz="3200" dirty="0"/>
-            </a:p>
-            <a:p>
-              <a:pPr marL="457200" indent="-457200">
-                <a:buClr>
-                  <a:schemeClr val="accent1"/>
-                </a:buClr>
-                <a:buFont typeface="Arial" panose="020B0604020202020204" pitchFamily="34" charset="0"/>
-                <a:buChar char="•"/>
-              </a:pPr>
-              <a:endParaRPr lang="en-GB" sz="3200" dirty="0"/>
-            </a:p>
-            <a:p>
-              <a:pPr marL="457200" indent="-457200">
-                <a:buClr>
-                  <a:schemeClr val="accent1"/>
-                </a:buClr>
-                <a:buFont typeface="Arial" panose="020B0604020202020204" pitchFamily="34" charset="0"/>
-                <a:buChar char="•"/>
-              </a:pPr>
-              <a:endParaRPr lang="en-GB" sz="3200" dirty="0"/>
-            </a:p>
-            <a:p>
-              <a:pPr marL="457200" indent="-457200">
-                <a:buClr>
-                  <a:schemeClr val="accent1"/>
-                </a:buClr>
-                <a:buFont typeface="Arial" panose="020B0604020202020204" pitchFamily="34" charset="0"/>
-                <a:buChar char="•"/>
-              </a:pPr>
-              <a:endParaRPr lang="en-GB" sz="3200" dirty="0"/>
-            </a:p>
-            <a:p>
-              <a:pPr marL="457200" indent="-457200">
-                <a:buClr>
-                  <a:schemeClr val="accent1"/>
-                </a:buClr>
-                <a:buFont typeface="Arial" panose="020B0604020202020204" pitchFamily="34" charset="0"/>
-                <a:buChar char="•"/>
-              </a:pPr>
-              <a:endParaRPr lang="en-GB" sz="3200" dirty="0"/>
-            </a:p>
-            <a:p>
-              <a:pPr marL="457200" indent="-457200">
-                <a:buClr>
-                  <a:schemeClr val="accent1"/>
-                </a:buClr>
-                <a:buFont typeface="Arial" panose="020B0604020202020204" pitchFamily="34" charset="0"/>
-                <a:buChar char="•"/>
-              </a:pPr>
-              <a:endParaRPr lang="en-GB" sz="3200" dirty="0"/>
-            </a:p>
-            <a:p>
-              <a:pPr marL="457200" indent="-457200">
-                <a:buClr>
-                  <a:schemeClr val="accent1"/>
-                </a:buClr>
-                <a:buFont typeface="Arial" panose="020B0604020202020204" pitchFamily="34" charset="0"/>
-                <a:buChar char="•"/>
-              </a:pPr>
-              <a:r>
-                <a:rPr lang="en-GB" sz="3200" dirty="0"/>
-                <a:t>Expected time to reach and hold majority </a:t>
-              </a:r>
-            </a:p>
-            <a:p>
-              <a:pPr marL="457200" indent="-457200">
-                <a:buClr>
-                  <a:schemeClr val="accent1"/>
-                </a:buClr>
-                <a:buFont typeface="Arial" panose="020B0604020202020204" pitchFamily="34" charset="0"/>
-                <a:buChar char="•"/>
-              </a:pPr>
-              <a:endParaRPr lang="en-GB" sz="3200" dirty="0"/>
-            </a:p>
-            <a:p>
-              <a:pPr marL="457200" indent="-457200">
-                <a:buClr>
-                  <a:schemeClr val="accent1"/>
-                </a:buClr>
-                <a:buFont typeface="Arial" panose="020B0604020202020204" pitchFamily="34" charset="0"/>
-                <a:buChar char="•"/>
-              </a:pPr>
-              <a:endParaRPr lang="en-GB" sz="3200" dirty="0"/>
-            </a:p>
-            <a:p>
-              <a:pPr marL="457200" indent="-457200">
-                <a:buClr>
-                  <a:schemeClr val="accent1"/>
-                </a:buClr>
-                <a:buFont typeface="Arial" panose="020B0604020202020204" pitchFamily="34" charset="0"/>
-                <a:buChar char="•"/>
-              </a:pPr>
-              <a:endParaRPr lang="en-GB" sz="3200" dirty="0"/>
-            </a:p>
-            <a:p>
-              <a:pPr marL="457200" indent="-457200">
-                <a:buClr>
-                  <a:schemeClr val="accent1"/>
-                </a:buClr>
-                <a:buFont typeface="Arial" panose="020B0604020202020204" pitchFamily="34" charset="0"/>
-                <a:buChar char="•"/>
-              </a:pPr>
-              <a:endParaRPr lang="en-GB" sz="3200" dirty="0"/>
-            </a:p>
-            <a:p>
-              <a:pPr marL="457200" indent="-457200">
-                <a:buClr>
-                  <a:schemeClr val="accent1"/>
-                </a:buClr>
-                <a:buFont typeface="Arial" panose="020B0604020202020204" pitchFamily="34" charset="0"/>
-                <a:buChar char="•"/>
-              </a:pPr>
-              <a:endParaRPr lang="en-GB" sz="3200" dirty="0"/>
-            </a:p>
-            <a:p>
-              <a:pPr marL="457200" indent="-457200">
-                <a:buClr>
-                  <a:schemeClr val="accent1"/>
-                </a:buClr>
-                <a:buFont typeface="Arial" panose="020B0604020202020204" pitchFamily="34" charset="0"/>
-                <a:buChar char="•"/>
-              </a:pPr>
-              <a:endParaRPr lang="en-GB" sz="3200" dirty="0"/>
-            </a:p>
-            <a:p>
-              <a:pPr marL="457200" indent="-457200">
-                <a:buClr>
-                  <a:schemeClr val="accent1"/>
-                </a:buClr>
-                <a:buFont typeface="Arial" panose="020B0604020202020204" pitchFamily="34" charset="0"/>
-                <a:buChar char="•"/>
-              </a:pPr>
-              <a:endParaRPr lang="en-GB" sz="3200" dirty="0"/>
-            </a:p>
-            <a:p>
-              <a:pPr marL="457200" indent="-457200">
-                <a:buClr>
-                  <a:schemeClr val="accent1"/>
-                </a:buClr>
-                <a:buFont typeface="Arial" panose="020B0604020202020204" pitchFamily="34" charset="0"/>
-                <a:buChar char="•"/>
-              </a:pPr>
-              <a:endParaRPr lang="en-GB" sz="3200" dirty="0"/>
-            </a:p>
-            <a:p>
-              <a:pPr marL="457200" indent="-457200">
-                <a:buClr>
-                  <a:schemeClr val="accent1"/>
-                </a:buClr>
-                <a:buFont typeface="Wingdings" pitchFamily="2" charset="2"/>
-                <a:buChar char="Ø"/>
-              </a:pPr>
-              <a:r>
-                <a:rPr lang="en-GB" sz="3200" dirty="0"/>
-                <a:t>Disruptive individuals can change opinion dynamics</a:t>
-              </a:r>
-            </a:p>
-            <a:p>
-              <a:pPr marL="457200" indent="-457200">
-                <a:buClr>
-                  <a:schemeClr val="accent1"/>
-                </a:buClr>
-                <a:buFont typeface="Wingdings" pitchFamily="2" charset="2"/>
-                <a:buChar char="Ø"/>
-              </a:pPr>
-              <a:r>
-                <a:rPr lang="en-GB" sz="3200" dirty="0"/>
-                <a:t>Robust up to certain #zealots/#</a:t>
-              </a:r>
-              <a:r>
-                <a:rPr lang="en-GB" sz="3200" dirty="0" err="1"/>
-                <a:t>conrrarians</a:t>
-              </a:r>
-              <a:r>
-                <a:rPr lang="en-GB" sz="3200" dirty="0"/>
-                <a:t>, then phase transition</a:t>
-              </a:r>
-            </a:p>
-            <a:p>
-              <a:pPr marL="457200" indent="-457200">
-                <a:buClr>
-                  <a:schemeClr val="accent1"/>
-                </a:buClr>
-                <a:buFont typeface="Wingdings" pitchFamily="2" charset="2"/>
-                <a:buChar char="Ø"/>
-              </a:pPr>
-              <a:r>
-                <a:rPr lang="en-GB" sz="3200" dirty="0"/>
-                <a:t>Zealots are less harmful than </a:t>
-              </a:r>
-              <a:r>
-                <a:rPr lang="en-GB" sz="3200" dirty="0" err="1"/>
-                <a:t>conrtrarians</a:t>
-              </a:r>
-              <a:r>
-                <a:rPr lang="en-GB" sz="3200" dirty="0"/>
-                <a:t> </a:t>
-              </a:r>
-            </a:p>
-            <a:p>
-              <a:pPr marL="457200" indent="-457200">
-                <a:buClr>
-                  <a:schemeClr val="accent1"/>
-                </a:buClr>
-                <a:buFont typeface="Wingdings" pitchFamily="2" charset="2"/>
-                <a:buChar char="Ø"/>
-              </a:pPr>
-              <a:endParaRPr lang="en-GB" sz="3200" dirty="0"/>
-            </a:p>
-            <a:p>
-              <a:pPr marL="457200" indent="-457200">
-                <a:buClr>
-                  <a:schemeClr val="accent1"/>
-                </a:buClr>
-                <a:buFont typeface="Arial" panose="020B0604020202020204" pitchFamily="34" charset="0"/>
-                <a:buChar char="•"/>
-              </a:pPr>
-              <a:r>
-                <a:rPr lang="en-GB" sz="3200" dirty="0"/>
-                <a:t>Future work: more complex scenarios with more parameters, decision difficulty, number of options, spatial correlation, influence of group size </a:t>
-              </a:r>
-            </a:p>
           </p:txBody>
         </p:sp>
       </p:grpSp>
@@ -4781,10 +4567,10 @@
         </p:nvGrpSpPr>
         <p:grpSpPr>
           <a:xfrm>
-            <a:off x="1169016" y="39462025"/>
-            <a:ext cx="13617071" cy="2900612"/>
-            <a:chOff x="1253073" y="37692338"/>
-            <a:chExt cx="12146620" cy="2900612"/>
+            <a:off x="979330" y="39990541"/>
+            <a:ext cx="13599372" cy="2900611"/>
+            <a:chOff x="1253073" y="37692339"/>
+            <a:chExt cx="12130832" cy="2900611"/>
           </a:xfrm>
         </p:grpSpPr>
         <p:sp>
@@ -4801,8 +4587,8 @@
           </p:nvSpPr>
           <p:spPr>
             <a:xfrm>
-              <a:off x="1268861" y="37692338"/>
-              <a:ext cx="12130832" cy="2745777"/>
+              <a:off x="1268860" y="37692339"/>
+              <a:ext cx="12099994" cy="2313645"/>
             </a:xfrm>
             <a:prstGeom prst="rect">
               <a:avLst/>
@@ -4854,7 +4640,7 @@
           <p:spPr>
             <a:xfrm>
               <a:off x="1268860" y="37929600"/>
-              <a:ext cx="12130833" cy="1015663"/>
+              <a:ext cx="12099993" cy="1015663"/>
             </a:xfrm>
             <a:prstGeom prst="rect">
               <a:avLst/>
@@ -4941,7 +4727,7 @@
         </p:nvSpPr>
         <p:spPr>
           <a:xfrm>
-            <a:off x="15120144" y="41889179"/>
+            <a:off x="15120144" y="41591009"/>
             <a:ext cx="15465284" cy="769441"/>
           </a:xfrm>
           <a:prstGeom prst="rect">
@@ -5005,7 +4791,7 @@
         </p:nvCxnSpPr>
         <p:spPr>
           <a:xfrm flipV="1">
-            <a:off x="15102150" y="41889179"/>
+            <a:off x="15102150" y="41531375"/>
             <a:ext cx="14692049" cy="46810"/>
           </a:xfrm>
           <a:prstGeom prst="line">
@@ -5033,312 +4819,12 @@
           </a:fontRef>
         </p:style>
       </p:cxnSp>
-      <p:pic>
-        <p:nvPicPr>
-          <p:cNvPr id="88" name="Picture 87">
+      <p:grpSp>
+        <p:nvGrpSpPr>
+          <p:cNvPr id="9" name="Group 8">
             <a:extLst>
               <a:ext uri="{FF2B5EF4-FFF2-40B4-BE49-F238E27FC236}">
-                <a16:creationId xmlns:a16="http://schemas.microsoft.com/office/drawing/2014/main" id="{A8184DE2-3D8C-3F47-A4EE-71EDA6CBE454}"/>
-              </a:ext>
-            </a:extLst>
-          </p:cNvPr>
-          <p:cNvPicPr>
-            <a:picLocks noChangeAspect="1"/>
-          </p:cNvPicPr>
-          <p:nvPr/>
-        </p:nvPicPr>
-        <p:blipFill>
-          <a:blip r:embed="rId6"/>
-          <a:stretch>
-            <a:fillRect/>
-          </a:stretch>
-        </p:blipFill>
-        <p:spPr>
-          <a:xfrm>
-            <a:off x="2084430" y="19666067"/>
-            <a:ext cx="3292454" cy="3292454"/>
-          </a:xfrm>
-          <a:prstGeom prst="rect">
-            <a:avLst/>
-          </a:prstGeom>
-        </p:spPr>
-      </p:pic>
-      <p:pic>
-        <p:nvPicPr>
-          <p:cNvPr id="1032" name="Picture 1031">
-            <a:extLst>
-              <a:ext uri="{FF2B5EF4-FFF2-40B4-BE49-F238E27FC236}">
-                <a16:creationId xmlns:a16="http://schemas.microsoft.com/office/drawing/2014/main" id="{F67090FB-1715-DC49-5637-E7DAEAF7F171}"/>
-              </a:ext>
-            </a:extLst>
-          </p:cNvPr>
-          <p:cNvPicPr>
-            <a:picLocks noChangeAspect="1"/>
-          </p:cNvPicPr>
-          <p:nvPr/>
-        </p:nvPicPr>
-        <p:blipFill>
-          <a:blip r:embed="rId7"/>
-          <a:stretch>
-            <a:fillRect/>
-          </a:stretch>
-        </p:blipFill>
-        <p:spPr>
-          <a:xfrm>
-            <a:off x="6347655" y="19663810"/>
-            <a:ext cx="3292454" cy="3292454"/>
-          </a:xfrm>
-          <a:prstGeom prst="rect">
-            <a:avLst/>
-          </a:prstGeom>
-        </p:spPr>
-      </p:pic>
-      <p:pic>
-        <p:nvPicPr>
-          <p:cNvPr id="1042" name="Picture 1041">
-            <a:extLst>
-              <a:ext uri="{FF2B5EF4-FFF2-40B4-BE49-F238E27FC236}">
-                <a16:creationId xmlns:a16="http://schemas.microsoft.com/office/drawing/2014/main" id="{D528D500-317F-3FC8-6EB1-CB5958B940F5}"/>
-              </a:ext>
-            </a:extLst>
-          </p:cNvPr>
-          <p:cNvPicPr>
-            <a:picLocks noChangeAspect="1"/>
-          </p:cNvPicPr>
-          <p:nvPr/>
-        </p:nvPicPr>
-        <p:blipFill>
-          <a:blip r:embed="rId8"/>
-          <a:stretch>
-            <a:fillRect/>
-          </a:stretch>
-        </p:blipFill>
-        <p:spPr>
-          <a:xfrm>
-            <a:off x="10539899" y="19662078"/>
-            <a:ext cx="3292454" cy="3292454"/>
-          </a:xfrm>
-          <a:prstGeom prst="rect">
-            <a:avLst/>
-          </a:prstGeom>
-        </p:spPr>
-      </p:pic>
-      <p:pic>
-        <p:nvPicPr>
-          <p:cNvPr id="1076" name="Picture 1075">
-            <a:extLst>
-              <a:ext uri="{FF2B5EF4-FFF2-40B4-BE49-F238E27FC236}">
-                <a16:creationId xmlns:a16="http://schemas.microsoft.com/office/drawing/2014/main" id="{74B56161-1911-DD56-201E-68EAC0FFE2B3}"/>
-              </a:ext>
-            </a:extLst>
-          </p:cNvPr>
-          <p:cNvPicPr>
-            <a:picLocks noChangeAspect="1"/>
-          </p:cNvPicPr>
-          <p:nvPr/>
-        </p:nvPicPr>
-        <p:blipFill>
-          <a:blip r:embed="rId9"/>
-          <a:stretch>
-            <a:fillRect/>
-          </a:stretch>
-        </p:blipFill>
-        <p:spPr>
-          <a:xfrm>
-            <a:off x="18133975" y="20074373"/>
-            <a:ext cx="3568700" cy="3327400"/>
-          </a:xfrm>
-          <a:prstGeom prst="rect">
-            <a:avLst/>
-          </a:prstGeom>
-        </p:spPr>
-      </p:pic>
-      <p:pic>
-        <p:nvPicPr>
-          <p:cNvPr id="1117" name="Picture 1116">
-            <a:extLst>
-              <a:ext uri="{FF2B5EF4-FFF2-40B4-BE49-F238E27FC236}">
-                <a16:creationId xmlns:a16="http://schemas.microsoft.com/office/drawing/2014/main" id="{6C06BABF-498A-2C76-C64B-32BD698D2288}"/>
-              </a:ext>
-            </a:extLst>
-          </p:cNvPr>
-          <p:cNvPicPr>
-            <a:picLocks noChangeAspect="1"/>
-          </p:cNvPicPr>
-          <p:nvPr/>
-        </p:nvPicPr>
-        <p:blipFill>
-          <a:blip r:embed="rId10"/>
-          <a:stretch>
-            <a:fillRect/>
-          </a:stretch>
-        </p:blipFill>
-        <p:spPr>
-          <a:xfrm>
-            <a:off x="22160249" y="20074373"/>
-            <a:ext cx="3810000" cy="3378200"/>
-          </a:xfrm>
-          <a:prstGeom prst="rect">
-            <a:avLst/>
-          </a:prstGeom>
-        </p:spPr>
-      </p:pic>
-      <p:pic>
-        <p:nvPicPr>
-          <p:cNvPr id="1120" name="Picture 1119">
-            <a:extLst>
-              <a:ext uri="{FF2B5EF4-FFF2-40B4-BE49-F238E27FC236}">
-                <a16:creationId xmlns:a16="http://schemas.microsoft.com/office/drawing/2014/main" id="{7DE72EB5-E130-1790-F55D-24B4E5C2566E}"/>
-              </a:ext>
-            </a:extLst>
-          </p:cNvPr>
-          <p:cNvPicPr>
-            <a:picLocks noChangeAspect="1"/>
-          </p:cNvPicPr>
-          <p:nvPr/>
-        </p:nvPicPr>
-        <p:blipFill>
-          <a:blip r:embed="rId11"/>
-          <a:stretch>
-            <a:fillRect/>
-          </a:stretch>
-        </p:blipFill>
-        <p:spPr>
-          <a:xfrm>
-            <a:off x="18133975" y="24649092"/>
-            <a:ext cx="3644900" cy="3378200"/>
-          </a:xfrm>
-          <a:prstGeom prst="rect">
-            <a:avLst/>
-          </a:prstGeom>
-        </p:spPr>
-      </p:pic>
-      <p:pic>
-        <p:nvPicPr>
-          <p:cNvPr id="1122" name="Picture 1121">
-            <a:extLst>
-              <a:ext uri="{FF2B5EF4-FFF2-40B4-BE49-F238E27FC236}">
-                <a16:creationId xmlns:a16="http://schemas.microsoft.com/office/drawing/2014/main" id="{C5B6886A-EBB2-CD23-71E4-554BC1B0B15D}"/>
-              </a:ext>
-            </a:extLst>
-          </p:cNvPr>
-          <p:cNvPicPr>
-            <a:picLocks noChangeAspect="1"/>
-          </p:cNvPicPr>
-          <p:nvPr/>
-        </p:nvPicPr>
-        <p:blipFill>
-          <a:blip r:embed="rId12"/>
-          <a:stretch>
-            <a:fillRect/>
-          </a:stretch>
-        </p:blipFill>
-        <p:spPr>
-          <a:xfrm>
-            <a:off x="22290788" y="24649092"/>
-            <a:ext cx="3708400" cy="3378200"/>
-          </a:xfrm>
-          <a:prstGeom prst="rect">
-            <a:avLst/>
-          </a:prstGeom>
-        </p:spPr>
-      </p:pic>
-      <p:pic>
-        <p:nvPicPr>
-          <p:cNvPr id="1124" name="Picture 1123">
-            <a:extLst>
-              <a:ext uri="{FF2B5EF4-FFF2-40B4-BE49-F238E27FC236}">
-                <a16:creationId xmlns:a16="http://schemas.microsoft.com/office/drawing/2014/main" id="{A85F7B5A-CDF3-ABF1-C951-D4AFDEC08591}"/>
-              </a:ext>
-            </a:extLst>
-          </p:cNvPr>
-          <p:cNvPicPr>
-            <a:picLocks noChangeAspect="1"/>
-          </p:cNvPicPr>
-          <p:nvPr/>
-        </p:nvPicPr>
-        <p:blipFill>
-          <a:blip r:embed="rId13"/>
-          <a:stretch>
-            <a:fillRect/>
-          </a:stretch>
-        </p:blipFill>
-        <p:spPr>
-          <a:xfrm>
-            <a:off x="18133975" y="29546323"/>
-            <a:ext cx="3810000" cy="3810000"/>
-          </a:xfrm>
-          <a:prstGeom prst="rect">
-            <a:avLst/>
-          </a:prstGeom>
-        </p:spPr>
-      </p:pic>
-      <p:pic>
-        <p:nvPicPr>
-          <p:cNvPr id="1125" name="Picture 1124">
-            <a:extLst>
-              <a:ext uri="{FF2B5EF4-FFF2-40B4-BE49-F238E27FC236}">
-                <a16:creationId xmlns:a16="http://schemas.microsoft.com/office/drawing/2014/main" id="{FFF7F75A-8533-44A6-3C1B-83A31854A4FC}"/>
-              </a:ext>
-            </a:extLst>
-          </p:cNvPr>
-          <p:cNvPicPr>
-            <a:picLocks noChangeAspect="1"/>
-          </p:cNvPicPr>
-          <p:nvPr/>
-        </p:nvPicPr>
-        <p:blipFill>
-          <a:blip r:embed="rId14"/>
-          <a:stretch>
-            <a:fillRect/>
-          </a:stretch>
-        </p:blipFill>
-        <p:spPr>
-          <a:xfrm>
-            <a:off x="22290788" y="29576278"/>
-            <a:ext cx="3810000" cy="3810000"/>
-          </a:xfrm>
-          <a:prstGeom prst="rect">
-            <a:avLst/>
-          </a:prstGeom>
-        </p:spPr>
-      </p:pic>
-      <p:pic>
-        <p:nvPicPr>
-          <p:cNvPr id="1134" name="Picture 1133" descr="A table with numbers and letters&#10;&#10;Description automatically generated">
-            <a:extLst>
-              <a:ext uri="{FF2B5EF4-FFF2-40B4-BE49-F238E27FC236}">
-                <a16:creationId xmlns:a16="http://schemas.microsoft.com/office/drawing/2014/main" id="{3CCCD19B-E926-A5D1-33DB-BF9ED3938824}"/>
-              </a:ext>
-            </a:extLst>
-          </p:cNvPr>
-          <p:cNvPicPr>
-            <a:picLocks noChangeAspect="1"/>
-          </p:cNvPicPr>
-          <p:nvPr/>
-        </p:nvPicPr>
-        <p:blipFill>
-          <a:blip r:embed="rId15"/>
-          <a:stretch>
-            <a:fillRect/>
-          </a:stretch>
-        </p:blipFill>
-        <p:spPr>
-          <a:xfrm>
-            <a:off x="18709361" y="34790637"/>
-            <a:ext cx="6896100" cy="3048000"/>
-          </a:xfrm>
-          <a:prstGeom prst="rect">
-            <a:avLst/>
-          </a:prstGeom>
-        </p:spPr>
-      </p:pic>
-      <p:grpSp>
-        <p:nvGrpSpPr>
-          <p:cNvPr id="11" name="Group 10">
-            <a:extLst>
-              <a:ext uri="{FF2B5EF4-FFF2-40B4-BE49-F238E27FC236}">
-                <a16:creationId xmlns:a16="http://schemas.microsoft.com/office/drawing/2014/main" id="{785C8B39-48FB-7ECE-5E80-679E9D209E29}"/>
+                <a16:creationId xmlns:a16="http://schemas.microsoft.com/office/drawing/2014/main" id="{39F45A5A-E5C9-E23A-4EC0-BAFC826F7FD2}"/>
               </a:ext>
             </a:extLst>
           </p:cNvPr>
@@ -5347,311 +4833,70 @@
         </p:nvGrpSpPr>
         <p:grpSpPr>
           <a:xfrm>
-            <a:off x="1143188" y="24160513"/>
-            <a:ext cx="13617072" cy="14916792"/>
+            <a:off x="975089" y="24596598"/>
+            <a:ext cx="13564800" cy="14916792"/>
             <a:chOff x="1143188" y="22312352"/>
-            <a:chExt cx="13617072" cy="14916792"/>
+            <a:chExt cx="13564800" cy="14916792"/>
           </a:xfrm>
         </p:grpSpPr>
-        <p:grpSp>
-          <p:nvGrpSpPr>
-            <p:cNvPr id="9" name="Group 8">
+        <p:sp>
+          <p:nvSpPr>
+            <p:cNvPr id="1141" name="Rectangle 1140">
               <a:extLst>
                 <a:ext uri="{FF2B5EF4-FFF2-40B4-BE49-F238E27FC236}">
-                  <a16:creationId xmlns:a16="http://schemas.microsoft.com/office/drawing/2014/main" id="{39F45A5A-E5C9-E23A-4EC0-BAFC826F7FD2}"/>
+                  <a16:creationId xmlns:a16="http://schemas.microsoft.com/office/drawing/2014/main" id="{E8ED6706-E7A9-9833-6F02-B6CDB7BD5862}"/>
                 </a:ext>
               </a:extLst>
             </p:cNvPr>
-            <p:cNvGrpSpPr/>
+            <p:cNvSpPr/>
             <p:nvPr/>
-          </p:nvGrpSpPr>
-          <p:grpSpPr>
+          </p:nvSpPr>
+          <p:spPr>
             <a:xfrm>
               <a:off x="1143188" y="22312352"/>
-              <a:ext cx="13617072" cy="14916792"/>
-              <a:chOff x="1143188" y="22312352"/>
-              <a:chExt cx="13617072" cy="14916792"/>
-            </a:xfrm>
-          </p:grpSpPr>
-          <p:sp>
-            <p:nvSpPr>
-              <p:cNvPr id="1141" name="Rectangle 1140">
-                <a:extLst>
-                  <a:ext uri="{FF2B5EF4-FFF2-40B4-BE49-F238E27FC236}">
-                    <a16:creationId xmlns:a16="http://schemas.microsoft.com/office/drawing/2014/main" id="{E8ED6706-E7A9-9833-6F02-B6CDB7BD5862}"/>
-                  </a:ext>
-                </a:extLst>
-              </p:cNvPr>
-              <p:cNvSpPr/>
-              <p:nvPr/>
-            </p:nvSpPr>
-            <p:spPr>
-              <a:xfrm>
-                <a:off x="1143188" y="22312352"/>
-                <a:ext cx="13617072" cy="14916792"/>
-              </a:xfrm>
-              <a:prstGeom prst="rect">
-                <a:avLst/>
-              </a:prstGeom>
-              <a:solidFill>
-                <a:schemeClr val="bg2"/>
-              </a:solidFill>
-              <a:ln>
-                <a:noFill/>
-              </a:ln>
-            </p:spPr>
-            <p:style>
-              <a:lnRef idx="2">
-                <a:schemeClr val="accent1">
-                  <a:shade val="50000"/>
-                </a:schemeClr>
-              </a:lnRef>
-              <a:fillRef idx="1">
-                <a:schemeClr val="accent1"/>
-              </a:fillRef>
-              <a:effectRef idx="0">
-                <a:schemeClr val="accent1"/>
-              </a:effectRef>
-              <a:fontRef idx="minor">
-                <a:schemeClr val="lt1"/>
-              </a:fontRef>
-            </p:style>
-            <p:txBody>
-              <a:bodyPr rtlCol="0" anchor="ctr"/>
-              <a:lstStyle/>
-              <a:p>
-                <a:pPr algn="ctr"/>
-                <a:endParaRPr lang="en-DE" dirty="0"/>
-              </a:p>
-            </p:txBody>
-          </p:sp>
-          <p:sp>
-            <p:nvSpPr>
-              <p:cNvPr id="126" name="TextBox 125">
-                <a:extLst>
-                  <a:ext uri="{FF2B5EF4-FFF2-40B4-BE49-F238E27FC236}">
-                    <a16:creationId xmlns:a16="http://schemas.microsoft.com/office/drawing/2014/main" id="{9E857AC1-201B-48CA-3A33-CD1239054109}"/>
-                  </a:ext>
-                </a:extLst>
-              </p:cNvPr>
-              <p:cNvSpPr txBox="1"/>
-              <p:nvPr/>
-            </p:nvSpPr>
-            <p:spPr>
-              <a:xfrm>
-                <a:off x="1143188" y="22587063"/>
-                <a:ext cx="13554345" cy="1015663"/>
-              </a:xfrm>
-              <a:prstGeom prst="rect">
-                <a:avLst/>
-              </a:prstGeom>
-              <a:solidFill>
-                <a:schemeClr val="accent2"/>
-              </a:solidFill>
-            </p:spPr>
-            <p:txBody>
-              <a:bodyPr wrap="square" rtlCol="0">
-                <a:spAutoFit/>
-              </a:bodyPr>
-              <a:lstStyle/>
-              <a:p>
-                <a:pPr algn="ctr"/>
-                <a:r>
-                  <a:rPr lang="en-DE" sz="6000" dirty="0">
-                    <a:solidFill>
-                      <a:schemeClr val="bg1"/>
-                    </a:solidFill>
-                  </a:rPr>
-                  <a:t>Models</a:t>
-                </a:r>
-              </a:p>
-            </p:txBody>
-          </p:sp>
-        </p:grpSp>
-        <p:pic>
-          <p:nvPicPr>
-            <p:cNvPr id="2" name="Picture 1">
-              <a:extLst>
-                <a:ext uri="{FF2B5EF4-FFF2-40B4-BE49-F238E27FC236}">
-                  <a16:creationId xmlns:a16="http://schemas.microsoft.com/office/drawing/2014/main" id="{850B94C8-5EF8-2C9F-91EF-7C2E0E2EE73B}"/>
-                </a:ext>
-              </a:extLst>
-            </p:cNvPr>
-            <p:cNvPicPr>
-              <a:picLocks noChangeAspect="1"/>
-            </p:cNvPicPr>
-            <p:nvPr/>
-          </p:nvPicPr>
-          <p:blipFill>
-            <a:blip r:embed="rId16"/>
-            <a:stretch>
-              <a:fillRect/>
-            </a:stretch>
-          </p:blipFill>
-          <p:spPr>
-            <a:xfrm>
-              <a:off x="2458064" y="24177003"/>
-              <a:ext cx="6432467" cy="1294847"/>
+              <a:ext cx="13564800" cy="14916792"/>
             </a:xfrm>
             <a:prstGeom prst="rect">
               <a:avLst/>
             </a:prstGeom>
+            <a:solidFill>
+              <a:schemeClr val="bg2"/>
+            </a:solidFill>
+            <a:ln>
+              <a:noFill/>
+            </a:ln>
           </p:spPr>
-        </p:pic>
-        <p:pic>
-          <p:nvPicPr>
-            <p:cNvPr id="4" name="Picture 3">
+          <p:style>
+            <a:lnRef idx="2">
+              <a:schemeClr val="accent1">
+                <a:shade val="50000"/>
+              </a:schemeClr>
+            </a:lnRef>
+            <a:fillRef idx="1">
+              <a:schemeClr val="accent1"/>
+            </a:fillRef>
+            <a:effectRef idx="0">
+              <a:schemeClr val="accent1"/>
+            </a:effectRef>
+            <a:fontRef idx="minor">
+              <a:schemeClr val="lt1"/>
+            </a:fontRef>
+          </p:style>
+          <p:txBody>
+            <a:bodyPr rtlCol="0" anchor="ctr"/>
+            <a:lstStyle/>
+            <a:p>
+              <a:pPr algn="ctr"/>
+              <a:endParaRPr lang="en-DE" dirty="0"/>
+            </a:p>
+          </p:txBody>
+        </p:sp>
+        <p:sp>
+          <p:nvSpPr>
+            <p:cNvPr id="126" name="TextBox 125">
               <a:extLst>
                 <a:ext uri="{FF2B5EF4-FFF2-40B4-BE49-F238E27FC236}">
-                  <a16:creationId xmlns:a16="http://schemas.microsoft.com/office/drawing/2014/main" id="{7CD8D33F-7F51-CCDA-C599-10BBB1A0564B}"/>
-                </a:ext>
-              </a:extLst>
-            </p:cNvPr>
-            <p:cNvPicPr>
-              <a:picLocks noChangeAspect="1"/>
-            </p:cNvPicPr>
-            <p:nvPr/>
-          </p:nvPicPr>
-          <p:blipFill>
-            <a:blip r:embed="rId17"/>
-            <a:stretch>
-              <a:fillRect/>
-            </a:stretch>
-          </p:blipFill>
-          <p:spPr>
-            <a:xfrm>
-              <a:off x="2458064" y="25792187"/>
-              <a:ext cx="6432467" cy="2965618"/>
-            </a:xfrm>
-            <a:prstGeom prst="rect">
-              <a:avLst/>
-            </a:prstGeom>
-          </p:spPr>
-        </p:pic>
-        <p:pic>
-          <p:nvPicPr>
-            <p:cNvPr id="14" name="Picture 13">
-              <a:extLst>
-                <a:ext uri="{FF2B5EF4-FFF2-40B4-BE49-F238E27FC236}">
-                  <a16:creationId xmlns:a16="http://schemas.microsoft.com/office/drawing/2014/main" id="{849F04BE-8CF0-08A1-BFAB-B272D5A2FD99}"/>
-                </a:ext>
-              </a:extLst>
-            </p:cNvPr>
-            <p:cNvPicPr>
-              <a:picLocks noChangeAspect="1"/>
-            </p:cNvPicPr>
-            <p:nvPr/>
-          </p:nvPicPr>
-          <p:blipFill>
-            <a:blip r:embed="rId18"/>
-            <a:stretch>
-              <a:fillRect/>
-            </a:stretch>
-          </p:blipFill>
-          <p:spPr>
-            <a:xfrm>
-              <a:off x="2458064" y="28838147"/>
-              <a:ext cx="6432467" cy="3299772"/>
-            </a:xfrm>
-            <a:prstGeom prst="rect">
-              <a:avLst/>
-            </a:prstGeom>
-          </p:spPr>
-        </p:pic>
-        <p:pic>
-          <p:nvPicPr>
-            <p:cNvPr id="23" name="Picture 22">
-              <a:extLst>
-                <a:ext uri="{FF2B5EF4-FFF2-40B4-BE49-F238E27FC236}">
-                  <a16:creationId xmlns:a16="http://schemas.microsoft.com/office/drawing/2014/main" id="{D3B18867-1C9B-0113-82A3-F83B519DA9B7}"/>
-                </a:ext>
-              </a:extLst>
-            </p:cNvPr>
-            <p:cNvPicPr>
-              <a:picLocks noChangeAspect="1"/>
-            </p:cNvPicPr>
-            <p:nvPr/>
-          </p:nvPicPr>
-          <p:blipFill>
-            <a:blip r:embed="rId19"/>
-            <a:stretch>
-              <a:fillRect/>
-            </a:stretch>
-          </p:blipFill>
-          <p:spPr>
-            <a:xfrm>
-              <a:off x="2462231" y="32419740"/>
-              <a:ext cx="6432467" cy="4227050"/>
-            </a:xfrm>
-            <a:prstGeom prst="rect">
-              <a:avLst/>
-            </a:prstGeom>
-          </p:spPr>
-        </p:pic>
-        <p:pic>
-          <p:nvPicPr>
-            <p:cNvPr id="33" name="Picture 32">
-              <a:extLst>
-                <a:ext uri="{FF2B5EF4-FFF2-40B4-BE49-F238E27FC236}">
-                  <a16:creationId xmlns:a16="http://schemas.microsoft.com/office/drawing/2014/main" id="{CE88808A-26A5-866C-3541-F4D9B53DAF15}"/>
-                </a:ext>
-              </a:extLst>
-            </p:cNvPr>
-            <p:cNvPicPr>
-              <a:picLocks noChangeAspect="1"/>
-            </p:cNvPicPr>
-            <p:nvPr/>
-          </p:nvPicPr>
-          <p:blipFill rotWithShape="1">
-            <a:blip r:embed="rId20"/>
-            <a:srcRect r="48915" b="24307"/>
-            <a:stretch/>
-          </p:blipFill>
-          <p:spPr>
-            <a:xfrm>
-              <a:off x="9996418" y="24177003"/>
-              <a:ext cx="3579560" cy="5234629"/>
-            </a:xfrm>
-            <a:prstGeom prst="rect">
-              <a:avLst/>
-            </a:prstGeom>
-          </p:spPr>
-        </p:pic>
-        <p:pic>
-          <p:nvPicPr>
-            <p:cNvPr id="77" name="Picture 76">
-              <a:extLst>
-                <a:ext uri="{FF2B5EF4-FFF2-40B4-BE49-F238E27FC236}">
-                  <a16:creationId xmlns:a16="http://schemas.microsoft.com/office/drawing/2014/main" id="{E9585BCA-98DF-C4DF-3E37-152A390D21FF}"/>
-                </a:ext>
-              </a:extLst>
-            </p:cNvPr>
-            <p:cNvPicPr>
-              <a:picLocks noChangeAspect="1"/>
-            </p:cNvPicPr>
-            <p:nvPr/>
-          </p:nvPicPr>
-          <p:blipFill rotWithShape="1">
-            <a:blip r:embed="rId20"/>
-            <a:srcRect l="49623"/>
-            <a:stretch/>
-          </p:blipFill>
-          <p:spPr>
-            <a:xfrm>
-              <a:off x="10059079" y="29581064"/>
-              <a:ext cx="3579560" cy="7012808"/>
-            </a:xfrm>
-            <a:prstGeom prst="rect">
-              <a:avLst/>
-            </a:prstGeom>
-          </p:spPr>
-        </p:pic>
-        <p:sp>
-          <p:nvSpPr>
-            <p:cNvPr id="1143" name="TextBox 1142">
-              <a:extLst>
-                <a:ext uri="{FF2B5EF4-FFF2-40B4-BE49-F238E27FC236}">
-                  <a16:creationId xmlns:a16="http://schemas.microsoft.com/office/drawing/2014/main" id="{DF7562D4-AC4C-6A03-E5DD-3CA5CC916C25}"/>
+                  <a16:creationId xmlns:a16="http://schemas.microsoft.com/office/drawing/2014/main" id="{9E857AC1-201B-48CA-3A33-CD1239054109}"/>
                 </a:ext>
               </a:extLst>
             </p:cNvPr>
@@ -5660,13 +4905,15 @@
           </p:nvSpPr>
           <p:spPr>
             <a:xfrm>
-              <a:off x="1401421" y="24532038"/>
-              <a:ext cx="953650" cy="584775"/>
+              <a:off x="1143188" y="22587063"/>
+              <a:ext cx="13564800" cy="1015663"/>
             </a:xfrm>
             <a:prstGeom prst="rect">
               <a:avLst/>
             </a:prstGeom>
-            <a:noFill/>
+            <a:solidFill>
+              <a:schemeClr val="accent2"/>
+            </a:solidFill>
           </p:spPr>
           <p:txBody>
             <a:bodyPr wrap="square" rtlCol="0">
@@ -5674,114 +4921,14 @@
             </a:bodyPr>
             <a:lstStyle/>
             <a:p>
+              <a:pPr algn="ctr"/>
               <a:r>
-                <a:rPr lang="en-GB" sz="3200" dirty="0"/>
-                <a:t>(2a)</a:t>
-              </a:r>
-            </a:p>
-          </p:txBody>
-        </p:sp>
-        <p:sp>
-          <p:nvSpPr>
-            <p:cNvPr id="1144" name="TextBox 1143">
-              <a:extLst>
-                <a:ext uri="{FF2B5EF4-FFF2-40B4-BE49-F238E27FC236}">
-                  <a16:creationId xmlns:a16="http://schemas.microsoft.com/office/drawing/2014/main" id="{BFFA086D-1FFB-9818-0CA0-562D38CD6E40}"/>
-                </a:ext>
-              </a:extLst>
-            </p:cNvPr>
-            <p:cNvSpPr txBox="1"/>
-            <p:nvPr/>
-          </p:nvSpPr>
-          <p:spPr>
-            <a:xfrm>
-              <a:off x="1401421" y="34019209"/>
-              <a:ext cx="953650" cy="584775"/>
-            </a:xfrm>
-            <a:prstGeom prst="rect">
-              <a:avLst/>
-            </a:prstGeom>
-            <a:noFill/>
-          </p:spPr>
-          <p:txBody>
-            <a:bodyPr wrap="square" rtlCol="0">
-              <a:spAutoFit/>
-            </a:bodyPr>
-            <a:lstStyle/>
-            <a:p>
-              <a:r>
-                <a:rPr lang="en-GB" sz="3200" dirty="0"/>
-                <a:t>(2d)</a:t>
-              </a:r>
-            </a:p>
-          </p:txBody>
-        </p:sp>
-        <p:sp>
-          <p:nvSpPr>
-            <p:cNvPr id="1145" name="TextBox 1144">
-              <a:extLst>
-                <a:ext uri="{FF2B5EF4-FFF2-40B4-BE49-F238E27FC236}">
-                  <a16:creationId xmlns:a16="http://schemas.microsoft.com/office/drawing/2014/main" id="{DF34F49B-3671-B3E2-D28C-02ED8A8EB86F}"/>
-                </a:ext>
-              </a:extLst>
-            </p:cNvPr>
-            <p:cNvSpPr txBox="1"/>
-            <p:nvPr/>
-          </p:nvSpPr>
-          <p:spPr>
-            <a:xfrm>
-              <a:off x="1401421" y="30190101"/>
-              <a:ext cx="953650" cy="584775"/>
-            </a:xfrm>
-            <a:prstGeom prst="rect">
-              <a:avLst/>
-            </a:prstGeom>
-            <a:noFill/>
-          </p:spPr>
-          <p:txBody>
-            <a:bodyPr wrap="square" rtlCol="0">
-              <a:spAutoFit/>
-            </a:bodyPr>
-            <a:lstStyle/>
-            <a:p>
-              <a:r>
-                <a:rPr lang="en-GB" sz="3200" dirty="0"/>
-                <a:t>(2c)</a:t>
-              </a:r>
-            </a:p>
-          </p:txBody>
-        </p:sp>
-        <p:sp>
-          <p:nvSpPr>
-            <p:cNvPr id="1146" name="TextBox 1145">
-              <a:extLst>
-                <a:ext uri="{FF2B5EF4-FFF2-40B4-BE49-F238E27FC236}">
-                  <a16:creationId xmlns:a16="http://schemas.microsoft.com/office/drawing/2014/main" id="{D099A894-EFCC-91F6-1869-C9CAE06B955A}"/>
-                </a:ext>
-              </a:extLst>
-            </p:cNvPr>
-            <p:cNvSpPr txBox="1"/>
-            <p:nvPr/>
-          </p:nvSpPr>
-          <p:spPr>
-            <a:xfrm>
-              <a:off x="1401421" y="26926426"/>
-              <a:ext cx="953650" cy="584775"/>
-            </a:xfrm>
-            <a:prstGeom prst="rect">
-              <a:avLst/>
-            </a:prstGeom>
-            <a:noFill/>
-          </p:spPr>
-          <p:txBody>
-            <a:bodyPr wrap="square" rtlCol="0">
-              <a:spAutoFit/>
-            </a:bodyPr>
-            <a:lstStyle/>
-            <a:p>
-              <a:r>
-                <a:rPr lang="en-GB" sz="3200" dirty="0"/>
-                <a:t>(2b)</a:t>
+                <a:rPr lang="en-DE" sz="6000" dirty="0">
+                  <a:solidFill>
+                    <a:schemeClr val="bg1"/>
+                  </a:solidFill>
+                </a:rPr>
+                <a:t>Models</a:t>
               </a:r>
             </a:p>
           </p:txBody>
@@ -5801,10 +4948,10 @@
         </p:nvGrpSpPr>
         <p:grpSpPr>
           <a:xfrm>
-            <a:off x="15689614" y="5851421"/>
-            <a:ext cx="13546056" cy="11256429"/>
-            <a:chOff x="1169017" y="22304083"/>
-            <a:chExt cx="12142754" cy="11256429"/>
+            <a:off x="15702914" y="5851423"/>
+            <a:ext cx="13564800" cy="11256430"/>
+            <a:chOff x="1180939" y="22304085"/>
+            <a:chExt cx="12159556" cy="11256430"/>
           </a:xfrm>
         </p:grpSpPr>
         <p:grpSp>
@@ -5821,10 +4968,10 @@
           </p:nvGrpSpPr>
           <p:grpSpPr>
             <a:xfrm>
-              <a:off x="1169017" y="22304083"/>
-              <a:ext cx="12142754" cy="11256429"/>
-              <a:chOff x="1241151" y="23019028"/>
-              <a:chExt cx="12142754" cy="10003477"/>
+              <a:off x="1180939" y="22304085"/>
+              <a:ext cx="12159556" cy="11256430"/>
+              <a:chOff x="1253073" y="23019028"/>
+              <a:chExt cx="12159556" cy="10003477"/>
             </a:xfrm>
           </p:grpSpPr>
           <p:sp>
@@ -5842,7 +4989,7 @@
             <p:spPr>
               <a:xfrm>
                 <a:off x="1253073" y="23019028"/>
-                <a:ext cx="12130832" cy="10003477"/>
+                <a:ext cx="12159556" cy="10003477"/>
               </a:xfrm>
               <a:prstGeom prst="rect">
                 <a:avLst/>
@@ -5893,8 +5040,8 @@
             </p:nvSpPr>
             <p:spPr>
               <a:xfrm>
-                <a:off x="1241151" y="23255077"/>
-                <a:ext cx="12130833" cy="902610"/>
+                <a:off x="1253073" y="23255077"/>
+                <a:ext cx="12159556" cy="902610"/>
               </a:xfrm>
               <a:prstGeom prst="rect">
                 <a:avLst/>
@@ -5949,20 +5096,24 @@
               </a:bodyPr>
               <a:lstStyle/>
               <a:p>
-                <a:pPr marL="457200" indent="-457200">
+                <a:pPr marL="514350" indent="-514350">
                   <a:buClr>
                     <a:schemeClr val="accent1"/>
                   </a:buClr>
-                  <a:buFont typeface="Arial" panose="020B0604020202020204" pitchFamily="34" charset="0"/>
-                  <a:buChar char="•"/>
+                  <a:buFont typeface="+mj-lt"/>
+                  <a:buAutoNum type="arabicPeriod"/>
                 </a:pPr>
                 <a:r>
                   <a:rPr lang="en-GB" sz="3200" dirty="0"/>
-                  <a:t>Statistical model checking of properties in Bounded Linear Temporal Logic</a:t>
+                  <a:t>Formally describe observed scenarios in </a:t>
+                </a:r>
+                <a:r>
+                  <a:rPr lang="en-GB" sz="3200" b="1" dirty="0"/>
+                  <a:t>Bounded Linear Temporal Logic</a:t>
                 </a:r>
               </a:p>
               <a:p>
-                <a:pPr marL="457200" indent="-457200">
+                <a:pPr marL="914400" lvl="1" indent="-457200">
                   <a:buClr>
                     <a:schemeClr val="accent1"/>
                   </a:buClr>
@@ -5979,7 +5130,68 @@
                 </a:r>
                 <a:r>
                   <a:rPr lang="en-GB" sz="3200" dirty="0"/>
-                  <a:t>:</a:t>
+                  <a:t> with five parameters: at least </a:t>
+                </a:r>
+                <a:r>
+                  <a:rPr lang="en-GB" sz="3200" i="1" dirty="0"/>
+                  <a:t>majority m%</a:t>
+                </a:r>
+                <a:r>
+                  <a:rPr lang="en-GB" sz="3200" dirty="0"/>
+                  <a:t> of population commits to same decision, </a:t>
+                </a:r>
+                <a:r>
+                  <a:rPr lang="en-GB" sz="3200" i="1" dirty="0"/>
+                  <a:t>difference</a:t>
+                </a:r>
+                <a:r>
+                  <a:rPr lang="en-GB" sz="3200" dirty="0"/>
+                  <a:t> of at least </a:t>
+                </a:r>
+                <a:r>
+                  <a:rPr lang="en-GB" sz="3200" i="1" dirty="0"/>
+                  <a:t>d </a:t>
+                </a:r>
+                <a:r>
+                  <a:rPr lang="en-GB" sz="3200" dirty="0"/>
+                  <a:t>between both groups, consensus is reached within </a:t>
+                </a:r>
+                <a:r>
+                  <a:rPr lang="en-GB" sz="3200" i="1" dirty="0"/>
+                  <a:t>reaching time t</a:t>
+                </a:r>
+                <a:r>
+                  <a:rPr lang="en-GB" sz="3200" dirty="0"/>
+                  <a:t>, consensus is maintained for at least </a:t>
+                </a:r>
+                <a:r>
+                  <a:rPr lang="en-GB" sz="3200" i="1" dirty="0"/>
+                  <a:t>holding time h</a:t>
+                </a:r>
+                <a:r>
+                  <a:rPr lang="en-GB" sz="3200" dirty="0"/>
+                  <a:t>, switch to other opinion happens within </a:t>
+                </a:r>
+                <a:r>
+                  <a:rPr lang="en-GB" sz="3200" i="1" dirty="0"/>
+                  <a:t>switching time s</a:t>
+                </a:r>
+              </a:p>
+              <a:p>
+                <a:pPr marL="914400" lvl="1" indent="-457200">
+                  <a:buClr>
+                    <a:schemeClr val="accent1"/>
+                  </a:buClr>
+                  <a:buFont typeface="Arial" panose="020B0604020202020204" pitchFamily="34" charset="0"/>
+                  <a:buChar char="•"/>
+                </a:pPr>
+                <a:r>
+                  <a:rPr lang="en-GB" sz="3200" u="sng" dirty="0"/>
+                  <a:t>Baseline</a:t>
+                </a:r>
+                <a:r>
+                  <a:rPr lang="en-GB" sz="3200" dirty="0"/>
+                  <a:t>: m=50, d=10, t=35, h=40, s=10</a:t>
                 </a:r>
               </a:p>
               <a:p>
@@ -5992,20 +5204,42 @@
                 </a:pPr>
                 <a:r>
                   <a:rPr lang="en-GB" sz="3200" b="1" dirty="0"/>
-                  <a:t>Majority</a:t>
+                  <a:t>Stable consensus </a:t>
                 </a:r>
                 <a:r>
                   <a:rPr lang="en-GB" sz="3200" dirty="0"/>
-                  <a:t>: more than </a:t>
+                  <a:t>(1a) in BLTL: </a:t>
                 </a:r>
-                <a:r>
-                  <a:rPr lang="en-GB" sz="3200" i="1" dirty="0"/>
-                  <a:t>m%</a:t>
-                </a:r>
-                <a:r>
-                  <a:rPr lang="en-GB" sz="3200" dirty="0"/>
-                  <a:t> of population commits to same decision</a:t>
-                </a:r>
+              </a:p>
+              <a:p>
+                <a:pPr marL="914400" lvl="1" indent="-457200">
+                  <a:buClr>
+                    <a:schemeClr val="accent1"/>
+                  </a:buClr>
+                  <a:buFont typeface="Arial" panose="020B0604020202020204" pitchFamily="34" charset="0"/>
+                  <a:buChar char="•"/>
+                </a:pPr>
+                <a:endParaRPr lang="en-GB" sz="3200" dirty="0"/>
+              </a:p>
+              <a:p>
+                <a:pPr marL="914400" lvl="1" indent="-457200">
+                  <a:buClr>
+                    <a:schemeClr val="accent1"/>
+                  </a:buClr>
+                  <a:buFont typeface="Arial" panose="020B0604020202020204" pitchFamily="34" charset="0"/>
+                  <a:buChar char="•"/>
+                </a:pPr>
+                <a:endParaRPr lang="en-GB" sz="3200" dirty="0"/>
+              </a:p>
+              <a:p>
+                <a:pPr marL="914400" lvl="1" indent="-457200">
+                  <a:buClr>
+                    <a:schemeClr val="accent1"/>
+                  </a:buClr>
+                  <a:buFont typeface="Arial" panose="020B0604020202020204" pitchFamily="34" charset="0"/>
+                  <a:buChar char="•"/>
+                </a:pPr>
+                <a:endParaRPr lang="en-GB" sz="3200" dirty="0"/>
               </a:p>
               <a:p>
                 <a:pPr marL="914400" lvl="1" indent="-457200">
@@ -6017,138 +5251,11 @@
                 </a:pPr>
                 <a:r>
                   <a:rPr lang="en-GB" sz="3200" b="1" dirty="0"/>
-                  <a:t>Distance</a:t>
+                  <a:t>Switching consensus </a:t>
                 </a:r>
                 <a:r>
                   <a:rPr lang="en-GB" sz="3200" dirty="0"/>
-                  <a:t>: significant difference of at least </a:t>
-                </a:r>
-                <a:r>
-                  <a:rPr lang="en-GB" sz="3200" i="1" dirty="0"/>
-                  <a:t>d</a:t>
-                </a:r>
-                <a:r>
-                  <a:rPr lang="en-GB" sz="3200" dirty="0"/>
-                  <a:t> between majority &amp; those favouring opposite decision</a:t>
-                </a:r>
-              </a:p>
-              <a:p>
-                <a:pPr marL="914400" lvl="1" indent="-457200">
-                  <a:buClr>
-                    <a:schemeClr val="accent1"/>
-                  </a:buClr>
-                  <a:buFont typeface="Arial" panose="020B0604020202020204" pitchFamily="34" charset="0"/>
-                  <a:buChar char="•"/>
-                </a:pPr>
-                <a:r>
-                  <a:rPr lang="en-GB" sz="3200" b="1" dirty="0"/>
-                  <a:t>Reaching time</a:t>
-                </a:r>
-                <a:r>
-                  <a:rPr lang="en-GB" sz="3200" dirty="0"/>
-                  <a:t>: consensus is reached within </a:t>
-                </a:r>
-                <a:r>
-                  <a:rPr lang="en-GB" sz="3200" i="1" dirty="0"/>
-                  <a:t>r</a:t>
-                </a:r>
-                <a:r>
-                  <a:rPr lang="en-GB" sz="3200" dirty="0"/>
-                  <a:t> minutes</a:t>
-                </a:r>
-              </a:p>
-              <a:p>
-                <a:pPr marL="914400" lvl="1" indent="-457200">
-                  <a:buClr>
-                    <a:schemeClr val="accent1"/>
-                  </a:buClr>
-                  <a:buFont typeface="Arial" panose="020B0604020202020204" pitchFamily="34" charset="0"/>
-                  <a:buChar char="•"/>
-                </a:pPr>
-                <a:r>
-                  <a:rPr lang="en-GB" sz="3200" b="1" dirty="0"/>
-                  <a:t>Holding time</a:t>
-                </a:r>
-                <a:r>
-                  <a:rPr lang="en-GB" sz="3200" dirty="0"/>
-                  <a:t>: group maintains consensus for at least </a:t>
-                </a:r>
-                <a:r>
-                  <a:rPr lang="en-GB" sz="3200" i="1" dirty="0"/>
-                  <a:t>h</a:t>
-                </a:r>
-                <a:r>
-                  <a:rPr lang="en-GB" sz="3200" dirty="0"/>
-                  <a:t> minutes</a:t>
-                </a:r>
-              </a:p>
-              <a:p>
-                <a:pPr marL="914400" lvl="1" indent="-457200">
-                  <a:buClr>
-                    <a:schemeClr val="accent1"/>
-                  </a:buClr>
-                  <a:buFont typeface="Arial" panose="020B0604020202020204" pitchFamily="34" charset="0"/>
-                  <a:buChar char="•"/>
-                </a:pPr>
-                <a:r>
-                  <a:rPr lang="en-GB" sz="3200" dirty="0"/>
-                  <a:t>Baseline: m=50, d=10, r=35, h=40</a:t>
-                </a:r>
-              </a:p>
-              <a:p>
-                <a:pPr marL="457200" indent="-457200">
-                  <a:buClr>
-                    <a:schemeClr val="accent1"/>
-                  </a:buClr>
-                  <a:buFont typeface="Arial" panose="020B0604020202020204" pitchFamily="34" charset="0"/>
-                  <a:buChar char="•"/>
-                </a:pPr>
-                <a:r>
-                  <a:rPr lang="en-GB" sz="3200" dirty="0"/>
-                  <a:t>Stable consensus (1a) in BLTL: </a:t>
-                </a:r>
-              </a:p>
-              <a:p>
-                <a:pPr marL="457200" indent="-457200">
-                  <a:buClr>
-                    <a:schemeClr val="accent1"/>
-                  </a:buClr>
-                  <a:buFont typeface="Arial" panose="020B0604020202020204" pitchFamily="34" charset="0"/>
-                  <a:buChar char="•"/>
-                </a:pPr>
-                <a:endParaRPr lang="en-GB" sz="3200" dirty="0"/>
-              </a:p>
-              <a:p>
-                <a:pPr marL="457200" indent="-457200">
-                  <a:buClr>
-                    <a:schemeClr val="accent1"/>
-                  </a:buClr>
-                  <a:buFont typeface="Arial" panose="020B0604020202020204" pitchFamily="34" charset="0"/>
-                  <a:buChar char="•"/>
-                </a:pPr>
-                <a:endParaRPr lang="en-GB" sz="3200" dirty="0"/>
-              </a:p>
-              <a:p>
-                <a:pPr marL="457200" indent="-457200">
-                  <a:buClr>
-                    <a:schemeClr val="accent1"/>
-                  </a:buClr>
-                  <a:buFont typeface="Arial" panose="020B0604020202020204" pitchFamily="34" charset="0"/>
-                  <a:buChar char="•"/>
-                </a:pPr>
-                <a:endParaRPr lang="en-GB" sz="3200" dirty="0"/>
-              </a:p>
-              <a:p>
-                <a:pPr marL="457200" indent="-457200">
-                  <a:buClr>
-                    <a:schemeClr val="accent1"/>
-                  </a:buClr>
-                  <a:buFont typeface="Arial" panose="020B0604020202020204" pitchFamily="34" charset="0"/>
-                  <a:buChar char="•"/>
-                </a:pPr>
-                <a:r>
-                  <a:rPr lang="en-GB" sz="3200" dirty="0"/>
-                  <a:t>Switching consensus (1b) in BLTL:</a:t>
+                  <a:t>(1b) in BLTL:</a:t>
                 </a:r>
               </a:p>
               <a:p>
@@ -6202,16 +5309,20 @@
                 <a:endParaRPr lang="en-GB" sz="3200" dirty="0"/>
               </a:p>
               <a:p>
-                <a:pPr marL="457200" indent="-457200">
+                <a:pPr marL="514350" indent="-514350">
                   <a:buClr>
                     <a:schemeClr val="accent1"/>
                   </a:buClr>
-                  <a:buFont typeface="Arial" panose="020B0604020202020204" pitchFamily="34" charset="0"/>
-                  <a:buChar char="•"/>
+                  <a:buFont typeface="+mj-lt"/>
+                  <a:buAutoNum type="arabicPeriod" startAt="2"/>
                 </a:pPr>
                 <a:r>
+                  <a:rPr lang="en-GB" sz="3200" b="1" dirty="0"/>
+                  <a:t>Statistical model checking </a:t>
+                </a:r>
+                <a:r>
                   <a:rPr lang="en-GB" sz="3200" dirty="0"/>
-                  <a:t>Monte Carlo algorithm to estimate satisfaction probability </a:t>
+                  <a:t>to estimate satisfaction probability and quantify robustness under perturbations of the amount of disruptive individuals</a:t>
                 </a:r>
               </a:p>
             </p:txBody>
@@ -6232,24 +5343,31 @@
             <p:nvPr/>
           </p:nvPicPr>
           <p:blipFill>
-            <a:blip r:embed="rId21"/>
+            <a:blip r:embed="rId6"/>
             <a:stretch>
               <a:fillRect/>
             </a:stretch>
           </p:blipFill>
           <p:spPr>
             <a:xfrm>
-              <a:off x="3360155" y="28499369"/>
+              <a:off x="3360155" y="28060457"/>
               <a:ext cx="7772400" cy="734651"/>
             </a:xfrm>
             <a:prstGeom prst="rect">
               <a:avLst/>
             </a:prstGeom>
+            <a:ln w="12700">
+              <a:solidFill>
+                <a:schemeClr val="tx2">
+                  <a:alpha val="75000"/>
+                </a:schemeClr>
+              </a:solidFill>
+            </a:ln>
           </p:spPr>
         </p:pic>
         <p:pic>
           <p:nvPicPr>
-            <p:cNvPr id="1150" name="Picture 1149" descr="A group of math equations&#10;&#10;Description automatically generated">
+            <p:cNvPr id="1150" name="Picture 1149">
               <a:extLst>
                 <a:ext uri="{FF2B5EF4-FFF2-40B4-BE49-F238E27FC236}">
                   <a16:creationId xmlns:a16="http://schemas.microsoft.com/office/drawing/2014/main" id="{A768892C-DFDF-30F1-03CC-8280BB50C79F}"/>
@@ -6262,15 +5380,412 @@
             <p:nvPr/>
           </p:nvPicPr>
           <p:blipFill>
-            <a:blip r:embed="rId22"/>
-            <a:stretch>
-              <a:fillRect/>
-            </a:stretch>
+            <a:blip r:embed="rId7"/>
+            <a:srcRect/>
+            <a:stretch/>
           </p:blipFill>
           <p:spPr>
             <a:xfrm>
-              <a:off x="4189036" y="30433519"/>
-              <a:ext cx="6108700" cy="1676400"/>
+              <a:off x="4410107" y="29958031"/>
+              <a:ext cx="5666558" cy="1676400"/>
+            </a:xfrm>
+            <a:prstGeom prst="rect">
+              <a:avLst/>
+            </a:prstGeom>
+            <a:ln w="12700">
+              <a:solidFill>
+                <a:schemeClr val="tx2">
+                  <a:alpha val="75000"/>
+                </a:schemeClr>
+              </a:solidFill>
+            </a:ln>
+          </p:spPr>
+        </p:pic>
+      </p:grpSp>
+      <p:sp>
+        <p:nvSpPr>
+          <p:cNvPr id="1143" name="TextBox 1142">
+            <a:extLst>
+              <a:ext uri="{FF2B5EF4-FFF2-40B4-BE49-F238E27FC236}">
+                <a16:creationId xmlns:a16="http://schemas.microsoft.com/office/drawing/2014/main" id="{DF7562D4-AC4C-6A03-E5DD-3CA5CC916C25}"/>
+              </a:ext>
+            </a:extLst>
+          </p:cNvPr>
+          <p:cNvSpPr txBox="1"/>
+          <p:nvPr/>
+        </p:nvSpPr>
+        <p:spPr>
+          <a:xfrm>
+            <a:off x="1431193" y="26816284"/>
+            <a:ext cx="953650" cy="584775"/>
+          </a:xfrm>
+          <a:prstGeom prst="rect">
+            <a:avLst/>
+          </a:prstGeom>
+          <a:noFill/>
+        </p:spPr>
+        <p:txBody>
+          <a:bodyPr wrap="square" rtlCol="0">
+            <a:spAutoFit/>
+          </a:bodyPr>
+          <a:lstStyle/>
+          <a:p>
+            <a:r>
+              <a:rPr lang="en-GB" sz="3200" dirty="0"/>
+              <a:t>(2a)</a:t>
+            </a:r>
+          </a:p>
+        </p:txBody>
+      </p:sp>
+      <p:sp>
+        <p:nvSpPr>
+          <p:cNvPr id="1144" name="TextBox 1143">
+            <a:extLst>
+              <a:ext uri="{FF2B5EF4-FFF2-40B4-BE49-F238E27FC236}">
+                <a16:creationId xmlns:a16="http://schemas.microsoft.com/office/drawing/2014/main" id="{BFFA086D-1FFB-9818-0CA0-562D38CD6E40}"/>
+              </a:ext>
+            </a:extLst>
+          </p:cNvPr>
+          <p:cNvSpPr txBox="1"/>
+          <p:nvPr/>
+        </p:nvSpPr>
+        <p:spPr>
+          <a:xfrm>
+            <a:off x="1431193" y="36209835"/>
+            <a:ext cx="953650" cy="584775"/>
+          </a:xfrm>
+          <a:prstGeom prst="rect">
+            <a:avLst/>
+          </a:prstGeom>
+          <a:noFill/>
+        </p:spPr>
+        <p:txBody>
+          <a:bodyPr wrap="square" rtlCol="0">
+            <a:spAutoFit/>
+          </a:bodyPr>
+          <a:lstStyle/>
+          <a:p>
+            <a:r>
+              <a:rPr lang="en-GB" sz="3200" dirty="0"/>
+              <a:t>(2d)</a:t>
+            </a:r>
+          </a:p>
+        </p:txBody>
+      </p:sp>
+      <p:sp>
+        <p:nvSpPr>
+          <p:cNvPr id="1145" name="TextBox 1144">
+            <a:extLst>
+              <a:ext uri="{FF2B5EF4-FFF2-40B4-BE49-F238E27FC236}">
+                <a16:creationId xmlns:a16="http://schemas.microsoft.com/office/drawing/2014/main" id="{DF34F49B-3671-B3E2-D28C-02ED8A8EB86F}"/>
+              </a:ext>
+            </a:extLst>
+          </p:cNvPr>
+          <p:cNvSpPr txBox="1"/>
+          <p:nvPr/>
+        </p:nvSpPr>
+        <p:spPr>
+          <a:xfrm>
+            <a:off x="1431193" y="32474347"/>
+            <a:ext cx="953650" cy="584775"/>
+          </a:xfrm>
+          <a:prstGeom prst="rect">
+            <a:avLst/>
+          </a:prstGeom>
+          <a:noFill/>
+        </p:spPr>
+        <p:txBody>
+          <a:bodyPr wrap="square" rtlCol="0">
+            <a:spAutoFit/>
+          </a:bodyPr>
+          <a:lstStyle/>
+          <a:p>
+            <a:r>
+              <a:rPr lang="en-GB" sz="3200" dirty="0"/>
+              <a:t>(2c)</a:t>
+            </a:r>
+          </a:p>
+        </p:txBody>
+      </p:sp>
+      <p:sp>
+        <p:nvSpPr>
+          <p:cNvPr id="1146" name="TextBox 1145">
+            <a:extLst>
+              <a:ext uri="{FF2B5EF4-FFF2-40B4-BE49-F238E27FC236}">
+                <a16:creationId xmlns:a16="http://schemas.microsoft.com/office/drawing/2014/main" id="{D099A894-EFCC-91F6-1869-C9CAE06B955A}"/>
+              </a:ext>
+            </a:extLst>
+          </p:cNvPr>
+          <p:cNvSpPr txBox="1"/>
+          <p:nvPr/>
+        </p:nvSpPr>
+        <p:spPr>
+          <a:xfrm>
+            <a:off x="1431193" y="29210672"/>
+            <a:ext cx="953650" cy="584775"/>
+          </a:xfrm>
+          <a:prstGeom prst="rect">
+            <a:avLst/>
+          </a:prstGeom>
+          <a:noFill/>
+        </p:spPr>
+        <p:txBody>
+          <a:bodyPr wrap="square" rtlCol="0">
+            <a:spAutoFit/>
+          </a:bodyPr>
+          <a:lstStyle/>
+          <a:p>
+            <a:r>
+              <a:rPr lang="en-GB" sz="3200" dirty="0"/>
+              <a:t>(2b)</a:t>
+            </a:r>
+          </a:p>
+        </p:txBody>
+      </p:sp>
+      <p:pic>
+        <p:nvPicPr>
+          <p:cNvPr id="13" name="Picture 12" descr="A logo for a university&#10;&#10;Description automatically generated">
+            <a:extLst>
+              <a:ext uri="{FF2B5EF4-FFF2-40B4-BE49-F238E27FC236}">
+                <a16:creationId xmlns:a16="http://schemas.microsoft.com/office/drawing/2014/main" id="{4FA6C790-FBFB-D188-54D7-3882AB7DFF34}"/>
+              </a:ext>
+            </a:extLst>
+          </p:cNvPr>
+          <p:cNvPicPr>
+            <a:picLocks noChangeAspect="1"/>
+          </p:cNvPicPr>
+          <p:nvPr/>
+        </p:nvPicPr>
+        <p:blipFill rotWithShape="1">
+          <a:blip r:embed="rId8">
+            <a:extLst>
+              <a:ext uri="{28A0092B-C50C-407E-A947-70E740481C1C}">
+                <a14:useLocalDpi xmlns:a14="http://schemas.microsoft.com/office/drawing/2010/main" val="0"/>
+              </a:ext>
+            </a:extLst>
+          </a:blip>
+          <a:srcRect t="32554" b="34299"/>
+          <a:stretch/>
+        </p:blipFill>
+        <p:spPr>
+          <a:xfrm>
+            <a:off x="336703" y="2195797"/>
+            <a:ext cx="4399688" cy="1094622"/>
+          </a:xfrm>
+          <a:prstGeom prst="rect">
+            <a:avLst/>
+          </a:prstGeom>
+        </p:spPr>
+      </p:pic>
+      <p:grpSp>
+        <p:nvGrpSpPr>
+          <p:cNvPr id="63" name="Group 62">
+            <a:extLst>
+              <a:ext uri="{FF2B5EF4-FFF2-40B4-BE49-F238E27FC236}">
+                <a16:creationId xmlns:a16="http://schemas.microsoft.com/office/drawing/2014/main" id="{C6617E75-861C-79DC-BDBD-556F85DC45E5}"/>
+              </a:ext>
+            </a:extLst>
+          </p:cNvPr>
+          <p:cNvGrpSpPr/>
+          <p:nvPr/>
+        </p:nvGrpSpPr>
+        <p:grpSpPr>
+          <a:xfrm>
+            <a:off x="2168433" y="12217859"/>
+            <a:ext cx="11407545" cy="3448180"/>
+            <a:chOff x="2168433" y="20074642"/>
+            <a:chExt cx="11407545" cy="3448180"/>
+          </a:xfrm>
+        </p:grpSpPr>
+        <p:sp>
+          <p:nvSpPr>
+            <p:cNvPr id="15" name="TextBox 14">
+              <a:extLst>
+                <a:ext uri="{FF2B5EF4-FFF2-40B4-BE49-F238E27FC236}">
+                  <a16:creationId xmlns:a16="http://schemas.microsoft.com/office/drawing/2014/main" id="{B6E2F375-533E-D91B-9827-91F6F6A08B08}"/>
+                </a:ext>
+              </a:extLst>
+            </p:cNvPr>
+            <p:cNvSpPr txBox="1"/>
+            <p:nvPr/>
+          </p:nvSpPr>
+          <p:spPr>
+            <a:xfrm>
+              <a:off x="2168433" y="23061157"/>
+              <a:ext cx="2904659" cy="461665"/>
+            </a:xfrm>
+            <a:prstGeom prst="rect">
+              <a:avLst/>
+            </a:prstGeom>
+            <a:noFill/>
+          </p:spPr>
+          <p:txBody>
+            <a:bodyPr wrap="square" rtlCol="0">
+              <a:spAutoFit/>
+            </a:bodyPr>
+            <a:lstStyle/>
+            <a:p>
+              <a:pPr algn="ctr"/>
+              <a:r>
+                <a:rPr lang="en-GB" sz="2400" dirty="0"/>
+                <a:t>(1a) stable consensus</a:t>
+              </a:r>
+            </a:p>
+          </p:txBody>
+        </p:sp>
+        <p:sp>
+          <p:nvSpPr>
+            <p:cNvPr id="17" name="TextBox 16">
+              <a:extLst>
+                <a:ext uri="{FF2B5EF4-FFF2-40B4-BE49-F238E27FC236}">
+                  <a16:creationId xmlns:a16="http://schemas.microsoft.com/office/drawing/2014/main" id="{359BA484-8690-E13D-2A89-DAEC210DCF3A}"/>
+                </a:ext>
+              </a:extLst>
+            </p:cNvPr>
+            <p:cNvSpPr txBox="1"/>
+            <p:nvPr/>
+          </p:nvSpPr>
+          <p:spPr>
+            <a:xfrm>
+              <a:off x="6248401" y="23061157"/>
+              <a:ext cx="3285066" cy="461665"/>
+            </a:xfrm>
+            <a:prstGeom prst="rect">
+              <a:avLst/>
+            </a:prstGeom>
+            <a:noFill/>
+          </p:spPr>
+          <p:txBody>
+            <a:bodyPr wrap="square" rtlCol="0">
+              <a:spAutoFit/>
+            </a:bodyPr>
+            <a:lstStyle/>
+            <a:p>
+              <a:pPr algn="ctr"/>
+              <a:r>
+                <a:rPr lang="en-GB" sz="2400" dirty="0"/>
+                <a:t>(1b) switching consensus</a:t>
+              </a:r>
+            </a:p>
+          </p:txBody>
+        </p:sp>
+        <p:sp>
+          <p:nvSpPr>
+            <p:cNvPr id="18" name="TextBox 17">
+              <a:extLst>
+                <a:ext uri="{FF2B5EF4-FFF2-40B4-BE49-F238E27FC236}">
+                  <a16:creationId xmlns:a16="http://schemas.microsoft.com/office/drawing/2014/main" id="{5376A431-96A6-6CC0-91F7-6CCE66D0155B}"/>
+                </a:ext>
+              </a:extLst>
+            </p:cNvPr>
+            <p:cNvSpPr txBox="1"/>
+            <p:nvPr/>
+          </p:nvSpPr>
+          <p:spPr>
+            <a:xfrm>
+              <a:off x="10607040" y="23061157"/>
+              <a:ext cx="2968938" cy="461665"/>
+            </a:xfrm>
+            <a:prstGeom prst="rect">
+              <a:avLst/>
+            </a:prstGeom>
+            <a:noFill/>
+          </p:spPr>
+          <p:txBody>
+            <a:bodyPr wrap="square" rtlCol="0">
+              <a:spAutoFit/>
+            </a:bodyPr>
+            <a:lstStyle/>
+            <a:p>
+              <a:pPr algn="ctr"/>
+              <a:r>
+                <a:rPr lang="en-GB" sz="2400" dirty="0"/>
+                <a:t>(1c) no consensus</a:t>
+              </a:r>
+            </a:p>
+          </p:txBody>
+        </p:sp>
+        <p:pic>
+          <p:nvPicPr>
+            <p:cNvPr id="88" name="Picture 87">
+              <a:extLst>
+                <a:ext uri="{FF2B5EF4-FFF2-40B4-BE49-F238E27FC236}">
+                  <a16:creationId xmlns:a16="http://schemas.microsoft.com/office/drawing/2014/main" id="{A8184DE2-3D8C-3F47-A4EE-71EDA6CBE454}"/>
+                </a:ext>
+              </a:extLst>
+            </p:cNvPr>
+            <p:cNvPicPr>
+              <a:picLocks noChangeAspect="1"/>
+            </p:cNvPicPr>
+            <p:nvPr/>
+          </p:nvPicPr>
+          <p:blipFill>
+            <a:blip r:embed="rId9"/>
+            <a:srcRect l="2552" t="10516" r="9227" b="2991"/>
+            <a:stretch/>
+          </p:blipFill>
+          <p:spPr>
+            <a:xfrm>
+              <a:off x="2168434" y="20074643"/>
+              <a:ext cx="2904660" cy="2847723"/>
+            </a:xfrm>
+            <a:prstGeom prst="rect">
+              <a:avLst/>
+            </a:prstGeom>
+          </p:spPr>
+        </p:pic>
+        <p:pic>
+          <p:nvPicPr>
+            <p:cNvPr id="1032" name="Picture 1031">
+              <a:extLst>
+                <a:ext uri="{FF2B5EF4-FFF2-40B4-BE49-F238E27FC236}">
+                  <a16:creationId xmlns:a16="http://schemas.microsoft.com/office/drawing/2014/main" id="{F67090FB-1715-DC49-5637-E7DAEAF7F171}"/>
+                </a:ext>
+              </a:extLst>
+            </p:cNvPr>
+            <p:cNvPicPr>
+              <a:picLocks noChangeAspect="1"/>
+            </p:cNvPicPr>
+            <p:nvPr/>
+          </p:nvPicPr>
+          <p:blipFill>
+            <a:blip r:embed="rId10"/>
+            <a:srcRect l="2529" t="10585" r="9250" b="2923"/>
+            <a:stretch/>
+          </p:blipFill>
+          <p:spPr>
+            <a:xfrm>
+              <a:off x="6430929" y="20074642"/>
+              <a:ext cx="2904660" cy="2847723"/>
+            </a:xfrm>
+            <a:prstGeom prst="rect">
+              <a:avLst/>
+            </a:prstGeom>
+          </p:spPr>
+        </p:pic>
+        <p:pic>
+          <p:nvPicPr>
+            <p:cNvPr id="1042" name="Picture 1041">
+              <a:extLst>
+                <a:ext uri="{FF2B5EF4-FFF2-40B4-BE49-F238E27FC236}">
+                  <a16:creationId xmlns:a16="http://schemas.microsoft.com/office/drawing/2014/main" id="{D528D500-317F-3FC8-6EB1-CB5958B940F5}"/>
+                </a:ext>
+              </a:extLst>
+            </p:cNvPr>
+            <p:cNvPicPr>
+              <a:picLocks noChangeAspect="1"/>
+            </p:cNvPicPr>
+            <p:nvPr/>
+          </p:nvPicPr>
+          <p:blipFill>
+            <a:blip r:embed="rId11"/>
+            <a:srcRect l="2039" t="10637" r="7787" b="2870"/>
+            <a:stretch/>
+          </p:blipFill>
+          <p:spPr>
+            <a:xfrm>
+              <a:off x="10607040" y="20074642"/>
+              <a:ext cx="2968938" cy="2847723"/>
             </a:xfrm>
             <a:prstGeom prst="rect">
               <a:avLst/>
@@ -6278,12 +5793,42 @@
           </p:spPr>
         </p:pic>
       </p:grpSp>
-      <p:sp>
-        <p:nvSpPr>
-          <p:cNvPr id="15" name="TextBox 14">
+      <p:pic>
+        <p:nvPicPr>
+          <p:cNvPr id="21" name="Picture 20">
             <a:extLst>
               <a:ext uri="{FF2B5EF4-FFF2-40B4-BE49-F238E27FC236}">
-                <a16:creationId xmlns:a16="http://schemas.microsoft.com/office/drawing/2014/main" id="{B6E2F375-533E-D91B-9827-91F6F6A08B08}"/>
+                <a16:creationId xmlns:a16="http://schemas.microsoft.com/office/drawing/2014/main" id="{D6D729EC-A718-DBFA-5677-A8F9BB6E459F}"/>
+              </a:ext>
+            </a:extLst>
+          </p:cNvPr>
+          <p:cNvPicPr>
+            <a:picLocks noChangeAspect="1"/>
+          </p:cNvPicPr>
+          <p:nvPr/>
+        </p:nvPicPr>
+        <p:blipFill>
+          <a:blip r:embed="rId12"/>
+          <a:stretch>
+            <a:fillRect/>
+          </a:stretch>
+        </p:blipFill>
+        <p:spPr>
+          <a:xfrm>
+            <a:off x="15954594" y="20209363"/>
+            <a:ext cx="3295901" cy="3295901"/>
+          </a:xfrm>
+          <a:prstGeom prst="rect">
+            <a:avLst/>
+          </a:prstGeom>
+        </p:spPr>
+      </p:pic>
+      <p:sp>
+        <p:nvSpPr>
+          <p:cNvPr id="22" name="TextBox 21">
+            <a:extLst>
+              <a:ext uri="{FF2B5EF4-FFF2-40B4-BE49-F238E27FC236}">
+                <a16:creationId xmlns:a16="http://schemas.microsoft.com/office/drawing/2014/main" id="{874D3B1D-3321-FE9E-B89C-5CB90E49CD4A}"/>
               </a:ext>
             </a:extLst>
           </p:cNvPr>
@@ -6292,8 +5837,8 @@
         </p:nvSpPr>
         <p:spPr>
           <a:xfrm>
-            <a:off x="3253832" y="23061157"/>
-            <a:ext cx="953650" cy="584775"/>
+            <a:off x="15667531" y="20294319"/>
+            <a:ext cx="3908292" cy="307777"/>
           </a:xfrm>
           <a:prstGeom prst="rect">
             <a:avLst/>
@@ -6306,19 +5851,80 @@
           </a:bodyPr>
           <a:lstStyle/>
           <a:p>
-            <a:r>
-              <a:rPr lang="en-GB" sz="3200" dirty="0"/>
-              <a:t>(1a)</a:t>
-            </a:r>
-          </a:p>
-        </p:txBody>
-      </p:sp>
-      <p:sp>
-        <p:nvSpPr>
-          <p:cNvPr id="17" name="TextBox 16">
+            <a:pPr algn="ctr"/>
+            <a:r>
+              <a:rPr lang="en-GB" sz="1400" dirty="0"/>
+              <a:t>Robustness – Zealots </a:t>
+            </a:r>
+          </a:p>
+        </p:txBody>
+      </p:sp>
+      <p:pic>
+        <p:nvPicPr>
+          <p:cNvPr id="24" name="Picture 23">
             <a:extLst>
               <a:ext uri="{FF2B5EF4-FFF2-40B4-BE49-F238E27FC236}">
-                <a16:creationId xmlns:a16="http://schemas.microsoft.com/office/drawing/2014/main" id="{359BA484-8690-E13D-2A89-DAEC210DCF3A}"/>
+                <a16:creationId xmlns:a16="http://schemas.microsoft.com/office/drawing/2014/main" id="{B98C4CBB-B50A-7062-BB2E-858F177F72F6}"/>
+              </a:ext>
+            </a:extLst>
+          </p:cNvPr>
+          <p:cNvPicPr>
+            <a:picLocks noChangeAspect="1"/>
+          </p:cNvPicPr>
+          <p:nvPr/>
+        </p:nvPicPr>
+        <p:blipFill>
+          <a:blip r:embed="rId13"/>
+          <a:stretch>
+            <a:fillRect/>
+          </a:stretch>
+        </p:blipFill>
+        <p:spPr>
+          <a:xfrm>
+            <a:off x="19173648" y="20208222"/>
+            <a:ext cx="3295901" cy="3295901"/>
+          </a:xfrm>
+          <a:prstGeom prst="rect">
+            <a:avLst/>
+          </a:prstGeom>
+        </p:spPr>
+      </p:pic>
+      <p:pic>
+        <p:nvPicPr>
+          <p:cNvPr id="25" name="Picture 24">
+            <a:extLst>
+              <a:ext uri="{FF2B5EF4-FFF2-40B4-BE49-F238E27FC236}">
+                <a16:creationId xmlns:a16="http://schemas.microsoft.com/office/drawing/2014/main" id="{9E4FAFCA-FB12-6B8D-0E18-124292EB2121}"/>
+              </a:ext>
+            </a:extLst>
+          </p:cNvPr>
+          <p:cNvPicPr>
+            <a:picLocks noChangeAspect="1"/>
+          </p:cNvPicPr>
+          <p:nvPr/>
+        </p:nvPicPr>
+        <p:blipFill>
+          <a:blip r:embed="rId14"/>
+          <a:stretch>
+            <a:fillRect/>
+          </a:stretch>
+        </p:blipFill>
+        <p:spPr>
+          <a:xfrm>
+            <a:off x="22392702" y="20208222"/>
+            <a:ext cx="3295901" cy="3295901"/>
+          </a:xfrm>
+          <a:prstGeom prst="rect">
+            <a:avLst/>
+          </a:prstGeom>
+        </p:spPr>
+      </p:pic>
+      <p:sp>
+        <p:nvSpPr>
+          <p:cNvPr id="26" name="TextBox 25">
+            <a:extLst>
+              <a:ext uri="{FF2B5EF4-FFF2-40B4-BE49-F238E27FC236}">
+                <a16:creationId xmlns:a16="http://schemas.microsoft.com/office/drawing/2014/main" id="{1683973E-7B8D-76C2-AE99-9091226FEAFD}"/>
               </a:ext>
             </a:extLst>
           </p:cNvPr>
@@ -6327,8 +5933,8 @@
         </p:nvSpPr>
         <p:spPr>
           <a:xfrm>
-            <a:off x="7517057" y="23061157"/>
-            <a:ext cx="953650" cy="584775"/>
+            <a:off x="18859795" y="20295519"/>
+            <a:ext cx="3908292" cy="307777"/>
           </a:xfrm>
           <a:prstGeom prst="rect">
             <a:avLst/>
@@ -6341,19 +5947,20 @@
           </a:bodyPr>
           <a:lstStyle/>
           <a:p>
-            <a:r>
-              <a:rPr lang="en-GB" sz="3200" dirty="0"/>
-              <a:t>(1b)</a:t>
-            </a:r>
-          </a:p>
-        </p:txBody>
-      </p:sp>
-      <p:sp>
-        <p:nvSpPr>
-          <p:cNvPr id="18" name="TextBox 17">
+            <a:pPr algn="ctr"/>
+            <a:r>
+              <a:rPr lang="en-GB" sz="1400" dirty="0"/>
+              <a:t>Robustness – Contrarians </a:t>
+            </a:r>
+          </a:p>
+        </p:txBody>
+      </p:sp>
+      <p:sp>
+        <p:nvSpPr>
+          <p:cNvPr id="28" name="TextBox 27">
             <a:extLst>
               <a:ext uri="{FF2B5EF4-FFF2-40B4-BE49-F238E27FC236}">
-                <a16:creationId xmlns:a16="http://schemas.microsoft.com/office/drawing/2014/main" id="{5376A431-96A6-6CC0-91F7-6CCE66D0155B}"/>
+                <a16:creationId xmlns:a16="http://schemas.microsoft.com/office/drawing/2014/main" id="{A28D0277-7149-1F02-920E-33DF7C6D439D}"/>
               </a:ext>
             </a:extLst>
           </p:cNvPr>
@@ -6362,8 +5969,8 @@
         </p:nvSpPr>
         <p:spPr>
           <a:xfrm>
-            <a:off x="11709301" y="23061157"/>
-            <a:ext cx="953650" cy="584775"/>
+            <a:off x="22052059" y="20292999"/>
+            <a:ext cx="3908292" cy="307777"/>
           </a:xfrm>
           <a:prstGeom prst="rect">
             <a:avLst/>
@@ -6376,13 +5983,1524 @@
           </a:bodyPr>
           <a:lstStyle/>
           <a:p>
+            <a:pPr algn="ctr"/>
+            <a:r>
+              <a:rPr lang="en-GB" sz="1400" dirty="0"/>
+              <a:t>Combined effect</a:t>
+            </a:r>
+          </a:p>
+        </p:txBody>
+      </p:sp>
+      <p:pic>
+        <p:nvPicPr>
+          <p:cNvPr id="29" name="Picture 28">
+            <a:extLst>
+              <a:ext uri="{FF2B5EF4-FFF2-40B4-BE49-F238E27FC236}">
+                <a16:creationId xmlns:a16="http://schemas.microsoft.com/office/drawing/2014/main" id="{87573361-19AA-24F3-B317-86F54551434A}"/>
+              </a:ext>
+            </a:extLst>
+          </p:cNvPr>
+          <p:cNvPicPr>
+            <a:picLocks noChangeAspect="1"/>
+          </p:cNvPicPr>
+          <p:nvPr/>
+        </p:nvPicPr>
+        <p:blipFill>
+          <a:blip r:embed="rId15"/>
+          <a:stretch>
+            <a:fillRect/>
+          </a:stretch>
+        </p:blipFill>
+        <p:spPr>
+          <a:xfrm>
+            <a:off x="25611757" y="20208220"/>
+            <a:ext cx="3294583" cy="3294583"/>
+          </a:xfrm>
+          <a:prstGeom prst="rect">
+            <a:avLst/>
+          </a:prstGeom>
+        </p:spPr>
+      </p:pic>
+      <p:sp>
+        <p:nvSpPr>
+          <p:cNvPr id="31" name="TextBox 30">
+            <a:extLst>
+              <a:ext uri="{FF2B5EF4-FFF2-40B4-BE49-F238E27FC236}">
+                <a16:creationId xmlns:a16="http://schemas.microsoft.com/office/drawing/2014/main" id="{3040EE52-33AD-507A-EE58-4AFD262E3010}"/>
+              </a:ext>
+            </a:extLst>
+          </p:cNvPr>
+          <p:cNvSpPr txBox="1"/>
+          <p:nvPr/>
+        </p:nvSpPr>
+        <p:spPr>
+          <a:xfrm>
+            <a:off x="25244322" y="20294319"/>
+            <a:ext cx="3908292" cy="307777"/>
+          </a:xfrm>
+          <a:prstGeom prst="rect">
+            <a:avLst/>
+          </a:prstGeom>
+          <a:noFill/>
+        </p:spPr>
+        <p:txBody>
+          <a:bodyPr wrap="square" rtlCol="0">
+            <a:spAutoFit/>
+          </a:bodyPr>
+          <a:lstStyle/>
+          <a:p>
+            <a:pPr algn="ctr"/>
+            <a:r>
+              <a:rPr lang="en-GB" sz="1400" dirty="0"/>
+              <a:t>Group size effect</a:t>
+            </a:r>
+          </a:p>
+        </p:txBody>
+      </p:sp>
+      <p:pic>
+        <p:nvPicPr>
+          <p:cNvPr id="32" name="Picture 31">
+            <a:extLst>
+              <a:ext uri="{FF2B5EF4-FFF2-40B4-BE49-F238E27FC236}">
+                <a16:creationId xmlns:a16="http://schemas.microsoft.com/office/drawing/2014/main" id="{B50BD476-BC31-CB0D-BFEE-DFDA608B3FAA}"/>
+              </a:ext>
+            </a:extLst>
+          </p:cNvPr>
+          <p:cNvPicPr>
+            <a:picLocks noChangeAspect="1"/>
+          </p:cNvPicPr>
+          <p:nvPr/>
+        </p:nvPicPr>
+        <p:blipFill>
+          <a:blip r:embed="rId16">
+            <a:extLst>
+              <a:ext uri="{28A0092B-C50C-407E-A947-70E740481C1C}">
+                <a14:useLocalDpi xmlns:a14="http://schemas.microsoft.com/office/drawing/2010/main" val="0"/>
+              </a:ext>
+            </a:extLst>
+          </a:blip>
+          <a:srcRect/>
+          <a:stretch/>
+        </p:blipFill>
+        <p:spPr>
+          <a:xfrm>
+            <a:off x="15964273" y="24671979"/>
+            <a:ext cx="3307150" cy="3307150"/>
+          </a:xfrm>
+          <a:prstGeom prst="rect">
+            <a:avLst/>
+          </a:prstGeom>
+        </p:spPr>
+      </p:pic>
+      <p:pic>
+        <p:nvPicPr>
+          <p:cNvPr id="34" name="Picture 33">
+            <a:extLst>
+              <a:ext uri="{FF2B5EF4-FFF2-40B4-BE49-F238E27FC236}">
+                <a16:creationId xmlns:a16="http://schemas.microsoft.com/office/drawing/2014/main" id="{C429C3D0-4035-662D-354A-9F526E61B31F}"/>
+              </a:ext>
+            </a:extLst>
+          </p:cNvPr>
+          <p:cNvPicPr>
+            <a:picLocks noChangeAspect="1"/>
+          </p:cNvPicPr>
+          <p:nvPr/>
+        </p:nvPicPr>
+        <p:blipFill>
+          <a:blip r:embed="rId17">
+            <a:extLst>
+              <a:ext uri="{28A0092B-C50C-407E-A947-70E740481C1C}">
+                <a14:useLocalDpi xmlns:a14="http://schemas.microsoft.com/office/drawing/2010/main" val="0"/>
+              </a:ext>
+            </a:extLst>
+          </a:blip>
+          <a:srcRect/>
+          <a:stretch/>
+        </p:blipFill>
+        <p:spPr>
+          <a:xfrm>
+            <a:off x="19180101" y="24669892"/>
+            <a:ext cx="3307150" cy="3307150"/>
+          </a:xfrm>
+          <a:prstGeom prst="rect">
+            <a:avLst/>
+          </a:prstGeom>
+        </p:spPr>
+      </p:pic>
+      <p:pic>
+        <p:nvPicPr>
+          <p:cNvPr id="35" name="Picture 34">
+            <a:extLst>
+              <a:ext uri="{FF2B5EF4-FFF2-40B4-BE49-F238E27FC236}">
+                <a16:creationId xmlns:a16="http://schemas.microsoft.com/office/drawing/2014/main" id="{6B6AC348-B126-C0B1-B6EC-19A6C1120818}"/>
+              </a:ext>
+            </a:extLst>
+          </p:cNvPr>
+          <p:cNvPicPr>
+            <a:picLocks noChangeAspect="1"/>
+          </p:cNvPicPr>
+          <p:nvPr/>
+        </p:nvPicPr>
+        <p:blipFill>
+          <a:blip r:embed="rId18">
+            <a:extLst>
+              <a:ext uri="{28A0092B-C50C-407E-A947-70E740481C1C}">
+                <a14:useLocalDpi xmlns:a14="http://schemas.microsoft.com/office/drawing/2010/main" val="0"/>
+              </a:ext>
+            </a:extLst>
+          </a:blip>
+          <a:srcRect/>
+          <a:stretch/>
+        </p:blipFill>
+        <p:spPr>
+          <a:xfrm>
+            <a:off x="22395929" y="24669892"/>
+            <a:ext cx="3307150" cy="3307150"/>
+          </a:xfrm>
+          <a:prstGeom prst="rect">
+            <a:avLst/>
+          </a:prstGeom>
+        </p:spPr>
+      </p:pic>
+      <p:pic>
+        <p:nvPicPr>
+          <p:cNvPr id="36" name="Picture 35">
+            <a:extLst>
+              <a:ext uri="{FF2B5EF4-FFF2-40B4-BE49-F238E27FC236}">
+                <a16:creationId xmlns:a16="http://schemas.microsoft.com/office/drawing/2014/main" id="{73E92B36-874B-36C6-049E-BF08E1EFBE09}"/>
+              </a:ext>
+            </a:extLst>
+          </p:cNvPr>
+          <p:cNvPicPr>
+            <a:picLocks noChangeAspect="1"/>
+          </p:cNvPicPr>
+          <p:nvPr/>
+        </p:nvPicPr>
+        <p:blipFill>
+          <a:blip r:embed="rId19">
+            <a:extLst>
+              <a:ext uri="{28A0092B-C50C-407E-A947-70E740481C1C}">
+                <a14:useLocalDpi xmlns:a14="http://schemas.microsoft.com/office/drawing/2010/main" val="0"/>
+              </a:ext>
+            </a:extLst>
+          </a:blip>
+          <a:srcRect/>
+          <a:stretch/>
+        </p:blipFill>
+        <p:spPr>
+          <a:xfrm>
+            <a:off x="25611756" y="24669892"/>
+            <a:ext cx="3294583" cy="3305827"/>
+          </a:xfrm>
+          <a:prstGeom prst="rect">
+            <a:avLst/>
+          </a:prstGeom>
+        </p:spPr>
+      </p:pic>
+      <p:sp>
+        <p:nvSpPr>
+          <p:cNvPr id="37" name="TextBox 36">
+            <a:extLst>
+              <a:ext uri="{FF2B5EF4-FFF2-40B4-BE49-F238E27FC236}">
+                <a16:creationId xmlns:a16="http://schemas.microsoft.com/office/drawing/2014/main" id="{41EFA866-D772-3E60-11DE-979579727D5C}"/>
+              </a:ext>
+            </a:extLst>
+          </p:cNvPr>
+          <p:cNvSpPr txBox="1"/>
+          <p:nvPr/>
+        </p:nvSpPr>
+        <p:spPr>
+          <a:xfrm>
+            <a:off x="15684755" y="24753273"/>
+            <a:ext cx="3908292" cy="307777"/>
+          </a:xfrm>
+          <a:prstGeom prst="rect">
+            <a:avLst/>
+          </a:prstGeom>
+          <a:noFill/>
+        </p:spPr>
+        <p:txBody>
+          <a:bodyPr wrap="square" rtlCol="0">
+            <a:spAutoFit/>
+          </a:bodyPr>
+          <a:lstStyle/>
+          <a:p>
+            <a:pPr algn="ctr"/>
+            <a:r>
+              <a:rPr lang="en-GB" sz="1400" dirty="0"/>
+              <a:t>Robustness – Zealots </a:t>
+            </a:r>
+          </a:p>
+        </p:txBody>
+      </p:sp>
+      <p:sp>
+        <p:nvSpPr>
+          <p:cNvPr id="38" name="TextBox 37">
+            <a:extLst>
+              <a:ext uri="{FF2B5EF4-FFF2-40B4-BE49-F238E27FC236}">
+                <a16:creationId xmlns:a16="http://schemas.microsoft.com/office/drawing/2014/main" id="{17BF57C9-9924-7D3B-1AA5-73028CEF0508}"/>
+              </a:ext>
+            </a:extLst>
+          </p:cNvPr>
+          <p:cNvSpPr txBox="1"/>
+          <p:nvPr/>
+        </p:nvSpPr>
+        <p:spPr>
+          <a:xfrm>
+            <a:off x="18877019" y="24754473"/>
+            <a:ext cx="3908292" cy="307777"/>
+          </a:xfrm>
+          <a:prstGeom prst="rect">
+            <a:avLst/>
+          </a:prstGeom>
+          <a:noFill/>
+        </p:spPr>
+        <p:txBody>
+          <a:bodyPr wrap="square" rtlCol="0">
+            <a:spAutoFit/>
+          </a:bodyPr>
+          <a:lstStyle/>
+          <a:p>
+            <a:pPr algn="ctr"/>
+            <a:r>
+              <a:rPr lang="en-GB" sz="1400" dirty="0"/>
+              <a:t>Robustness – Contrarians </a:t>
+            </a:r>
+          </a:p>
+        </p:txBody>
+      </p:sp>
+      <p:sp>
+        <p:nvSpPr>
+          <p:cNvPr id="39" name="TextBox 38">
+            <a:extLst>
+              <a:ext uri="{FF2B5EF4-FFF2-40B4-BE49-F238E27FC236}">
+                <a16:creationId xmlns:a16="http://schemas.microsoft.com/office/drawing/2014/main" id="{59FF50EF-2FE2-407D-AA6F-EFF822FBF753}"/>
+              </a:ext>
+            </a:extLst>
+          </p:cNvPr>
+          <p:cNvSpPr txBox="1"/>
+          <p:nvPr/>
+        </p:nvSpPr>
+        <p:spPr>
+          <a:xfrm>
+            <a:off x="22069283" y="24751953"/>
+            <a:ext cx="3908292" cy="307777"/>
+          </a:xfrm>
+          <a:prstGeom prst="rect">
+            <a:avLst/>
+          </a:prstGeom>
+          <a:noFill/>
+        </p:spPr>
+        <p:txBody>
+          <a:bodyPr wrap="square" rtlCol="0">
+            <a:spAutoFit/>
+          </a:bodyPr>
+          <a:lstStyle/>
+          <a:p>
+            <a:pPr algn="ctr"/>
+            <a:r>
+              <a:rPr lang="en-GB" sz="1400" dirty="0"/>
+              <a:t>Combined effect</a:t>
+            </a:r>
+          </a:p>
+        </p:txBody>
+      </p:sp>
+      <p:sp>
+        <p:nvSpPr>
+          <p:cNvPr id="40" name="TextBox 39">
+            <a:extLst>
+              <a:ext uri="{FF2B5EF4-FFF2-40B4-BE49-F238E27FC236}">
+                <a16:creationId xmlns:a16="http://schemas.microsoft.com/office/drawing/2014/main" id="{DCA43830-A91A-24EC-8F40-6CA202767B89}"/>
+              </a:ext>
+            </a:extLst>
+          </p:cNvPr>
+          <p:cNvSpPr txBox="1"/>
+          <p:nvPr/>
+        </p:nvSpPr>
+        <p:spPr>
+          <a:xfrm>
+            <a:off x="25261546" y="24753273"/>
+            <a:ext cx="3908292" cy="307777"/>
+          </a:xfrm>
+          <a:prstGeom prst="rect">
+            <a:avLst/>
+          </a:prstGeom>
+          <a:noFill/>
+        </p:spPr>
+        <p:txBody>
+          <a:bodyPr wrap="square" rtlCol="0">
+            <a:spAutoFit/>
+          </a:bodyPr>
+          <a:lstStyle/>
+          <a:p>
+            <a:pPr algn="ctr"/>
+            <a:r>
+              <a:rPr lang="en-GB" sz="1400" dirty="0"/>
+              <a:t>Group size effect</a:t>
+            </a:r>
+          </a:p>
+        </p:txBody>
+      </p:sp>
+      <p:pic>
+        <p:nvPicPr>
+          <p:cNvPr id="41" name="Picture 40" descr="A table of numbers with numbers&#10;&#10;Description automatically generated">
+            <a:extLst>
+              <a:ext uri="{FF2B5EF4-FFF2-40B4-BE49-F238E27FC236}">
+                <a16:creationId xmlns:a16="http://schemas.microsoft.com/office/drawing/2014/main" id="{8AE2F7D8-3357-5FF2-9EA7-0DF84FCA51FE}"/>
+              </a:ext>
+            </a:extLst>
+          </p:cNvPr>
+          <p:cNvPicPr>
+            <a:picLocks noChangeAspect="1"/>
+          </p:cNvPicPr>
+          <p:nvPr/>
+        </p:nvPicPr>
+        <p:blipFill>
+          <a:blip r:embed="rId20">
+            <a:extLst>
+              <a:ext uri="{28A0092B-C50C-407E-A947-70E740481C1C}">
+                <a14:useLocalDpi xmlns:a14="http://schemas.microsoft.com/office/drawing/2010/main" val="0"/>
+              </a:ext>
+            </a:extLst>
+          </a:blip>
+          <a:srcRect b="49358"/>
+          <a:stretch/>
+        </p:blipFill>
+        <p:spPr>
+          <a:xfrm>
+            <a:off x="19966884" y="29841012"/>
+            <a:ext cx="8806024" cy="1092634"/>
+          </a:xfrm>
+          <a:prstGeom prst="rect">
+            <a:avLst/>
+          </a:prstGeom>
+        </p:spPr>
+      </p:pic>
+      <p:pic>
+        <p:nvPicPr>
+          <p:cNvPr id="42" name="Picture 41" descr="A table of numbers with numbers&#10;&#10;Description automatically generated">
+            <a:extLst>
+              <a:ext uri="{FF2B5EF4-FFF2-40B4-BE49-F238E27FC236}">
+                <a16:creationId xmlns:a16="http://schemas.microsoft.com/office/drawing/2014/main" id="{A7FCDC02-FBE5-0123-86F3-F14824FC967D}"/>
+              </a:ext>
+            </a:extLst>
+          </p:cNvPr>
+          <p:cNvPicPr>
+            <a:picLocks noChangeAspect="1"/>
+          </p:cNvPicPr>
+          <p:nvPr/>
+        </p:nvPicPr>
+        <p:blipFill>
+          <a:blip r:embed="rId20">
+            <a:extLst>
+              <a:ext uri="{28A0092B-C50C-407E-A947-70E740481C1C}">
+                <a14:useLocalDpi xmlns:a14="http://schemas.microsoft.com/office/drawing/2010/main" val="0"/>
+              </a:ext>
+            </a:extLst>
+          </a:blip>
+          <a:srcRect t="49358"/>
+          <a:stretch/>
+        </p:blipFill>
+        <p:spPr>
+          <a:xfrm>
+            <a:off x="19966884" y="31936274"/>
+            <a:ext cx="8806024" cy="1092634"/>
+          </a:xfrm>
+          <a:prstGeom prst="rect">
+            <a:avLst/>
+          </a:prstGeom>
+        </p:spPr>
+      </p:pic>
+      <p:pic>
+        <p:nvPicPr>
+          <p:cNvPr id="44" name="Picture 43" descr="A graph with red and blue lines&#10;&#10;Description automatically generated">
+            <a:extLst>
+              <a:ext uri="{FF2B5EF4-FFF2-40B4-BE49-F238E27FC236}">
+                <a16:creationId xmlns:a16="http://schemas.microsoft.com/office/drawing/2014/main" id="{29269196-7C7D-20E4-9BDC-84D8712AD542}"/>
+              </a:ext>
+            </a:extLst>
+          </p:cNvPr>
+          <p:cNvPicPr>
+            <a:picLocks noChangeAspect="1"/>
+          </p:cNvPicPr>
+          <p:nvPr/>
+        </p:nvPicPr>
+        <p:blipFill>
+          <a:blip r:embed="rId21"/>
+          <a:stretch>
+            <a:fillRect/>
+          </a:stretch>
+        </p:blipFill>
+        <p:spPr>
+          <a:xfrm>
+            <a:off x="16769030" y="29314710"/>
+            <a:ext cx="2815894" cy="2111921"/>
+          </a:xfrm>
+          <a:prstGeom prst="rect">
+            <a:avLst/>
+          </a:prstGeom>
+        </p:spPr>
+      </p:pic>
+      <p:pic>
+        <p:nvPicPr>
+          <p:cNvPr id="46" name="Picture 45" descr="A graph of a number of individuals&#10;&#10;Description automatically generated">
+            <a:extLst>
+              <a:ext uri="{FF2B5EF4-FFF2-40B4-BE49-F238E27FC236}">
+                <a16:creationId xmlns:a16="http://schemas.microsoft.com/office/drawing/2014/main" id="{B592B73A-D4A4-AA29-ED6B-2A74EACEF99D}"/>
+              </a:ext>
+            </a:extLst>
+          </p:cNvPr>
+          <p:cNvPicPr>
+            <a:picLocks noChangeAspect="1"/>
+          </p:cNvPicPr>
+          <p:nvPr/>
+        </p:nvPicPr>
+        <p:blipFill>
+          <a:blip r:embed="rId22"/>
+          <a:stretch>
+            <a:fillRect/>
+          </a:stretch>
+        </p:blipFill>
+        <p:spPr>
+          <a:xfrm>
+            <a:off x="16769030" y="31426631"/>
+            <a:ext cx="2815894" cy="2111921"/>
+          </a:xfrm>
+          <a:prstGeom prst="rect">
+            <a:avLst/>
+          </a:prstGeom>
+        </p:spPr>
+      </p:pic>
+      <p:sp>
+        <p:nvSpPr>
+          <p:cNvPr id="47" name="TextBox 46">
+            <a:extLst>
+              <a:ext uri="{FF2B5EF4-FFF2-40B4-BE49-F238E27FC236}">
+                <a16:creationId xmlns:a16="http://schemas.microsoft.com/office/drawing/2014/main" id="{A82041B6-DB13-2892-5664-893566B9FAF2}"/>
+              </a:ext>
+            </a:extLst>
+          </p:cNvPr>
+          <p:cNvSpPr txBox="1"/>
+          <p:nvPr/>
+        </p:nvSpPr>
+        <p:spPr>
+          <a:xfrm>
+            <a:off x="19865561" y="29256237"/>
+            <a:ext cx="5067946" cy="584775"/>
+          </a:xfrm>
+          <a:prstGeom prst="rect">
+            <a:avLst/>
+          </a:prstGeom>
+          <a:noFill/>
+        </p:spPr>
+        <p:txBody>
+          <a:bodyPr wrap="square" rtlCol="0">
+            <a:spAutoFit/>
+          </a:bodyPr>
+          <a:lstStyle/>
+          <a:p>
             <a:r>
               <a:rPr lang="en-GB" sz="3200" dirty="0"/>
-              <a:t>(1c)</a:t>
-            </a:r>
-          </a:p>
-        </p:txBody>
-      </p:sp>
+              <a:t>…to reach consensus</a:t>
+            </a:r>
+          </a:p>
+        </p:txBody>
+      </p:sp>
+      <p:sp>
+        <p:nvSpPr>
+          <p:cNvPr id="48" name="TextBox 47">
+            <a:extLst>
+              <a:ext uri="{FF2B5EF4-FFF2-40B4-BE49-F238E27FC236}">
+                <a16:creationId xmlns:a16="http://schemas.microsoft.com/office/drawing/2014/main" id="{07940281-5FF2-5837-F725-ED52ACD449FB}"/>
+              </a:ext>
+            </a:extLst>
+          </p:cNvPr>
+          <p:cNvSpPr txBox="1"/>
+          <p:nvPr/>
+        </p:nvSpPr>
+        <p:spPr>
+          <a:xfrm>
+            <a:off x="19883466" y="31349009"/>
+            <a:ext cx="5067946" cy="584775"/>
+          </a:xfrm>
+          <a:prstGeom prst="rect">
+            <a:avLst/>
+          </a:prstGeom>
+          <a:noFill/>
+        </p:spPr>
+        <p:txBody>
+          <a:bodyPr wrap="square" rtlCol="0">
+            <a:spAutoFit/>
+          </a:bodyPr>
+          <a:lstStyle/>
+          <a:p>
+            <a:r>
+              <a:rPr lang="en-GB" sz="3200" dirty="0"/>
+              <a:t>…to hold consensus</a:t>
+            </a:r>
+          </a:p>
+        </p:txBody>
+      </p:sp>
+      <p:grpSp>
+        <p:nvGrpSpPr>
+          <p:cNvPr id="50" name="Group 49">
+            <a:extLst>
+              <a:ext uri="{FF2B5EF4-FFF2-40B4-BE49-F238E27FC236}">
+                <a16:creationId xmlns:a16="http://schemas.microsoft.com/office/drawing/2014/main" id="{AE14BCAC-D221-1706-0A05-C444A12D62AD}"/>
+              </a:ext>
+            </a:extLst>
+          </p:cNvPr>
+          <p:cNvGrpSpPr/>
+          <p:nvPr/>
+        </p:nvGrpSpPr>
+        <p:grpSpPr>
+          <a:xfrm>
+            <a:off x="15702914" y="34400071"/>
+            <a:ext cx="13564800" cy="6290521"/>
+            <a:chOff x="1253073" y="23019027"/>
+            <a:chExt cx="12159556" cy="5590324"/>
+          </a:xfrm>
+        </p:grpSpPr>
+        <p:sp>
+          <p:nvSpPr>
+            <p:cNvPr id="53" name="Rectangle 52">
+              <a:extLst>
+                <a:ext uri="{FF2B5EF4-FFF2-40B4-BE49-F238E27FC236}">
+                  <a16:creationId xmlns:a16="http://schemas.microsoft.com/office/drawing/2014/main" id="{B98D73D0-6945-8D92-F80A-357944EB5E1B}"/>
+                </a:ext>
+              </a:extLst>
+            </p:cNvPr>
+            <p:cNvSpPr/>
+            <p:nvPr/>
+          </p:nvSpPr>
+          <p:spPr>
+            <a:xfrm>
+              <a:off x="1253073" y="23019027"/>
+              <a:ext cx="12159556" cy="5590324"/>
+            </a:xfrm>
+            <a:prstGeom prst="rect">
+              <a:avLst/>
+            </a:prstGeom>
+            <a:solidFill>
+              <a:schemeClr val="bg2"/>
+            </a:solidFill>
+            <a:ln>
+              <a:noFill/>
+            </a:ln>
+          </p:spPr>
+          <p:style>
+            <a:lnRef idx="2">
+              <a:schemeClr val="accent1">
+                <a:shade val="50000"/>
+              </a:schemeClr>
+            </a:lnRef>
+            <a:fillRef idx="1">
+              <a:schemeClr val="accent1"/>
+            </a:fillRef>
+            <a:effectRef idx="0">
+              <a:schemeClr val="accent1"/>
+            </a:effectRef>
+            <a:fontRef idx="minor">
+              <a:schemeClr val="lt1"/>
+            </a:fontRef>
+          </p:style>
+          <p:txBody>
+            <a:bodyPr rtlCol="0" anchor="ctr"/>
+            <a:lstStyle/>
+            <a:p>
+              <a:pPr algn="ctr"/>
+              <a:endParaRPr lang="en-DE" dirty="0"/>
+            </a:p>
+          </p:txBody>
+        </p:sp>
+        <p:sp>
+          <p:nvSpPr>
+            <p:cNvPr id="54" name="TextBox 53">
+              <a:extLst>
+                <a:ext uri="{FF2B5EF4-FFF2-40B4-BE49-F238E27FC236}">
+                  <a16:creationId xmlns:a16="http://schemas.microsoft.com/office/drawing/2014/main" id="{1FB127FA-D363-FB85-AB81-06266387C12A}"/>
+                </a:ext>
+              </a:extLst>
+            </p:cNvPr>
+            <p:cNvSpPr txBox="1"/>
+            <p:nvPr/>
+          </p:nvSpPr>
+          <p:spPr>
+            <a:xfrm>
+              <a:off x="1253073" y="23255077"/>
+              <a:ext cx="12159556" cy="902610"/>
+            </a:xfrm>
+            <a:prstGeom prst="rect">
+              <a:avLst/>
+            </a:prstGeom>
+            <a:solidFill>
+              <a:schemeClr val="tx2"/>
+            </a:solidFill>
+          </p:spPr>
+          <p:txBody>
+            <a:bodyPr wrap="square" rtlCol="0">
+              <a:spAutoFit/>
+            </a:bodyPr>
+            <a:lstStyle/>
+            <a:p>
+              <a:pPr algn="ctr"/>
+              <a:r>
+                <a:rPr lang="en-DE" sz="6000" dirty="0">
+                  <a:solidFill>
+                    <a:schemeClr val="bg1"/>
+                  </a:solidFill>
+                </a:rPr>
+                <a:t>Conclusion</a:t>
+              </a:r>
+            </a:p>
+          </p:txBody>
+        </p:sp>
+        <p:sp>
+          <p:nvSpPr>
+            <p:cNvPr id="55" name="TextBox 54">
+              <a:extLst>
+                <a:ext uri="{FF2B5EF4-FFF2-40B4-BE49-F238E27FC236}">
+                  <a16:creationId xmlns:a16="http://schemas.microsoft.com/office/drawing/2014/main" id="{022E6349-CE94-F55E-A570-5CC6937319CA}"/>
+                </a:ext>
+              </a:extLst>
+            </p:cNvPr>
+            <p:cNvSpPr txBox="1"/>
+            <p:nvPr/>
+          </p:nvSpPr>
+          <p:spPr>
+            <a:xfrm>
+              <a:off x="1268321" y="24409076"/>
+              <a:ext cx="12105684" cy="4020714"/>
+            </a:xfrm>
+            <a:prstGeom prst="rect">
+              <a:avLst/>
+            </a:prstGeom>
+            <a:noFill/>
+          </p:spPr>
+          <p:txBody>
+            <a:bodyPr wrap="square" rtlCol="0">
+              <a:spAutoFit/>
+            </a:bodyPr>
+            <a:lstStyle/>
+            <a:p>
+              <a:pPr marL="457200" indent="-457200">
+                <a:buClr>
+                  <a:schemeClr val="accent1"/>
+                </a:buClr>
+                <a:buFont typeface="Arial" panose="020B0604020202020204" pitchFamily="34" charset="0"/>
+                <a:buChar char="•"/>
+              </a:pPr>
+              <a:r>
+                <a:rPr lang="en-GB" sz="3200" dirty="0">
+                  <a:effectLst/>
+                </a:rPr>
+                <a:t>Disruptive individuals can change opinion dynamics</a:t>
+              </a:r>
+            </a:p>
+            <a:p>
+              <a:pPr marL="457200" indent="-457200">
+                <a:buClr>
+                  <a:schemeClr val="accent1"/>
+                </a:buClr>
+                <a:buFont typeface="Arial" panose="020B0604020202020204" pitchFamily="34" charset="0"/>
+                <a:buChar char="•"/>
+              </a:pPr>
+              <a:r>
+                <a:rPr lang="en-GB" sz="3200" dirty="0">
+                  <a:effectLst/>
+                </a:rPr>
+                <a:t>Precise, </a:t>
+              </a:r>
+              <a:r>
+                <a:rPr lang="en-GB" sz="3200" b="1" dirty="0">
+                  <a:effectLst/>
+                </a:rPr>
+                <a:t>quantitative</a:t>
+              </a:r>
+              <a:r>
+                <a:rPr lang="en-GB" sz="3200" dirty="0">
+                  <a:effectLst/>
+                </a:rPr>
+                <a:t> analysis of robustness</a:t>
+              </a:r>
+            </a:p>
+            <a:p>
+              <a:pPr marL="457200" indent="-457200">
+                <a:buClr>
+                  <a:schemeClr val="accent1"/>
+                </a:buClr>
+                <a:buFont typeface="Arial" panose="020B0604020202020204" pitchFamily="34" charset="0"/>
+                <a:buChar char="•"/>
+              </a:pPr>
+              <a:r>
+                <a:rPr lang="en-GB" sz="3200" b="1" dirty="0">
+                  <a:effectLst/>
+                </a:rPr>
+                <a:t>Stable consensus</a:t>
+              </a:r>
+              <a:r>
+                <a:rPr lang="en-GB" sz="3200" dirty="0">
+                  <a:effectLst/>
+                </a:rPr>
+                <a:t>: robust up to certain </a:t>
+              </a:r>
+              <a:r>
+                <a:rPr lang="en-GB" sz="3200" dirty="0"/>
+                <a:t>#zealots/#contrarians, then rapid phase transition; zealots are less harmful for reaching consensus</a:t>
+              </a:r>
+            </a:p>
+            <a:p>
+              <a:pPr marL="457200" indent="-457200">
+                <a:buClr>
+                  <a:schemeClr val="accent1"/>
+                </a:buClr>
+                <a:buFont typeface="Arial" panose="020B0604020202020204" pitchFamily="34" charset="0"/>
+                <a:buChar char="•"/>
+              </a:pPr>
+              <a:r>
+                <a:rPr lang="en-GB" sz="3200" b="1" dirty="0">
+                  <a:effectLst/>
+                </a:rPr>
+                <a:t>Switching consensus</a:t>
+              </a:r>
+              <a:r>
+                <a:rPr lang="en-GB" sz="3200" dirty="0">
+                  <a:effectLst/>
+                </a:rPr>
+                <a:t>: only range of zealots for which switching occurs with high probability; contrarians promote </a:t>
+              </a:r>
+              <a:r>
+                <a:rPr lang="en-GB" sz="3200" dirty="0"/>
+                <a:t>switching dynamics</a:t>
+              </a:r>
+            </a:p>
+            <a:p>
+              <a:pPr marL="457200" indent="-457200">
+                <a:buClr>
+                  <a:schemeClr val="accent1"/>
+                </a:buClr>
+                <a:buFont typeface="Arial" panose="020B0604020202020204" pitchFamily="34" charset="0"/>
+                <a:buChar char="•"/>
+              </a:pPr>
+              <a:endParaRPr lang="en-GB" sz="3200" dirty="0"/>
+            </a:p>
+            <a:p>
+              <a:pPr marL="457200" indent="-457200">
+                <a:buClr>
+                  <a:schemeClr val="accent1"/>
+                </a:buClr>
+                <a:buFont typeface="Arial" panose="020B0604020202020204" pitchFamily="34" charset="0"/>
+                <a:buChar char="•"/>
+              </a:pPr>
+              <a:r>
+                <a:rPr lang="en-GB" sz="3200" b="1" dirty="0">
+                  <a:effectLst/>
+                </a:rPr>
+                <a:t>Future work</a:t>
+              </a:r>
+              <a:r>
+                <a:rPr lang="en-GB" sz="3200" dirty="0">
+                  <a:effectLst/>
+                </a:rPr>
+                <a:t>: formal analysis of group-size effect, variations of current scenario (e.g. non-symmetric decision quality), control theory</a:t>
+              </a:r>
+            </a:p>
+          </p:txBody>
+        </p:sp>
+      </p:grpSp>
+      <p:sp>
+        <p:nvSpPr>
+          <p:cNvPr id="66" name="TextBox 65">
+            <a:extLst>
+              <a:ext uri="{FF2B5EF4-FFF2-40B4-BE49-F238E27FC236}">
+                <a16:creationId xmlns:a16="http://schemas.microsoft.com/office/drawing/2014/main" id="{78AC012A-151F-D146-7BF4-0BE764B68F73}"/>
+              </a:ext>
+            </a:extLst>
+          </p:cNvPr>
+          <p:cNvSpPr txBox="1"/>
+          <p:nvPr/>
+        </p:nvSpPr>
+        <p:spPr>
+          <a:xfrm>
+            <a:off x="10398700" y="26520037"/>
+            <a:ext cx="3292215" cy="461665"/>
+          </a:xfrm>
+          <a:prstGeom prst="rect">
+            <a:avLst/>
+          </a:prstGeom>
+          <a:noFill/>
+        </p:spPr>
+        <p:txBody>
+          <a:bodyPr wrap="square" rtlCol="0">
+            <a:spAutoFit/>
+          </a:bodyPr>
+          <a:lstStyle/>
+          <a:p>
+            <a:pPr algn="ctr"/>
+            <a:r>
+              <a:rPr lang="en-GB" sz="2400" u="sng" dirty="0"/>
+              <a:t>Cross-Inhibition model</a:t>
+            </a:r>
+          </a:p>
+        </p:txBody>
+      </p:sp>
+      <p:sp>
+        <p:nvSpPr>
+          <p:cNvPr id="67" name="TextBox 66">
+            <a:extLst>
+              <a:ext uri="{FF2B5EF4-FFF2-40B4-BE49-F238E27FC236}">
+                <a16:creationId xmlns:a16="http://schemas.microsoft.com/office/drawing/2014/main" id="{A32A9F58-6D99-153B-EE67-3158402ACC4D}"/>
+              </a:ext>
+            </a:extLst>
+          </p:cNvPr>
+          <p:cNvSpPr txBox="1"/>
+          <p:nvPr/>
+        </p:nvSpPr>
+        <p:spPr>
+          <a:xfrm>
+            <a:off x="10445400" y="29410079"/>
+            <a:ext cx="3292215" cy="461665"/>
+          </a:xfrm>
+          <a:prstGeom prst="rect">
+            <a:avLst/>
+          </a:prstGeom>
+          <a:noFill/>
+        </p:spPr>
+        <p:txBody>
+          <a:bodyPr wrap="square" rtlCol="0">
+            <a:spAutoFit/>
+          </a:bodyPr>
+          <a:lstStyle/>
+          <a:p>
+            <a:pPr algn="ctr"/>
+            <a:r>
+              <a:rPr lang="en-GB" sz="2400" u="sng" dirty="0"/>
+              <a:t>Zealots</a:t>
+            </a:r>
+          </a:p>
+        </p:txBody>
+      </p:sp>
+      <p:sp>
+        <p:nvSpPr>
+          <p:cNvPr id="68" name="TextBox 67">
+            <a:extLst>
+              <a:ext uri="{FF2B5EF4-FFF2-40B4-BE49-F238E27FC236}">
+                <a16:creationId xmlns:a16="http://schemas.microsoft.com/office/drawing/2014/main" id="{30CA1285-C8B0-3142-5BDC-A3F2E918A0A4}"/>
+              </a:ext>
+            </a:extLst>
+          </p:cNvPr>
+          <p:cNvSpPr txBox="1"/>
+          <p:nvPr/>
+        </p:nvSpPr>
+        <p:spPr>
+          <a:xfrm>
+            <a:off x="10398699" y="32303765"/>
+            <a:ext cx="3292215" cy="461665"/>
+          </a:xfrm>
+          <a:prstGeom prst="rect">
+            <a:avLst/>
+          </a:prstGeom>
+          <a:noFill/>
+        </p:spPr>
+        <p:txBody>
+          <a:bodyPr wrap="square" rtlCol="0">
+            <a:spAutoFit/>
+          </a:bodyPr>
+          <a:lstStyle/>
+          <a:p>
+            <a:pPr algn="ctr"/>
+            <a:r>
+              <a:rPr lang="en-GB" sz="2400" u="sng" dirty="0"/>
+              <a:t>Contrarians</a:t>
+            </a:r>
+          </a:p>
+        </p:txBody>
+      </p:sp>
+      <p:sp>
+        <p:nvSpPr>
+          <p:cNvPr id="69" name="TextBox 68">
+            <a:extLst>
+              <a:ext uri="{FF2B5EF4-FFF2-40B4-BE49-F238E27FC236}">
+                <a16:creationId xmlns:a16="http://schemas.microsoft.com/office/drawing/2014/main" id="{CFFD5D62-E287-24A6-F296-D3FD66152621}"/>
+              </a:ext>
+            </a:extLst>
+          </p:cNvPr>
+          <p:cNvSpPr txBox="1"/>
+          <p:nvPr/>
+        </p:nvSpPr>
+        <p:spPr>
+          <a:xfrm>
+            <a:off x="10261406" y="37148242"/>
+            <a:ext cx="3660202" cy="461665"/>
+          </a:xfrm>
+          <a:prstGeom prst="rect">
+            <a:avLst/>
+          </a:prstGeom>
+          <a:noFill/>
+        </p:spPr>
+        <p:txBody>
+          <a:bodyPr wrap="square" rtlCol="0">
+            <a:spAutoFit/>
+          </a:bodyPr>
+          <a:lstStyle/>
+          <a:p>
+            <a:pPr algn="ctr"/>
+            <a:r>
+              <a:rPr lang="en-GB" sz="2400" u="sng" dirty="0"/>
+              <a:t>Both Zealots &amp; Contrarians</a:t>
+            </a:r>
+          </a:p>
+        </p:txBody>
+      </p:sp>
+      <p:pic>
+        <p:nvPicPr>
+          <p:cNvPr id="11" name="Picture 10" descr="A black and white logo with a head and wheat&#10;&#10;Description automatically generated">
+            <a:extLst>
+              <a:ext uri="{FF2B5EF4-FFF2-40B4-BE49-F238E27FC236}">
+                <a16:creationId xmlns:a16="http://schemas.microsoft.com/office/drawing/2014/main" id="{DFE35521-84EE-4235-ACAC-1583B1BE2D28}"/>
+              </a:ext>
+            </a:extLst>
+          </p:cNvPr>
+          <p:cNvPicPr>
+            <a:picLocks noChangeAspect="1"/>
+          </p:cNvPicPr>
+          <p:nvPr/>
+        </p:nvPicPr>
+        <p:blipFill>
+          <a:blip r:embed="rId23">
+            <a:extLst>
+              <a:ext uri="{28A0092B-C50C-407E-A947-70E740481C1C}">
+                <a14:useLocalDpi xmlns:a14="http://schemas.microsoft.com/office/drawing/2010/main" val="0"/>
+              </a:ext>
+            </a:extLst>
+          </a:blip>
+          <a:stretch>
+            <a:fillRect/>
+          </a:stretch>
+        </p:blipFill>
+        <p:spPr>
+          <a:xfrm>
+            <a:off x="26614022" y="1765519"/>
+            <a:ext cx="2653692" cy="1765911"/>
+          </a:xfrm>
+          <a:prstGeom prst="rect">
+            <a:avLst/>
+          </a:prstGeom>
+        </p:spPr>
+      </p:pic>
+      <p:sp>
+        <p:nvSpPr>
+          <p:cNvPr id="19" name="TextBox 18">
+            <a:extLst>
+              <a:ext uri="{FF2B5EF4-FFF2-40B4-BE49-F238E27FC236}">
+                <a16:creationId xmlns:a16="http://schemas.microsoft.com/office/drawing/2014/main" id="{D715FAAA-6D71-73ED-D285-53D094E74ADC}"/>
+              </a:ext>
+            </a:extLst>
+          </p:cNvPr>
+          <p:cNvSpPr txBox="1"/>
+          <p:nvPr/>
+        </p:nvSpPr>
+        <p:spPr>
+          <a:xfrm>
+            <a:off x="13541770" y="27667016"/>
+            <a:ext cx="953650" cy="584775"/>
+          </a:xfrm>
+          <a:prstGeom prst="rect">
+            <a:avLst/>
+          </a:prstGeom>
+          <a:noFill/>
+        </p:spPr>
+        <p:txBody>
+          <a:bodyPr wrap="square" rtlCol="0">
+            <a:spAutoFit/>
+          </a:bodyPr>
+          <a:lstStyle/>
+          <a:p>
+            <a:r>
+              <a:rPr lang="en-GB" sz="3200" dirty="0"/>
+              <a:t>(2e)</a:t>
+            </a:r>
+          </a:p>
+        </p:txBody>
+      </p:sp>
+      <p:sp>
+        <p:nvSpPr>
+          <p:cNvPr id="20" name="TextBox 19">
+            <a:extLst>
+              <a:ext uri="{FF2B5EF4-FFF2-40B4-BE49-F238E27FC236}">
+                <a16:creationId xmlns:a16="http://schemas.microsoft.com/office/drawing/2014/main" id="{6FDE1D83-D203-6938-FB75-C4FB85FF61F1}"/>
+              </a:ext>
+            </a:extLst>
+          </p:cNvPr>
+          <p:cNvSpPr txBox="1"/>
+          <p:nvPr/>
+        </p:nvSpPr>
+        <p:spPr>
+          <a:xfrm>
+            <a:off x="13541770" y="30560702"/>
+            <a:ext cx="953650" cy="584775"/>
+          </a:xfrm>
+          <a:prstGeom prst="rect">
+            <a:avLst/>
+          </a:prstGeom>
+          <a:noFill/>
+        </p:spPr>
+        <p:txBody>
+          <a:bodyPr wrap="square" rtlCol="0">
+            <a:spAutoFit/>
+          </a:bodyPr>
+          <a:lstStyle/>
+          <a:p>
+            <a:r>
+              <a:rPr lang="en-GB" sz="3200" dirty="0"/>
+              <a:t>(2f)</a:t>
+            </a:r>
+          </a:p>
+        </p:txBody>
+      </p:sp>
+      <p:pic>
+        <p:nvPicPr>
+          <p:cNvPr id="51" name="Picture 50">
+            <a:extLst>
+              <a:ext uri="{FF2B5EF4-FFF2-40B4-BE49-F238E27FC236}">
+                <a16:creationId xmlns:a16="http://schemas.microsoft.com/office/drawing/2014/main" id="{9147855D-7D56-0B96-1B71-8C74C8119053}"/>
+              </a:ext>
+            </a:extLst>
+          </p:cNvPr>
+          <p:cNvPicPr>
+            <a:picLocks noChangeAspect="1"/>
+          </p:cNvPicPr>
+          <p:nvPr/>
+        </p:nvPicPr>
+        <p:blipFill>
+          <a:blip r:embed="rId24"/>
+          <a:stretch>
+            <a:fillRect/>
+          </a:stretch>
+        </p:blipFill>
+        <p:spPr>
+          <a:xfrm>
+            <a:off x="2487836" y="26454621"/>
+            <a:ext cx="6438900" cy="1308100"/>
+          </a:xfrm>
+          <a:prstGeom prst="rect">
+            <a:avLst/>
+          </a:prstGeom>
+        </p:spPr>
+      </p:pic>
+      <p:sp>
+        <p:nvSpPr>
+          <p:cNvPr id="43" name="TextBox 42">
+            <a:extLst>
+              <a:ext uri="{FF2B5EF4-FFF2-40B4-BE49-F238E27FC236}">
+                <a16:creationId xmlns:a16="http://schemas.microsoft.com/office/drawing/2014/main" id="{645A31E2-AEE5-B168-6497-430AE838EBAF}"/>
+              </a:ext>
+            </a:extLst>
+          </p:cNvPr>
+          <p:cNvSpPr txBox="1"/>
+          <p:nvPr/>
+        </p:nvSpPr>
+        <p:spPr>
+          <a:xfrm>
+            <a:off x="13541770" y="34380483"/>
+            <a:ext cx="953650" cy="584775"/>
+          </a:xfrm>
+          <a:prstGeom prst="rect">
+            <a:avLst/>
+          </a:prstGeom>
+          <a:noFill/>
+        </p:spPr>
+        <p:txBody>
+          <a:bodyPr wrap="square" rtlCol="0">
+            <a:spAutoFit/>
+          </a:bodyPr>
+          <a:lstStyle/>
+          <a:p>
+            <a:r>
+              <a:rPr lang="en-GB" sz="3200" dirty="0"/>
+              <a:t>(2g)</a:t>
+            </a:r>
+          </a:p>
+        </p:txBody>
+      </p:sp>
+      <p:sp>
+        <p:nvSpPr>
+          <p:cNvPr id="45" name="TextBox 44">
+            <a:extLst>
+              <a:ext uri="{FF2B5EF4-FFF2-40B4-BE49-F238E27FC236}">
+                <a16:creationId xmlns:a16="http://schemas.microsoft.com/office/drawing/2014/main" id="{A8E953E9-76F0-2D43-FF66-5F6E29C78F19}"/>
+              </a:ext>
+            </a:extLst>
+          </p:cNvPr>
+          <p:cNvSpPr txBox="1"/>
+          <p:nvPr/>
+        </p:nvSpPr>
+        <p:spPr>
+          <a:xfrm>
+            <a:off x="13541770" y="37682976"/>
+            <a:ext cx="953650" cy="584775"/>
+          </a:xfrm>
+          <a:prstGeom prst="rect">
+            <a:avLst/>
+          </a:prstGeom>
+          <a:noFill/>
+        </p:spPr>
+        <p:txBody>
+          <a:bodyPr wrap="square" rtlCol="0">
+            <a:spAutoFit/>
+          </a:bodyPr>
+          <a:lstStyle/>
+          <a:p>
+            <a:r>
+              <a:rPr lang="en-GB" sz="3200" dirty="0"/>
+              <a:t>(2h)</a:t>
+            </a:r>
+          </a:p>
+        </p:txBody>
+      </p:sp>
+      <p:pic>
+        <p:nvPicPr>
+          <p:cNvPr id="56" name="Picture 55">
+            <a:extLst>
+              <a:ext uri="{FF2B5EF4-FFF2-40B4-BE49-F238E27FC236}">
+                <a16:creationId xmlns:a16="http://schemas.microsoft.com/office/drawing/2014/main" id="{B773F653-AF7D-A1D2-6C1D-CC1538427BE8}"/>
+              </a:ext>
+            </a:extLst>
+          </p:cNvPr>
+          <p:cNvPicPr>
+            <a:picLocks noChangeAspect="1"/>
+          </p:cNvPicPr>
+          <p:nvPr/>
+        </p:nvPicPr>
+        <p:blipFill>
+          <a:blip r:embed="rId25"/>
+          <a:stretch>
+            <a:fillRect/>
+          </a:stretch>
+        </p:blipFill>
+        <p:spPr>
+          <a:xfrm>
+            <a:off x="2487836" y="28050375"/>
+            <a:ext cx="6438900" cy="2971800"/>
+          </a:xfrm>
+          <a:prstGeom prst="rect">
+            <a:avLst/>
+          </a:prstGeom>
+        </p:spPr>
+      </p:pic>
+      <p:pic>
+        <p:nvPicPr>
+          <p:cNvPr id="60" name="Picture 59">
+            <a:extLst>
+              <a:ext uri="{FF2B5EF4-FFF2-40B4-BE49-F238E27FC236}">
+                <a16:creationId xmlns:a16="http://schemas.microsoft.com/office/drawing/2014/main" id="{505E51B7-27DF-CA39-09FF-8F3F0F5E262D}"/>
+              </a:ext>
+            </a:extLst>
+          </p:cNvPr>
+          <p:cNvPicPr>
+            <a:picLocks noChangeAspect="1"/>
+          </p:cNvPicPr>
+          <p:nvPr/>
+        </p:nvPicPr>
+        <p:blipFill>
+          <a:blip r:embed="rId26"/>
+          <a:stretch>
+            <a:fillRect/>
+          </a:stretch>
+        </p:blipFill>
+        <p:spPr>
+          <a:xfrm>
+            <a:off x="2487836" y="31309829"/>
+            <a:ext cx="6438900" cy="3302000"/>
+          </a:xfrm>
+          <a:prstGeom prst="rect">
+            <a:avLst/>
+          </a:prstGeom>
+        </p:spPr>
+      </p:pic>
+      <p:pic>
+        <p:nvPicPr>
+          <p:cNvPr id="62" name="Picture 61">
+            <a:extLst>
+              <a:ext uri="{FF2B5EF4-FFF2-40B4-BE49-F238E27FC236}">
+                <a16:creationId xmlns:a16="http://schemas.microsoft.com/office/drawing/2014/main" id="{E30988EF-2C3C-8EB6-992E-8F6DFFABBA56}"/>
+              </a:ext>
+            </a:extLst>
+          </p:cNvPr>
+          <p:cNvPicPr>
+            <a:picLocks noChangeAspect="1"/>
+          </p:cNvPicPr>
+          <p:nvPr/>
+        </p:nvPicPr>
+        <p:blipFill>
+          <a:blip r:embed="rId27"/>
+          <a:stretch>
+            <a:fillRect/>
+          </a:stretch>
+        </p:blipFill>
+        <p:spPr>
+          <a:xfrm>
+            <a:off x="2487836" y="34899483"/>
+            <a:ext cx="6438900" cy="4241800"/>
+          </a:xfrm>
+          <a:prstGeom prst="rect">
+            <a:avLst/>
+          </a:prstGeom>
+        </p:spPr>
+      </p:pic>
+      <p:cxnSp>
+        <p:nvCxnSpPr>
+          <p:cNvPr id="76" name="Straight Connector 75">
+            <a:extLst>
+              <a:ext uri="{FF2B5EF4-FFF2-40B4-BE49-F238E27FC236}">
+                <a16:creationId xmlns:a16="http://schemas.microsoft.com/office/drawing/2014/main" id="{F34F3030-6D31-955E-AA04-D1D51D548445}"/>
+              </a:ext>
+            </a:extLst>
+          </p:cNvPr>
+          <p:cNvCxnSpPr>
+            <a:cxnSpLocks/>
+          </p:cNvCxnSpPr>
+          <p:nvPr/>
+        </p:nvCxnSpPr>
+        <p:spPr>
+          <a:xfrm>
+            <a:off x="2437652" y="27790058"/>
+            <a:ext cx="6390189" cy="0"/>
+          </a:xfrm>
+          <a:prstGeom prst="line">
+            <a:avLst/>
+          </a:prstGeom>
+          <a:ln w="12700">
+            <a:solidFill>
+              <a:schemeClr val="tx2"/>
+            </a:solidFill>
+            <a:prstDash val="solid"/>
+          </a:ln>
+        </p:spPr>
+        <p:style>
+          <a:lnRef idx="1">
+            <a:schemeClr val="accent1"/>
+          </a:lnRef>
+          <a:fillRef idx="0">
+            <a:schemeClr val="accent1"/>
+          </a:fillRef>
+          <a:effectRef idx="0">
+            <a:schemeClr val="accent1"/>
+          </a:effectRef>
+          <a:fontRef idx="minor">
+            <a:schemeClr val="tx1"/>
+          </a:fontRef>
+        </p:style>
+      </p:cxnSp>
+      <p:cxnSp>
+        <p:nvCxnSpPr>
+          <p:cNvPr id="78" name="Straight Connector 77">
+            <a:extLst>
+              <a:ext uri="{FF2B5EF4-FFF2-40B4-BE49-F238E27FC236}">
+                <a16:creationId xmlns:a16="http://schemas.microsoft.com/office/drawing/2014/main" id="{CF7D18D6-1553-1CF3-EAC9-5484699FB34D}"/>
+              </a:ext>
+            </a:extLst>
+          </p:cNvPr>
+          <p:cNvCxnSpPr>
+            <a:cxnSpLocks/>
+          </p:cNvCxnSpPr>
+          <p:nvPr/>
+        </p:nvCxnSpPr>
+        <p:spPr>
+          <a:xfrm>
+            <a:off x="2437652" y="31145477"/>
+            <a:ext cx="6390189" cy="0"/>
+          </a:xfrm>
+          <a:prstGeom prst="line">
+            <a:avLst/>
+          </a:prstGeom>
+          <a:ln w="12700">
+            <a:solidFill>
+              <a:schemeClr val="tx2"/>
+            </a:solidFill>
+            <a:prstDash val="solid"/>
+          </a:ln>
+        </p:spPr>
+        <p:style>
+          <a:lnRef idx="1">
+            <a:schemeClr val="accent1"/>
+          </a:lnRef>
+          <a:fillRef idx="0">
+            <a:schemeClr val="accent1"/>
+          </a:fillRef>
+          <a:effectRef idx="0">
+            <a:schemeClr val="accent1"/>
+          </a:effectRef>
+          <a:fontRef idx="minor">
+            <a:schemeClr val="tx1"/>
+          </a:fontRef>
+        </p:style>
+      </p:cxnSp>
+      <p:cxnSp>
+        <p:nvCxnSpPr>
+          <p:cNvPr id="79" name="Straight Connector 78">
+            <a:extLst>
+              <a:ext uri="{FF2B5EF4-FFF2-40B4-BE49-F238E27FC236}">
+                <a16:creationId xmlns:a16="http://schemas.microsoft.com/office/drawing/2014/main" id="{FFBB2F50-9AAC-41B7-E104-5E42E4A8743B}"/>
+              </a:ext>
+            </a:extLst>
+          </p:cNvPr>
+          <p:cNvCxnSpPr>
+            <a:cxnSpLocks/>
+          </p:cNvCxnSpPr>
+          <p:nvPr/>
+        </p:nvCxnSpPr>
+        <p:spPr>
+          <a:xfrm>
+            <a:off x="2437652" y="34672870"/>
+            <a:ext cx="6390189" cy="0"/>
+          </a:xfrm>
+          <a:prstGeom prst="line">
+            <a:avLst/>
+          </a:prstGeom>
+          <a:ln w="12700">
+            <a:solidFill>
+              <a:schemeClr val="tx2"/>
+            </a:solidFill>
+            <a:prstDash val="solid"/>
+          </a:ln>
+        </p:spPr>
+        <p:style>
+          <a:lnRef idx="1">
+            <a:schemeClr val="accent1"/>
+          </a:lnRef>
+          <a:fillRef idx="0">
+            <a:schemeClr val="accent1"/>
+          </a:fillRef>
+          <a:effectRef idx="0">
+            <a:schemeClr val="accent1"/>
+          </a:effectRef>
+          <a:fontRef idx="minor">
+            <a:schemeClr val="tx1"/>
+          </a:fontRef>
+        </p:style>
+      </p:cxnSp>
+      <p:pic>
+        <p:nvPicPr>
+          <p:cNvPr id="81" name="Picture 80">
+            <a:extLst>
+              <a:ext uri="{FF2B5EF4-FFF2-40B4-BE49-F238E27FC236}">
+                <a16:creationId xmlns:a16="http://schemas.microsoft.com/office/drawing/2014/main" id="{83FC123C-F75F-8B96-F412-FF1A9F1224E7}"/>
+              </a:ext>
+            </a:extLst>
+          </p:cNvPr>
+          <p:cNvPicPr>
+            <a:picLocks noChangeAspect="1"/>
+          </p:cNvPicPr>
+          <p:nvPr/>
+        </p:nvPicPr>
+        <p:blipFill>
+          <a:blip r:embed="rId28"/>
+          <a:srcRect l="2851" t="4007" r="7585" b="4603"/>
+          <a:stretch/>
+        </p:blipFill>
+        <p:spPr>
+          <a:xfrm>
+            <a:off x="11048564" y="27023020"/>
+            <a:ext cx="1979199" cy="1729331"/>
+          </a:xfrm>
+          <a:prstGeom prst="rect">
+            <a:avLst/>
+          </a:prstGeom>
+        </p:spPr>
+      </p:pic>
+      <p:pic>
+        <p:nvPicPr>
+          <p:cNvPr id="83" name="Picture 82">
+            <a:extLst>
+              <a:ext uri="{FF2B5EF4-FFF2-40B4-BE49-F238E27FC236}">
+                <a16:creationId xmlns:a16="http://schemas.microsoft.com/office/drawing/2014/main" id="{81FCAD97-504B-D146-9D85-6A44BB9A5CEF}"/>
+              </a:ext>
+            </a:extLst>
+          </p:cNvPr>
+          <p:cNvPicPr>
+            <a:picLocks noChangeAspect="1"/>
+          </p:cNvPicPr>
+          <p:nvPr/>
+        </p:nvPicPr>
+        <p:blipFill>
+          <a:blip r:embed="rId29"/>
+          <a:srcRect l="2305" t="2395" r="3034" b="4927"/>
+          <a:stretch/>
+        </p:blipFill>
+        <p:spPr>
+          <a:xfrm>
+            <a:off x="10872057" y="29901002"/>
+            <a:ext cx="2332212" cy="1753728"/>
+          </a:xfrm>
+          <a:prstGeom prst="rect">
+            <a:avLst/>
+          </a:prstGeom>
+          <a:ln>
+            <a:noFill/>
+          </a:ln>
+        </p:spPr>
+      </p:pic>
+      <p:pic>
+        <p:nvPicPr>
+          <p:cNvPr id="85" name="Picture 84">
+            <a:extLst>
+              <a:ext uri="{FF2B5EF4-FFF2-40B4-BE49-F238E27FC236}">
+                <a16:creationId xmlns:a16="http://schemas.microsoft.com/office/drawing/2014/main" id="{F6C39325-D1AF-5112-3C91-C770F7B7B38F}"/>
+              </a:ext>
+            </a:extLst>
+          </p:cNvPr>
+          <p:cNvPicPr>
+            <a:picLocks noChangeAspect="1"/>
+          </p:cNvPicPr>
+          <p:nvPr/>
+        </p:nvPicPr>
+        <p:blipFill>
+          <a:blip r:embed="rId30"/>
+          <a:stretch>
+            <a:fillRect/>
+          </a:stretch>
+        </p:blipFill>
+        <p:spPr>
+          <a:xfrm>
+            <a:off x="10628463" y="32740539"/>
+            <a:ext cx="2819400" cy="3911600"/>
+          </a:xfrm>
+          <a:prstGeom prst="rect">
+            <a:avLst/>
+          </a:prstGeom>
+        </p:spPr>
+      </p:pic>
+      <p:pic>
+        <p:nvPicPr>
+          <p:cNvPr id="87" name="Picture 86">
+            <a:extLst>
+              <a:ext uri="{FF2B5EF4-FFF2-40B4-BE49-F238E27FC236}">
+                <a16:creationId xmlns:a16="http://schemas.microsoft.com/office/drawing/2014/main" id="{1F005276-BA5C-C790-6AB4-7733F4B6C335}"/>
+              </a:ext>
+            </a:extLst>
+          </p:cNvPr>
+          <p:cNvPicPr>
+            <a:picLocks noChangeAspect="1"/>
+          </p:cNvPicPr>
+          <p:nvPr/>
+        </p:nvPicPr>
+        <p:blipFill>
+          <a:blip r:embed="rId31"/>
+          <a:stretch>
+            <a:fillRect/>
+          </a:stretch>
+        </p:blipFill>
+        <p:spPr>
+          <a:xfrm>
+            <a:off x="10704663" y="37638797"/>
+            <a:ext cx="2667000" cy="838200"/>
+          </a:xfrm>
+          <a:prstGeom prst="rect">
+            <a:avLst/>
+          </a:prstGeom>
+        </p:spPr>
+      </p:pic>
     </p:spTree>
     <p:extLst>
       <p:ext uri="{BB962C8B-B14F-4D97-AF65-F5344CB8AC3E}">
